--- a/עלה בנגב.pptx
+++ b/עלה בנגב.pptx
@@ -5,17 +5,21 @@
     <p:sldMasterId id="2147483648" r:id="rId1"/>
   </p:sldMasterIdLst>
   <p:notesMasterIdLst>
-    <p:notesMasterId r:id="rId10"/>
+    <p:notesMasterId r:id="rId14"/>
   </p:notesMasterIdLst>
   <p:sldIdLst>
     <p:sldId id="264" r:id="rId2"/>
     <p:sldId id="256" r:id="rId3"/>
-    <p:sldId id="263" r:id="rId4"/>
+    <p:sldId id="265" r:id="rId4"/>
     <p:sldId id="260" r:id="rId5"/>
-    <p:sldId id="261" r:id="rId6"/>
-    <p:sldId id="259" r:id="rId7"/>
-    <p:sldId id="258" r:id="rId8"/>
-    <p:sldId id="262" r:id="rId9"/>
+    <p:sldId id="266" r:id="rId6"/>
+    <p:sldId id="261" r:id="rId7"/>
+    <p:sldId id="271" r:id="rId8"/>
+    <p:sldId id="272" r:id="rId9"/>
+    <p:sldId id="262" r:id="rId10"/>
+    <p:sldId id="268" r:id="rId11"/>
+    <p:sldId id="269" r:id="rId12"/>
+    <p:sldId id="270" r:id="rId13"/>
   </p:sldIdLst>
   <p:sldSz cx="9144000" cy="6858000" type="screen4x3"/>
   <p:notesSz cx="6858000" cy="9144000"/>
@@ -119,7 +123,7 @@
 
 <file path=ppt/commentAuthors.xml><?xml version="1.0" encoding="utf-8"?>
 <p:cmAuthorLst xmlns:a="http://schemas.openxmlformats.org/drawingml/2006/main" xmlns:r="http://schemas.openxmlformats.org/officeDocument/2006/relationships" xmlns:p="http://schemas.openxmlformats.org/presentationml/2006/main">
-  <p:cmAuthor id="0" name="user" initials="u" lastIdx="4" clrIdx="0"/>
+  <p:cmAuthor id="0" name="user" initials="u" lastIdx="7" clrIdx="0"/>
 </p:cmAuthorLst>
 </file>
 
@@ -141,6 +145,24 @@
   <p:cm authorId="0" dt="2017-08-28T22:32:39.274" idx="4">
     <p:pos x="5622" y="156"/>
     <p:text>חיפוש לפי שם דייר ומספר ת.ז</p:text>
+  </p:cm>
+</p:cmLst>
+</file>
+
+<file path=ppt/comments/comment3.xml><?xml version="1.0" encoding="utf-8"?>
+<p:cmLst xmlns:a="http://schemas.openxmlformats.org/drawingml/2006/main" xmlns:r="http://schemas.openxmlformats.org/officeDocument/2006/relationships" xmlns:p="http://schemas.openxmlformats.org/presentationml/2006/main">
+  <p:cm authorId="0" dt="2017-08-28T22:32:39.274" idx="5">
+    <p:pos x="5622" y="156"/>
+    <p:text>חיפוש לפי שם דייר ומספר ת.ז</p:text>
+  </p:cm>
+</p:cmLst>
+</file>
+
+<file path=ppt/comments/comment4.xml><?xml version="1.0" encoding="utf-8"?>
+<p:cmLst xmlns:a="http://schemas.openxmlformats.org/drawingml/2006/main" xmlns:r="http://schemas.openxmlformats.org/officeDocument/2006/relationships" xmlns:p="http://schemas.openxmlformats.org/presentationml/2006/main">
+  <p:cm authorId="0" dt="2017-08-28T23:41:05.472" idx="6">
+    <p:pos x="4572" y="1829"/>
+    <p:text>אפשרות להוסיף לוח שנה קטן שנפתח אם בא לכם</p:text>
   </p:cm>
 </p:cmLst>
 </file>
@@ -684,6 +706,12 @@
               <a:rPr lang="he-IL" baseline="0" dirty="0" smtClean="0"/>
               <a:t> תהליך ראשוני</a:t>
             </a:r>
+          </a:p>
+          <a:p>
+            <a:r>
+              <a:rPr lang="he-IL" baseline="0" dirty="0" smtClean="0"/>
+              <a:t>אייקון הבית מוביל למסך הזה תמיד!!!!</a:t>
+            </a:r>
             <a:endParaRPr lang="he-IL" dirty="0"/>
           </a:p>
         </p:txBody>
@@ -706,6 +734,468 @@
             <a:fld id="{954B3907-47B7-40F6-8541-5B646E3FC447}" type="slidenum">
               <a:rPr lang="he-IL" smtClean="0"/>
               <a:t>2</a:t>
+            </a:fld>
+            <a:endParaRPr lang="he-IL"/>
+          </a:p>
+        </p:txBody>
+      </p:sp>
+    </p:spTree>
+  </p:cSld>
+  <p:clrMapOvr>
+    <a:masterClrMapping/>
+  </p:clrMapOvr>
+</p:notes>
+</file>
+
+<file path=ppt/notesSlides/notesSlide3.xml><?xml version="1.0" encoding="utf-8"?>
+<p:notes xmlns:a="http://schemas.openxmlformats.org/drawingml/2006/main" xmlns:r="http://schemas.openxmlformats.org/officeDocument/2006/relationships" xmlns:p="http://schemas.openxmlformats.org/presentationml/2006/main">
+  <p:cSld>
+    <p:spTree>
+      <p:nvGrpSpPr>
+        <p:cNvPr id="1" name=""/>
+        <p:cNvGrpSpPr/>
+        <p:nvPr/>
+      </p:nvGrpSpPr>
+      <p:grpSpPr>
+        <a:xfrm>
+          <a:off x="0" y="0"/>
+          <a:ext cx="0" cy="0"/>
+          <a:chOff x="0" y="0"/>
+          <a:chExt cx="0" cy="0"/>
+        </a:xfrm>
+      </p:grpSpPr>
+      <p:sp>
+        <p:nvSpPr>
+          <p:cNvPr id="2" name="מציין מיקום של תמונת שקופית 1"/>
+          <p:cNvSpPr>
+            <a:spLocks noGrp="1" noRot="1" noChangeAspect="1"/>
+          </p:cNvSpPr>
+          <p:nvPr>
+            <p:ph type="sldImg"/>
+          </p:nvPr>
+        </p:nvSpPr>
+        <p:spPr/>
+      </p:sp>
+      <p:sp>
+        <p:nvSpPr>
+          <p:cNvPr id="3" name="מציין מיקום של הערות 2"/>
+          <p:cNvSpPr>
+            <a:spLocks noGrp="1"/>
+          </p:cNvSpPr>
+          <p:nvPr>
+            <p:ph type="body" idx="1"/>
+          </p:nvPr>
+        </p:nvSpPr>
+        <p:spPr/>
+        <p:txBody>
+          <a:bodyPr>
+            <a:normAutofit/>
+          </a:bodyPr>
+          <a:lstStyle/>
+          <a:p>
+            <a:r>
+              <a:rPr lang="he-IL" dirty="0" smtClean="0"/>
+              <a:t>עמוד ראשוני</a:t>
+            </a:r>
+            <a:r>
+              <a:rPr lang="he-IL" baseline="0" dirty="0" smtClean="0"/>
+              <a:t> </a:t>
+            </a:r>
+            <a:r>
+              <a:rPr lang="he-IL" baseline="0" dirty="0" err="1" smtClean="0"/>
+              <a:t>– בחירת</a:t>
+            </a:r>
+            <a:r>
+              <a:rPr lang="he-IL" baseline="0" dirty="0" smtClean="0"/>
+              <a:t> תהליך ראשוני</a:t>
+            </a:r>
+            <a:endParaRPr lang="he-IL" dirty="0"/>
+          </a:p>
+        </p:txBody>
+      </p:sp>
+      <p:sp>
+        <p:nvSpPr>
+          <p:cNvPr id="4" name="מציין מיקום של מספר שקופית 3"/>
+          <p:cNvSpPr>
+            <a:spLocks noGrp="1"/>
+          </p:cNvSpPr>
+          <p:nvPr>
+            <p:ph type="sldNum" sz="quarter" idx="10"/>
+          </p:nvPr>
+        </p:nvSpPr>
+        <p:spPr/>
+        <p:txBody>
+          <a:bodyPr/>
+          <a:lstStyle/>
+          <a:p>
+            <a:fld id="{954B3907-47B7-40F6-8541-5B646E3FC447}" type="slidenum">
+              <a:rPr lang="he-IL" smtClean="0"/>
+              <a:t>3</a:t>
+            </a:fld>
+            <a:endParaRPr lang="he-IL"/>
+          </a:p>
+        </p:txBody>
+      </p:sp>
+    </p:spTree>
+  </p:cSld>
+  <p:clrMapOvr>
+    <a:masterClrMapping/>
+  </p:clrMapOvr>
+</p:notes>
+</file>
+
+<file path=ppt/notesSlides/notesSlide4.xml><?xml version="1.0" encoding="utf-8"?>
+<p:notes xmlns:a="http://schemas.openxmlformats.org/drawingml/2006/main" xmlns:r="http://schemas.openxmlformats.org/officeDocument/2006/relationships" xmlns:p="http://schemas.openxmlformats.org/presentationml/2006/main">
+  <p:cSld>
+    <p:spTree>
+      <p:nvGrpSpPr>
+        <p:cNvPr id="1" name=""/>
+        <p:cNvGrpSpPr/>
+        <p:nvPr/>
+      </p:nvGrpSpPr>
+      <p:grpSpPr>
+        <a:xfrm>
+          <a:off x="0" y="0"/>
+          <a:ext cx="0" cy="0"/>
+          <a:chOff x="0" y="0"/>
+          <a:chExt cx="0" cy="0"/>
+        </a:xfrm>
+      </p:grpSpPr>
+      <p:sp>
+        <p:nvSpPr>
+          <p:cNvPr id="2" name="מציין מיקום של תמונת שקופית 1"/>
+          <p:cNvSpPr>
+            <a:spLocks noGrp="1" noRot="1" noChangeAspect="1"/>
+          </p:cNvSpPr>
+          <p:nvPr>
+            <p:ph type="sldImg"/>
+          </p:nvPr>
+        </p:nvSpPr>
+        <p:spPr/>
+      </p:sp>
+      <p:sp>
+        <p:nvSpPr>
+          <p:cNvPr id="3" name="מציין מיקום של הערות 2"/>
+          <p:cNvSpPr>
+            <a:spLocks noGrp="1"/>
+          </p:cNvSpPr>
+          <p:nvPr>
+            <p:ph type="body" idx="1"/>
+          </p:nvPr>
+        </p:nvSpPr>
+        <p:spPr/>
+        <p:txBody>
+          <a:bodyPr>
+            <a:normAutofit/>
+          </a:bodyPr>
+          <a:lstStyle/>
+          <a:p>
+            <a:r>
+              <a:rPr lang="he-IL" dirty="0" smtClean="0"/>
+              <a:t>לבית הסיעודי אין קבוצות</a:t>
+            </a:r>
+            <a:r>
+              <a:rPr lang="he-IL" baseline="0" dirty="0" smtClean="0"/>
+              <a:t> והוא צריך לעבור ישר לרשימת דיירים. </a:t>
+            </a:r>
+            <a:endParaRPr lang="he-IL" dirty="0"/>
+          </a:p>
+        </p:txBody>
+      </p:sp>
+      <p:sp>
+        <p:nvSpPr>
+          <p:cNvPr id="4" name="מציין מיקום של מספר שקופית 3"/>
+          <p:cNvSpPr>
+            <a:spLocks noGrp="1"/>
+          </p:cNvSpPr>
+          <p:nvPr>
+            <p:ph type="sldNum" sz="quarter" idx="10"/>
+          </p:nvPr>
+        </p:nvSpPr>
+        <p:spPr/>
+        <p:txBody>
+          <a:bodyPr/>
+          <a:lstStyle/>
+          <a:p>
+            <a:fld id="{954B3907-47B7-40F6-8541-5B646E3FC447}" type="slidenum">
+              <a:rPr lang="he-IL" smtClean="0"/>
+              <a:t>4</a:t>
+            </a:fld>
+            <a:endParaRPr lang="he-IL"/>
+          </a:p>
+        </p:txBody>
+      </p:sp>
+    </p:spTree>
+  </p:cSld>
+  <p:clrMapOvr>
+    <a:masterClrMapping/>
+  </p:clrMapOvr>
+</p:notes>
+</file>
+
+<file path=ppt/notesSlides/notesSlide5.xml><?xml version="1.0" encoding="utf-8"?>
+<p:notes xmlns:a="http://schemas.openxmlformats.org/drawingml/2006/main" xmlns:r="http://schemas.openxmlformats.org/officeDocument/2006/relationships" xmlns:p="http://schemas.openxmlformats.org/presentationml/2006/main">
+  <p:cSld>
+    <p:spTree>
+      <p:nvGrpSpPr>
+        <p:cNvPr id="1" name=""/>
+        <p:cNvGrpSpPr/>
+        <p:nvPr/>
+      </p:nvGrpSpPr>
+      <p:grpSpPr>
+        <a:xfrm>
+          <a:off x="0" y="0"/>
+          <a:ext cx="0" cy="0"/>
+          <a:chOff x="0" y="0"/>
+          <a:chExt cx="0" cy="0"/>
+        </a:xfrm>
+      </p:grpSpPr>
+      <p:sp>
+        <p:nvSpPr>
+          <p:cNvPr id="2" name="מציין מיקום של תמונת שקופית 1"/>
+          <p:cNvSpPr>
+            <a:spLocks noGrp="1" noRot="1" noChangeAspect="1"/>
+          </p:cNvSpPr>
+          <p:nvPr>
+            <p:ph type="sldImg"/>
+          </p:nvPr>
+        </p:nvSpPr>
+        <p:spPr/>
+      </p:sp>
+      <p:sp>
+        <p:nvSpPr>
+          <p:cNvPr id="3" name="מציין מיקום של הערות 2"/>
+          <p:cNvSpPr>
+            <a:spLocks noGrp="1"/>
+          </p:cNvSpPr>
+          <p:nvPr>
+            <p:ph type="body" idx="1"/>
+          </p:nvPr>
+        </p:nvSpPr>
+        <p:spPr/>
+        <p:txBody>
+          <a:bodyPr>
+            <a:normAutofit/>
+          </a:bodyPr>
+          <a:lstStyle/>
+          <a:p>
+            <a:endParaRPr lang="he-IL" dirty="0"/>
+          </a:p>
+        </p:txBody>
+      </p:sp>
+      <p:sp>
+        <p:nvSpPr>
+          <p:cNvPr id="4" name="מציין מיקום של מספר שקופית 3"/>
+          <p:cNvSpPr>
+            <a:spLocks noGrp="1"/>
+          </p:cNvSpPr>
+          <p:nvPr>
+            <p:ph type="sldNum" sz="quarter" idx="10"/>
+          </p:nvPr>
+        </p:nvSpPr>
+        <p:spPr/>
+        <p:txBody>
+          <a:bodyPr/>
+          <a:lstStyle/>
+          <a:p>
+            <a:fld id="{954B3907-47B7-40F6-8541-5B646E3FC447}" type="slidenum">
+              <a:rPr lang="he-IL" smtClean="0"/>
+              <a:t>5</a:t>
+            </a:fld>
+            <a:endParaRPr lang="he-IL"/>
+          </a:p>
+        </p:txBody>
+      </p:sp>
+    </p:spTree>
+  </p:cSld>
+  <p:clrMapOvr>
+    <a:masterClrMapping/>
+  </p:clrMapOvr>
+</p:notes>
+</file>
+
+<file path=ppt/notesSlides/notesSlide6.xml><?xml version="1.0" encoding="utf-8"?>
+<p:notes xmlns:a="http://schemas.openxmlformats.org/drawingml/2006/main" xmlns:r="http://schemas.openxmlformats.org/officeDocument/2006/relationships" xmlns:p="http://schemas.openxmlformats.org/presentationml/2006/main">
+  <p:cSld>
+    <p:spTree>
+      <p:nvGrpSpPr>
+        <p:cNvPr id="1" name=""/>
+        <p:cNvGrpSpPr/>
+        <p:nvPr/>
+      </p:nvGrpSpPr>
+      <p:grpSpPr>
+        <a:xfrm>
+          <a:off x="0" y="0"/>
+          <a:ext cx="0" cy="0"/>
+          <a:chOff x="0" y="0"/>
+          <a:chExt cx="0" cy="0"/>
+        </a:xfrm>
+      </p:grpSpPr>
+      <p:sp>
+        <p:nvSpPr>
+          <p:cNvPr id="2" name="מציין מיקום של תמונת שקופית 1"/>
+          <p:cNvSpPr>
+            <a:spLocks noGrp="1" noRot="1" noChangeAspect="1"/>
+          </p:cNvSpPr>
+          <p:nvPr>
+            <p:ph type="sldImg"/>
+          </p:nvPr>
+        </p:nvSpPr>
+        <p:spPr/>
+      </p:sp>
+      <p:sp>
+        <p:nvSpPr>
+          <p:cNvPr id="3" name="מציין מיקום של הערות 2"/>
+          <p:cNvSpPr>
+            <a:spLocks noGrp="1"/>
+          </p:cNvSpPr>
+          <p:nvPr>
+            <p:ph type="body" idx="1"/>
+          </p:nvPr>
+        </p:nvSpPr>
+        <p:spPr/>
+        <p:txBody>
+          <a:bodyPr>
+            <a:normAutofit/>
+          </a:bodyPr>
+          <a:lstStyle/>
+          <a:p>
+            <a:r>
+              <a:rPr lang="he-IL" dirty="0" smtClean="0"/>
+              <a:t>בהערכה התפקודית –</a:t>
+            </a:r>
+            <a:r>
+              <a:rPr lang="he-IL" dirty="0" err="1" smtClean="0"/>
+              <a:t> מי</a:t>
+            </a:r>
+            <a:r>
+              <a:rPr lang="he-IL" dirty="0" smtClean="0"/>
+              <a:t>לוי פירוט</a:t>
+            </a:r>
+            <a:r>
+              <a:rPr lang="he-IL" baseline="0" dirty="0" smtClean="0"/>
+              <a:t> עבור כל שדה</a:t>
+            </a:r>
+          </a:p>
+          <a:p>
+            <a:r>
+              <a:rPr lang="he-IL" baseline="0" dirty="0" smtClean="0"/>
+              <a:t>כל השדות ניתנות לעריכה כאן</a:t>
+            </a:r>
+            <a:endParaRPr lang="he-IL" dirty="0" smtClean="0"/>
+          </a:p>
+          <a:p>
+            <a:endParaRPr lang="he-IL" dirty="0"/>
+          </a:p>
+        </p:txBody>
+      </p:sp>
+      <p:sp>
+        <p:nvSpPr>
+          <p:cNvPr id="4" name="מציין מיקום של מספר שקופית 3"/>
+          <p:cNvSpPr>
+            <a:spLocks noGrp="1"/>
+          </p:cNvSpPr>
+          <p:nvPr>
+            <p:ph type="sldNum" sz="quarter" idx="10"/>
+          </p:nvPr>
+        </p:nvSpPr>
+        <p:spPr/>
+        <p:txBody>
+          <a:bodyPr/>
+          <a:lstStyle/>
+          <a:p>
+            <a:fld id="{954B3907-47B7-40F6-8541-5B646E3FC447}" type="slidenum">
+              <a:rPr lang="he-IL" smtClean="0"/>
+              <a:t>8</a:t>
+            </a:fld>
+            <a:endParaRPr lang="he-IL"/>
+          </a:p>
+        </p:txBody>
+      </p:sp>
+    </p:spTree>
+  </p:cSld>
+  <p:clrMapOvr>
+    <a:masterClrMapping/>
+  </p:clrMapOvr>
+</p:notes>
+</file>
+
+<file path=ppt/notesSlides/notesSlide7.xml><?xml version="1.0" encoding="utf-8"?>
+<p:notes xmlns:a="http://schemas.openxmlformats.org/drawingml/2006/main" xmlns:r="http://schemas.openxmlformats.org/officeDocument/2006/relationships" xmlns:p="http://schemas.openxmlformats.org/presentationml/2006/main">
+  <p:cSld>
+    <p:spTree>
+      <p:nvGrpSpPr>
+        <p:cNvPr id="1" name=""/>
+        <p:cNvGrpSpPr/>
+        <p:nvPr/>
+      </p:nvGrpSpPr>
+      <p:grpSpPr>
+        <a:xfrm>
+          <a:off x="0" y="0"/>
+          <a:ext cx="0" cy="0"/>
+          <a:chOff x="0" y="0"/>
+          <a:chExt cx="0" cy="0"/>
+        </a:xfrm>
+      </p:grpSpPr>
+      <p:sp>
+        <p:nvSpPr>
+          <p:cNvPr id="2" name="מציין מיקום של תמונת שקופית 1"/>
+          <p:cNvSpPr>
+            <a:spLocks noGrp="1" noRot="1" noChangeAspect="1"/>
+          </p:cNvSpPr>
+          <p:nvPr>
+            <p:ph type="sldImg"/>
+          </p:nvPr>
+        </p:nvSpPr>
+        <p:spPr/>
+      </p:sp>
+      <p:sp>
+        <p:nvSpPr>
+          <p:cNvPr id="3" name="מציין מיקום של הערות 2"/>
+          <p:cNvSpPr>
+            <a:spLocks noGrp="1"/>
+          </p:cNvSpPr>
+          <p:nvPr>
+            <p:ph type="body" idx="1"/>
+          </p:nvPr>
+        </p:nvSpPr>
+        <p:spPr/>
+        <p:txBody>
+          <a:bodyPr>
+            <a:normAutofit/>
+          </a:bodyPr>
+          <a:lstStyle/>
+          <a:p>
+            <a:r>
+              <a:rPr lang="he-IL" dirty="0" smtClean="0"/>
+              <a:t>לבית הסיעודי אין קבוצות</a:t>
+            </a:r>
+            <a:r>
+              <a:rPr lang="he-IL" baseline="0" dirty="0" smtClean="0"/>
+              <a:t> והוא צריך לעבור ישר לרשימת דיירים. </a:t>
+            </a:r>
+            <a:endParaRPr lang="he-IL" dirty="0"/>
+          </a:p>
+        </p:txBody>
+      </p:sp>
+      <p:sp>
+        <p:nvSpPr>
+          <p:cNvPr id="4" name="מציין מיקום של מספר שקופית 3"/>
+          <p:cNvSpPr>
+            <a:spLocks noGrp="1"/>
+          </p:cNvSpPr>
+          <p:nvPr>
+            <p:ph type="sldNum" sz="quarter" idx="10"/>
+          </p:nvPr>
+        </p:nvSpPr>
+        <p:spPr/>
+        <p:txBody>
+          <a:bodyPr/>
+          <a:lstStyle/>
+          <a:p>
+            <a:fld id="{954B3907-47B7-40F6-8541-5B646E3FC447}" type="slidenum">
+              <a:rPr lang="he-IL" smtClean="0"/>
+              <a:t>10</a:t>
             </a:fld>
             <a:endParaRPr lang="he-IL"/>
           </a:p>
@@ -3857,7 +4347,7 @@
 </p:sld>
 </file>
 
-<file path=ppt/slides/slide2.xml><?xml version="1.0" encoding="utf-8"?>
+<file path=ppt/slides/slide10.xml><?xml version="1.0" encoding="utf-8"?>
 <p:sld xmlns:a="http://schemas.openxmlformats.org/drawingml/2006/main" xmlns:r="http://schemas.openxmlformats.org/officeDocument/2006/relationships" xmlns:p="http://schemas.openxmlformats.org/presentationml/2006/main">
   <p:cSld>
     <p:spTree>
@@ -3917,7 +4407,7 @@
       </p:sp>
       <p:grpSp>
         <p:nvGrpSpPr>
-          <p:cNvPr id="18" name="קבוצה 17"/>
+          <p:cNvPr id="2" name="קבוצה 17"/>
           <p:cNvGrpSpPr/>
           <p:nvPr/>
         </p:nvGrpSpPr>
@@ -4155,223 +4645,1029 @@
           </a:p>
         </p:txBody>
       </p:sp>
-      <p:grpSp>
-        <p:nvGrpSpPr>
-          <p:cNvPr id="55" name="קבוצה 54"/>
-          <p:cNvGrpSpPr/>
-          <p:nvPr/>
-        </p:nvGrpSpPr>
-        <p:grpSpPr>
-          <a:xfrm>
-            <a:off x="5357818" y="2500306"/>
-            <a:ext cx="2000264" cy="1857388"/>
-            <a:chOff x="5357818" y="2500306"/>
-            <a:chExt cx="2000264" cy="1857388"/>
-          </a:xfrm>
-        </p:grpSpPr>
-        <p:sp>
-          <p:nvSpPr>
-            <p:cNvPr id="52" name="אליפסה 51"/>
-            <p:cNvSpPr/>
-            <p:nvPr/>
-          </p:nvSpPr>
-          <p:spPr>
-            <a:xfrm>
-              <a:off x="5357818" y="2500306"/>
-              <a:ext cx="2000264" cy="1857388"/>
-            </a:xfrm>
-            <a:prstGeom prst="ellipse">
-              <a:avLst/>
-            </a:prstGeom>
-            <a:ln/>
-          </p:spPr>
-          <p:style>
-            <a:lnRef idx="1">
-              <a:schemeClr val="accent1"/>
-            </a:lnRef>
-            <a:fillRef idx="2">
-              <a:schemeClr val="accent1"/>
-            </a:fillRef>
-            <a:effectRef idx="1">
-              <a:schemeClr val="accent1"/>
-            </a:effectRef>
-            <a:fontRef idx="minor">
-              <a:schemeClr val="dk1"/>
-            </a:fontRef>
-          </p:style>
-          <p:txBody>
-            <a:bodyPr rtlCol="1" anchor="ctr"/>
-            <a:lstStyle/>
-            <a:p>
-              <a:pPr algn="ctr"/>
-              <a:endParaRPr lang="he-IL" b="1">
-                <a:ln w="10541" cmpd="sng">
-                  <a:solidFill>
-                    <a:schemeClr val="accent1">
-                      <a:shade val="88000"/>
-                      <a:satMod val="110000"/>
-                    </a:schemeClr>
-                  </a:solidFill>
-                  <a:prstDash val="solid"/>
-                </a:ln>
-                <a:gradFill>
-                  <a:gsLst>
-                    <a:gs pos="0">
-                      <a:schemeClr val="accent1">
-                        <a:tint val="40000"/>
-                        <a:satMod val="250000"/>
-                      </a:schemeClr>
-                    </a:gs>
-                    <a:gs pos="9000">
-                      <a:schemeClr val="accent1">
-                        <a:tint val="52000"/>
-                        <a:satMod val="300000"/>
-                      </a:schemeClr>
-                    </a:gs>
-                    <a:gs pos="50000">
-                      <a:schemeClr val="accent1">
-                        <a:shade val="20000"/>
-                        <a:satMod val="300000"/>
-                      </a:schemeClr>
-                    </a:gs>
-                    <a:gs pos="79000">
-                      <a:schemeClr val="accent1">
-                        <a:tint val="52000"/>
-                        <a:satMod val="300000"/>
-                      </a:schemeClr>
-                    </a:gs>
-                    <a:gs pos="100000">
-                      <a:schemeClr val="accent1">
-                        <a:tint val="40000"/>
-                        <a:satMod val="250000"/>
-                      </a:schemeClr>
-                    </a:gs>
-                  </a:gsLst>
-                  <a:lin ang="5400000"/>
-                </a:gradFill>
-              </a:endParaRPr>
-            </a:p>
-          </p:txBody>
-        </p:sp>
-        <p:sp>
-          <p:nvSpPr>
-            <p:cNvPr id="53" name="TextBox 52"/>
-            <p:cNvSpPr txBox="1"/>
-            <p:nvPr/>
-          </p:nvSpPr>
-          <p:spPr>
-            <a:xfrm>
-              <a:off x="5572132" y="3068421"/>
-              <a:ext cx="1571636" cy="646331"/>
-            </a:xfrm>
-            <a:prstGeom prst="rect">
-              <a:avLst/>
-            </a:prstGeom>
-            <a:noFill/>
-          </p:spPr>
-          <p:txBody>
-            <a:bodyPr wrap="square" rtlCol="1">
-              <a:spAutoFit/>
-            </a:bodyPr>
-            <a:lstStyle/>
-            <a:p>
-              <a:pPr algn="ctr"/>
-              <a:r>
-                <a:rPr lang="he-IL" dirty="0" smtClean="0"/>
-                <a:t>הוספת דייר חדש</a:t>
-              </a:r>
-              <a:endParaRPr lang="he-IL" dirty="0"/>
-            </a:p>
-          </p:txBody>
-        </p:sp>
-      </p:grpSp>
-      <p:grpSp>
-        <p:nvGrpSpPr>
-          <p:cNvPr id="56" name="קבוצה 55"/>
-          <p:cNvGrpSpPr/>
-          <p:nvPr/>
-        </p:nvGrpSpPr>
-        <p:grpSpPr>
-          <a:xfrm>
-            <a:off x="2143108" y="2500306"/>
-            <a:ext cx="2000264" cy="1857388"/>
-            <a:chOff x="2143108" y="2500306"/>
-            <a:chExt cx="2000264" cy="1857388"/>
-          </a:xfrm>
-        </p:grpSpPr>
-        <p:sp>
-          <p:nvSpPr>
-            <p:cNvPr id="51" name="אליפסה 50"/>
-            <p:cNvSpPr/>
-            <p:nvPr/>
-          </p:nvSpPr>
-          <p:spPr>
-            <a:xfrm>
-              <a:off x="2143108" y="2500306"/>
-              <a:ext cx="2000264" cy="1857388"/>
-            </a:xfrm>
-            <a:prstGeom prst="ellipse">
-              <a:avLst/>
-            </a:prstGeom>
-            <a:ln/>
-          </p:spPr>
-          <p:style>
-            <a:lnRef idx="1">
-              <a:schemeClr val="accent1"/>
-            </a:lnRef>
-            <a:fillRef idx="2">
-              <a:schemeClr val="accent1"/>
-            </a:fillRef>
-            <a:effectRef idx="1">
-              <a:schemeClr val="accent1"/>
-            </a:effectRef>
-            <a:fontRef idx="minor">
-              <a:schemeClr val="dk1"/>
-            </a:fontRef>
-          </p:style>
-          <p:txBody>
-            <a:bodyPr rtlCol="1" anchor="ctr"/>
-            <a:lstStyle/>
-            <a:p>
-              <a:pPr algn="ctr"/>
-              <a:endParaRPr lang="he-IL"/>
-            </a:p>
-          </p:txBody>
-        </p:sp>
-        <p:sp>
-          <p:nvSpPr>
-            <p:cNvPr id="54" name="TextBox 53">
-              <a:hlinkClick r:id="" action="ppaction://hlinkshowjump?jump=nextslide"/>
-            </p:cNvPr>
-            <p:cNvSpPr txBox="1"/>
-            <p:nvPr/>
-          </p:nvSpPr>
-          <p:spPr>
-            <a:xfrm>
-              <a:off x="2357422" y="3139859"/>
-              <a:ext cx="1571636" cy="646331"/>
-            </a:xfrm>
-            <a:prstGeom prst="rect">
-              <a:avLst/>
-            </a:prstGeom>
-            <a:noFill/>
-          </p:spPr>
-          <p:txBody>
-            <a:bodyPr wrap="square" rtlCol="1">
-              <a:spAutoFit/>
-            </a:bodyPr>
-            <a:lstStyle/>
-            <a:p>
-              <a:pPr algn="ctr"/>
-              <a:r>
-                <a:rPr lang="he-IL" dirty="0" smtClean="0"/>
-                <a:t>צפייה ברשימת הדיירים</a:t>
-              </a:r>
-              <a:endParaRPr lang="he-IL" dirty="0"/>
-            </a:p>
-          </p:txBody>
-        </p:sp>
-      </p:grpSp>
+      <p:sp>
+        <p:nvSpPr>
+          <p:cNvPr id="18" name="TextBox 17"/>
+          <p:cNvSpPr txBox="1"/>
+          <p:nvPr/>
+        </p:nvSpPr>
+        <p:spPr>
+          <a:xfrm>
+            <a:off x="2857488" y="1000108"/>
+            <a:ext cx="4071966" cy="523220"/>
+          </a:xfrm>
+          <a:prstGeom prst="rect">
+            <a:avLst/>
+          </a:prstGeom>
+          <a:noFill/>
+        </p:spPr>
+        <p:txBody>
+          <a:bodyPr wrap="square" rtlCol="1">
+            <a:spAutoFit/>
+          </a:bodyPr>
+          <a:lstStyle/>
+          <a:p>
+            <a:pPr algn="ctr"/>
+            <a:r>
+              <a:rPr lang="he-IL" sz="2800" b="1" dirty="0" smtClean="0"/>
+              <a:t>רשימת </a:t>
+            </a:r>
+            <a:r>
+              <a:rPr lang="he-IL" sz="2800" b="1" dirty="0" smtClean="0"/>
+              <a:t>כיתות</a:t>
+            </a:r>
+            <a:endParaRPr lang="he-IL" sz="2800" b="1" dirty="0"/>
+          </a:p>
+        </p:txBody>
+      </p:sp>
+      <p:sp>
+        <p:nvSpPr>
+          <p:cNvPr id="21" name="מלבן מעוגל 20"/>
+          <p:cNvSpPr/>
+          <p:nvPr/>
+        </p:nvSpPr>
+        <p:spPr>
+          <a:xfrm>
+            <a:off x="7000892" y="2357430"/>
+            <a:ext cx="1657969" cy="714380"/>
+          </a:xfrm>
+          <a:prstGeom prst="roundRect">
+            <a:avLst/>
+          </a:prstGeom>
+        </p:spPr>
+        <p:style>
+          <a:lnRef idx="2">
+            <a:schemeClr val="accent1">
+              <a:shade val="50000"/>
+            </a:schemeClr>
+          </a:lnRef>
+          <a:fillRef idx="1">
+            <a:schemeClr val="accent1"/>
+          </a:fillRef>
+          <a:effectRef idx="0">
+            <a:schemeClr val="accent1"/>
+          </a:effectRef>
+          <a:fontRef idx="minor">
+            <a:schemeClr val="lt1"/>
+          </a:fontRef>
+        </p:style>
+        <p:txBody>
+          <a:bodyPr rtlCol="1" anchor="ctr"/>
+          <a:lstStyle/>
+          <a:p>
+            <a:pPr algn="ctr"/>
+            <a:endParaRPr lang="he-IL"/>
+          </a:p>
+        </p:txBody>
+      </p:sp>
+      <p:sp>
+        <p:nvSpPr>
+          <p:cNvPr id="29" name="TextBox 28"/>
+          <p:cNvSpPr txBox="1"/>
+          <p:nvPr/>
+        </p:nvSpPr>
+        <p:spPr>
+          <a:xfrm>
+            <a:off x="6715140" y="2500306"/>
+            <a:ext cx="2143140" cy="369332"/>
+          </a:xfrm>
+          <a:prstGeom prst="rect">
+            <a:avLst/>
+          </a:prstGeom>
+          <a:noFill/>
+        </p:spPr>
+        <p:txBody>
+          <a:bodyPr wrap="square" rtlCol="1">
+            <a:spAutoFit/>
+          </a:bodyPr>
+          <a:lstStyle/>
+          <a:p>
+            <a:pPr algn="ctr"/>
+            <a:r>
+              <a:rPr lang="he-IL" dirty="0" smtClean="0">
+                <a:solidFill>
+                  <a:schemeClr val="bg1"/>
+                </a:solidFill>
+              </a:rPr>
+              <a:t>כיתה - 1</a:t>
+            </a:r>
+            <a:endParaRPr lang="he-IL" dirty="0">
+              <a:solidFill>
+                <a:schemeClr val="bg1"/>
+              </a:solidFill>
+            </a:endParaRPr>
+          </a:p>
+        </p:txBody>
+      </p:sp>
+      <p:sp>
+        <p:nvSpPr>
+          <p:cNvPr id="34" name="מלבן מעוגל 33"/>
+          <p:cNvSpPr/>
+          <p:nvPr/>
+        </p:nvSpPr>
+        <p:spPr>
+          <a:xfrm>
+            <a:off x="4786314" y="2357430"/>
+            <a:ext cx="1657969" cy="714380"/>
+          </a:xfrm>
+          <a:prstGeom prst="roundRect">
+            <a:avLst/>
+          </a:prstGeom>
+        </p:spPr>
+        <p:style>
+          <a:lnRef idx="2">
+            <a:schemeClr val="accent1">
+              <a:shade val="50000"/>
+            </a:schemeClr>
+          </a:lnRef>
+          <a:fillRef idx="1">
+            <a:schemeClr val="accent1"/>
+          </a:fillRef>
+          <a:effectRef idx="0">
+            <a:schemeClr val="accent1"/>
+          </a:effectRef>
+          <a:fontRef idx="minor">
+            <a:schemeClr val="lt1"/>
+          </a:fontRef>
+        </p:style>
+        <p:txBody>
+          <a:bodyPr rtlCol="1" anchor="ctr"/>
+          <a:lstStyle/>
+          <a:p>
+            <a:pPr algn="ctr"/>
+            <a:endParaRPr lang="he-IL"/>
+          </a:p>
+        </p:txBody>
+      </p:sp>
+      <p:sp>
+        <p:nvSpPr>
+          <p:cNvPr id="35" name="TextBox 34"/>
+          <p:cNvSpPr txBox="1"/>
+          <p:nvPr/>
+        </p:nvSpPr>
+        <p:spPr>
+          <a:xfrm>
+            <a:off x="4500562" y="2500306"/>
+            <a:ext cx="2143140" cy="369332"/>
+          </a:xfrm>
+          <a:prstGeom prst="rect">
+            <a:avLst/>
+          </a:prstGeom>
+          <a:noFill/>
+        </p:spPr>
+        <p:txBody>
+          <a:bodyPr wrap="square" rtlCol="1">
+            <a:spAutoFit/>
+          </a:bodyPr>
+          <a:lstStyle/>
+          <a:p>
+            <a:pPr algn="ctr"/>
+            <a:r>
+              <a:rPr lang="he-IL" dirty="0" smtClean="0">
+                <a:solidFill>
+                  <a:schemeClr val="bg1"/>
+                </a:solidFill>
+              </a:rPr>
+              <a:t>כיתה - 2</a:t>
+            </a:r>
+            <a:endParaRPr lang="he-IL" dirty="0">
+              <a:solidFill>
+                <a:schemeClr val="bg1"/>
+              </a:solidFill>
+            </a:endParaRPr>
+          </a:p>
+        </p:txBody>
+      </p:sp>
+      <p:sp>
+        <p:nvSpPr>
+          <p:cNvPr id="36" name="מלבן מעוגל 35"/>
+          <p:cNvSpPr/>
+          <p:nvPr/>
+        </p:nvSpPr>
+        <p:spPr>
+          <a:xfrm>
+            <a:off x="2571736" y="2357430"/>
+            <a:ext cx="1657969" cy="714380"/>
+          </a:xfrm>
+          <a:prstGeom prst="roundRect">
+            <a:avLst/>
+          </a:prstGeom>
+        </p:spPr>
+        <p:style>
+          <a:lnRef idx="2">
+            <a:schemeClr val="accent1">
+              <a:shade val="50000"/>
+            </a:schemeClr>
+          </a:lnRef>
+          <a:fillRef idx="1">
+            <a:schemeClr val="accent1"/>
+          </a:fillRef>
+          <a:effectRef idx="0">
+            <a:schemeClr val="accent1"/>
+          </a:effectRef>
+          <a:fontRef idx="minor">
+            <a:schemeClr val="lt1"/>
+          </a:fontRef>
+        </p:style>
+        <p:txBody>
+          <a:bodyPr rtlCol="1" anchor="ctr"/>
+          <a:lstStyle/>
+          <a:p>
+            <a:pPr algn="ctr"/>
+            <a:endParaRPr lang="he-IL"/>
+          </a:p>
+        </p:txBody>
+      </p:sp>
+      <p:sp>
+        <p:nvSpPr>
+          <p:cNvPr id="37" name="TextBox 36"/>
+          <p:cNvSpPr txBox="1"/>
+          <p:nvPr/>
+        </p:nvSpPr>
+        <p:spPr>
+          <a:xfrm>
+            <a:off x="2285984" y="2500306"/>
+            <a:ext cx="2143140" cy="369332"/>
+          </a:xfrm>
+          <a:prstGeom prst="rect">
+            <a:avLst/>
+          </a:prstGeom>
+          <a:noFill/>
+        </p:spPr>
+        <p:txBody>
+          <a:bodyPr wrap="square" rtlCol="1">
+            <a:spAutoFit/>
+          </a:bodyPr>
+          <a:lstStyle/>
+          <a:p>
+            <a:pPr algn="ctr"/>
+            <a:r>
+              <a:rPr lang="he-IL" dirty="0" smtClean="0">
+                <a:solidFill>
+                  <a:schemeClr val="bg1"/>
+                </a:solidFill>
+              </a:rPr>
+              <a:t>כיתה - 3</a:t>
+            </a:r>
+            <a:endParaRPr lang="he-IL" dirty="0">
+              <a:solidFill>
+                <a:schemeClr val="bg1"/>
+              </a:solidFill>
+            </a:endParaRPr>
+          </a:p>
+        </p:txBody>
+      </p:sp>
+      <p:sp>
+        <p:nvSpPr>
+          <p:cNvPr id="38" name="מלבן מעוגל 37"/>
+          <p:cNvSpPr/>
+          <p:nvPr/>
+        </p:nvSpPr>
+        <p:spPr>
+          <a:xfrm>
+            <a:off x="357190" y="2357430"/>
+            <a:ext cx="1657969" cy="714380"/>
+          </a:xfrm>
+          <a:prstGeom prst="roundRect">
+            <a:avLst/>
+          </a:prstGeom>
+        </p:spPr>
+        <p:style>
+          <a:lnRef idx="2">
+            <a:schemeClr val="accent1">
+              <a:shade val="50000"/>
+            </a:schemeClr>
+          </a:lnRef>
+          <a:fillRef idx="1">
+            <a:schemeClr val="accent1"/>
+          </a:fillRef>
+          <a:effectRef idx="0">
+            <a:schemeClr val="accent1"/>
+          </a:effectRef>
+          <a:fontRef idx="minor">
+            <a:schemeClr val="lt1"/>
+          </a:fontRef>
+        </p:style>
+        <p:txBody>
+          <a:bodyPr rtlCol="1" anchor="ctr"/>
+          <a:lstStyle/>
+          <a:p>
+            <a:pPr algn="ctr"/>
+            <a:endParaRPr lang="he-IL"/>
+          </a:p>
+        </p:txBody>
+      </p:sp>
+      <p:sp>
+        <p:nvSpPr>
+          <p:cNvPr id="39" name="TextBox 38"/>
+          <p:cNvSpPr txBox="1"/>
+          <p:nvPr/>
+        </p:nvSpPr>
+        <p:spPr>
+          <a:xfrm>
+            <a:off x="0" y="2500306"/>
+            <a:ext cx="2143140" cy="369332"/>
+          </a:xfrm>
+          <a:prstGeom prst="rect">
+            <a:avLst/>
+          </a:prstGeom>
+          <a:noFill/>
+        </p:spPr>
+        <p:txBody>
+          <a:bodyPr wrap="square" rtlCol="1">
+            <a:spAutoFit/>
+          </a:bodyPr>
+          <a:lstStyle/>
+          <a:p>
+            <a:pPr algn="ctr"/>
+            <a:r>
+              <a:rPr lang="he-IL" dirty="0" smtClean="0">
+                <a:solidFill>
+                  <a:schemeClr val="bg1"/>
+                </a:solidFill>
+              </a:rPr>
+              <a:t>כיתה - 4</a:t>
+            </a:r>
+            <a:endParaRPr lang="he-IL" dirty="0">
+              <a:solidFill>
+                <a:schemeClr val="bg1"/>
+              </a:solidFill>
+            </a:endParaRPr>
+          </a:p>
+        </p:txBody>
+      </p:sp>
+      <p:sp>
+        <p:nvSpPr>
+          <p:cNvPr id="40" name="מלבן מעוגל 39"/>
+          <p:cNvSpPr/>
+          <p:nvPr/>
+        </p:nvSpPr>
+        <p:spPr>
+          <a:xfrm>
+            <a:off x="7000892" y="3571876"/>
+            <a:ext cx="1657969" cy="714380"/>
+          </a:xfrm>
+          <a:prstGeom prst="roundRect">
+            <a:avLst/>
+          </a:prstGeom>
+        </p:spPr>
+        <p:style>
+          <a:lnRef idx="2">
+            <a:schemeClr val="accent1">
+              <a:shade val="50000"/>
+            </a:schemeClr>
+          </a:lnRef>
+          <a:fillRef idx="1">
+            <a:schemeClr val="accent1"/>
+          </a:fillRef>
+          <a:effectRef idx="0">
+            <a:schemeClr val="accent1"/>
+          </a:effectRef>
+          <a:fontRef idx="minor">
+            <a:schemeClr val="lt1"/>
+          </a:fontRef>
+        </p:style>
+        <p:txBody>
+          <a:bodyPr rtlCol="1" anchor="ctr"/>
+          <a:lstStyle/>
+          <a:p>
+            <a:pPr algn="ctr"/>
+            <a:endParaRPr lang="he-IL"/>
+          </a:p>
+        </p:txBody>
+      </p:sp>
+      <p:sp>
+        <p:nvSpPr>
+          <p:cNvPr id="41" name="TextBox 40"/>
+          <p:cNvSpPr txBox="1"/>
+          <p:nvPr/>
+        </p:nvSpPr>
+        <p:spPr>
+          <a:xfrm>
+            <a:off x="6715140" y="3714752"/>
+            <a:ext cx="2143140" cy="369332"/>
+          </a:xfrm>
+          <a:prstGeom prst="rect">
+            <a:avLst/>
+          </a:prstGeom>
+          <a:noFill/>
+        </p:spPr>
+        <p:txBody>
+          <a:bodyPr wrap="square" rtlCol="1">
+            <a:spAutoFit/>
+          </a:bodyPr>
+          <a:lstStyle/>
+          <a:p>
+            <a:pPr algn="ctr"/>
+            <a:r>
+              <a:rPr lang="he-IL" dirty="0" smtClean="0">
+                <a:solidFill>
+                  <a:schemeClr val="bg1"/>
+                </a:solidFill>
+              </a:rPr>
+              <a:t>כיתה - 5</a:t>
+            </a:r>
+            <a:endParaRPr lang="he-IL" dirty="0">
+              <a:solidFill>
+                <a:schemeClr val="bg1"/>
+              </a:solidFill>
+            </a:endParaRPr>
+          </a:p>
+        </p:txBody>
+      </p:sp>
+      <p:sp>
+        <p:nvSpPr>
+          <p:cNvPr id="42" name="מלבן מעוגל 41"/>
+          <p:cNvSpPr/>
+          <p:nvPr/>
+        </p:nvSpPr>
+        <p:spPr>
+          <a:xfrm>
+            <a:off x="4786314" y="3571876"/>
+            <a:ext cx="1657969" cy="714380"/>
+          </a:xfrm>
+          <a:prstGeom prst="roundRect">
+            <a:avLst/>
+          </a:prstGeom>
+        </p:spPr>
+        <p:style>
+          <a:lnRef idx="2">
+            <a:schemeClr val="accent1">
+              <a:shade val="50000"/>
+            </a:schemeClr>
+          </a:lnRef>
+          <a:fillRef idx="1">
+            <a:schemeClr val="accent1"/>
+          </a:fillRef>
+          <a:effectRef idx="0">
+            <a:schemeClr val="accent1"/>
+          </a:effectRef>
+          <a:fontRef idx="minor">
+            <a:schemeClr val="lt1"/>
+          </a:fontRef>
+        </p:style>
+        <p:txBody>
+          <a:bodyPr rtlCol="1" anchor="ctr"/>
+          <a:lstStyle/>
+          <a:p>
+            <a:pPr algn="ctr"/>
+            <a:endParaRPr lang="he-IL"/>
+          </a:p>
+        </p:txBody>
+      </p:sp>
+      <p:sp>
+        <p:nvSpPr>
+          <p:cNvPr id="43" name="TextBox 42"/>
+          <p:cNvSpPr txBox="1"/>
+          <p:nvPr/>
+        </p:nvSpPr>
+        <p:spPr>
+          <a:xfrm>
+            <a:off x="4500562" y="3714752"/>
+            <a:ext cx="2143140" cy="369332"/>
+          </a:xfrm>
+          <a:prstGeom prst="rect">
+            <a:avLst/>
+          </a:prstGeom>
+          <a:noFill/>
+        </p:spPr>
+        <p:txBody>
+          <a:bodyPr wrap="square" rtlCol="1">
+            <a:spAutoFit/>
+          </a:bodyPr>
+          <a:lstStyle/>
+          <a:p>
+            <a:pPr algn="ctr"/>
+            <a:r>
+              <a:rPr lang="he-IL" dirty="0" smtClean="0">
+                <a:solidFill>
+                  <a:schemeClr val="bg1"/>
+                </a:solidFill>
+              </a:rPr>
+              <a:t>כיתה - 6</a:t>
+            </a:r>
+            <a:endParaRPr lang="he-IL" dirty="0">
+              <a:solidFill>
+                <a:schemeClr val="bg1"/>
+              </a:solidFill>
+            </a:endParaRPr>
+          </a:p>
+        </p:txBody>
+      </p:sp>
+      <p:sp>
+        <p:nvSpPr>
+          <p:cNvPr id="44" name="מלבן מעוגל 43"/>
+          <p:cNvSpPr/>
+          <p:nvPr/>
+        </p:nvSpPr>
+        <p:spPr>
+          <a:xfrm>
+            <a:off x="2571736" y="3571876"/>
+            <a:ext cx="1657969" cy="714380"/>
+          </a:xfrm>
+          <a:prstGeom prst="roundRect">
+            <a:avLst/>
+          </a:prstGeom>
+        </p:spPr>
+        <p:style>
+          <a:lnRef idx="2">
+            <a:schemeClr val="accent1">
+              <a:shade val="50000"/>
+            </a:schemeClr>
+          </a:lnRef>
+          <a:fillRef idx="1">
+            <a:schemeClr val="accent1"/>
+          </a:fillRef>
+          <a:effectRef idx="0">
+            <a:schemeClr val="accent1"/>
+          </a:effectRef>
+          <a:fontRef idx="minor">
+            <a:schemeClr val="lt1"/>
+          </a:fontRef>
+        </p:style>
+        <p:txBody>
+          <a:bodyPr rtlCol="1" anchor="ctr"/>
+          <a:lstStyle/>
+          <a:p>
+            <a:pPr algn="ctr"/>
+            <a:endParaRPr lang="he-IL"/>
+          </a:p>
+        </p:txBody>
+      </p:sp>
+      <p:sp>
+        <p:nvSpPr>
+          <p:cNvPr id="45" name="TextBox 44"/>
+          <p:cNvSpPr txBox="1"/>
+          <p:nvPr/>
+        </p:nvSpPr>
+        <p:spPr>
+          <a:xfrm>
+            <a:off x="2285984" y="3714752"/>
+            <a:ext cx="2143140" cy="369332"/>
+          </a:xfrm>
+          <a:prstGeom prst="rect">
+            <a:avLst/>
+          </a:prstGeom>
+          <a:noFill/>
+        </p:spPr>
+        <p:txBody>
+          <a:bodyPr wrap="square" rtlCol="1">
+            <a:spAutoFit/>
+          </a:bodyPr>
+          <a:lstStyle/>
+          <a:p>
+            <a:pPr algn="ctr"/>
+            <a:r>
+              <a:rPr lang="he-IL" dirty="0" smtClean="0">
+                <a:solidFill>
+                  <a:schemeClr val="bg1"/>
+                </a:solidFill>
+              </a:rPr>
+              <a:t>כיתה - </a:t>
+            </a:r>
+            <a:r>
+              <a:rPr lang="he-IL" dirty="0" smtClean="0">
+                <a:solidFill>
+                  <a:schemeClr val="bg1"/>
+                </a:solidFill>
+              </a:rPr>
+              <a:t>7</a:t>
+            </a:r>
+            <a:endParaRPr lang="he-IL" dirty="0">
+              <a:solidFill>
+                <a:schemeClr val="bg1"/>
+              </a:solidFill>
+            </a:endParaRPr>
+          </a:p>
+        </p:txBody>
+      </p:sp>
+      <p:sp>
+        <p:nvSpPr>
+          <p:cNvPr id="46" name="מלבן מעוגל 45"/>
+          <p:cNvSpPr/>
+          <p:nvPr/>
+        </p:nvSpPr>
+        <p:spPr>
+          <a:xfrm>
+            <a:off x="357190" y="3571876"/>
+            <a:ext cx="1657969" cy="714380"/>
+          </a:xfrm>
+          <a:prstGeom prst="roundRect">
+            <a:avLst/>
+          </a:prstGeom>
+        </p:spPr>
+        <p:style>
+          <a:lnRef idx="2">
+            <a:schemeClr val="accent1">
+              <a:shade val="50000"/>
+            </a:schemeClr>
+          </a:lnRef>
+          <a:fillRef idx="1">
+            <a:schemeClr val="accent1"/>
+          </a:fillRef>
+          <a:effectRef idx="0">
+            <a:schemeClr val="accent1"/>
+          </a:effectRef>
+          <a:fontRef idx="minor">
+            <a:schemeClr val="lt1"/>
+          </a:fontRef>
+        </p:style>
+        <p:txBody>
+          <a:bodyPr rtlCol="1" anchor="ctr"/>
+          <a:lstStyle/>
+          <a:p>
+            <a:pPr algn="ctr"/>
+            <a:endParaRPr lang="he-IL"/>
+          </a:p>
+        </p:txBody>
+      </p:sp>
+      <p:sp>
+        <p:nvSpPr>
+          <p:cNvPr id="47" name="TextBox 46"/>
+          <p:cNvSpPr txBox="1"/>
+          <p:nvPr/>
+        </p:nvSpPr>
+        <p:spPr>
+          <a:xfrm>
+            <a:off x="0" y="3714752"/>
+            <a:ext cx="2143140" cy="369332"/>
+          </a:xfrm>
+          <a:prstGeom prst="rect">
+            <a:avLst/>
+          </a:prstGeom>
+          <a:noFill/>
+        </p:spPr>
+        <p:txBody>
+          <a:bodyPr wrap="square" rtlCol="1">
+            <a:spAutoFit/>
+          </a:bodyPr>
+          <a:lstStyle/>
+          <a:p>
+            <a:pPr algn="ctr"/>
+            <a:r>
+              <a:rPr lang="he-IL" dirty="0" smtClean="0">
+                <a:solidFill>
+                  <a:schemeClr val="bg1"/>
+                </a:solidFill>
+              </a:rPr>
+              <a:t>כיתה - </a:t>
+            </a:r>
+            <a:r>
+              <a:rPr lang="he-IL" dirty="0" smtClean="0">
+                <a:solidFill>
+                  <a:schemeClr val="bg1"/>
+                </a:solidFill>
+              </a:rPr>
+              <a:t>8</a:t>
+            </a:r>
+            <a:endParaRPr lang="he-IL" dirty="0">
+              <a:solidFill>
+                <a:schemeClr val="bg1"/>
+              </a:solidFill>
+            </a:endParaRPr>
+          </a:p>
+        </p:txBody>
+      </p:sp>
+      <p:sp>
+        <p:nvSpPr>
+          <p:cNvPr id="48" name="מלבן מעוגל 47"/>
+          <p:cNvSpPr/>
+          <p:nvPr/>
+        </p:nvSpPr>
+        <p:spPr>
+          <a:xfrm>
+            <a:off x="7000860" y="4786322"/>
+            <a:ext cx="1657969" cy="714380"/>
+          </a:xfrm>
+          <a:prstGeom prst="roundRect">
+            <a:avLst/>
+          </a:prstGeom>
+        </p:spPr>
+        <p:style>
+          <a:lnRef idx="2">
+            <a:schemeClr val="accent1">
+              <a:shade val="50000"/>
+            </a:schemeClr>
+          </a:lnRef>
+          <a:fillRef idx="1">
+            <a:schemeClr val="accent1"/>
+          </a:fillRef>
+          <a:effectRef idx="0">
+            <a:schemeClr val="accent1"/>
+          </a:effectRef>
+          <a:fontRef idx="minor">
+            <a:schemeClr val="lt1"/>
+          </a:fontRef>
+        </p:style>
+        <p:txBody>
+          <a:bodyPr rtlCol="1" anchor="ctr"/>
+          <a:lstStyle/>
+          <a:p>
+            <a:pPr algn="ctr"/>
+            <a:endParaRPr lang="he-IL"/>
+          </a:p>
+        </p:txBody>
+      </p:sp>
+      <p:sp>
+        <p:nvSpPr>
+          <p:cNvPr id="49" name="TextBox 48"/>
+          <p:cNvSpPr txBox="1"/>
+          <p:nvPr/>
+        </p:nvSpPr>
+        <p:spPr>
+          <a:xfrm>
+            <a:off x="6715108" y="4929198"/>
+            <a:ext cx="2143140" cy="369332"/>
+          </a:xfrm>
+          <a:prstGeom prst="rect">
+            <a:avLst/>
+          </a:prstGeom>
+          <a:noFill/>
+        </p:spPr>
+        <p:txBody>
+          <a:bodyPr wrap="square" rtlCol="1">
+            <a:spAutoFit/>
+          </a:bodyPr>
+          <a:lstStyle/>
+          <a:p>
+            <a:pPr algn="ctr"/>
+            <a:r>
+              <a:rPr lang="he-IL" dirty="0" smtClean="0">
+                <a:solidFill>
+                  <a:schemeClr val="bg1"/>
+                </a:solidFill>
+              </a:rPr>
+              <a:t>כיתה - </a:t>
+            </a:r>
+            <a:r>
+              <a:rPr lang="he-IL" dirty="0" smtClean="0">
+                <a:solidFill>
+                  <a:schemeClr val="bg1"/>
+                </a:solidFill>
+              </a:rPr>
+              <a:t>9</a:t>
+            </a:r>
+            <a:endParaRPr lang="he-IL" dirty="0">
+              <a:solidFill>
+                <a:schemeClr val="bg1"/>
+              </a:solidFill>
+            </a:endParaRPr>
+          </a:p>
+        </p:txBody>
+      </p:sp>
+      <p:sp>
+        <p:nvSpPr>
+          <p:cNvPr id="50" name="מלבן מעוגל 49"/>
+          <p:cNvSpPr/>
+          <p:nvPr/>
+        </p:nvSpPr>
+        <p:spPr>
+          <a:xfrm>
+            <a:off x="4786282" y="4786322"/>
+            <a:ext cx="1657969" cy="714380"/>
+          </a:xfrm>
+          <a:prstGeom prst="roundRect">
+            <a:avLst/>
+          </a:prstGeom>
+        </p:spPr>
+        <p:style>
+          <a:lnRef idx="2">
+            <a:schemeClr val="accent1">
+              <a:shade val="50000"/>
+            </a:schemeClr>
+          </a:lnRef>
+          <a:fillRef idx="1">
+            <a:schemeClr val="accent1"/>
+          </a:fillRef>
+          <a:effectRef idx="0">
+            <a:schemeClr val="accent1"/>
+          </a:effectRef>
+          <a:fontRef idx="minor">
+            <a:schemeClr val="lt1"/>
+          </a:fontRef>
+        </p:style>
+        <p:txBody>
+          <a:bodyPr rtlCol="1" anchor="ctr"/>
+          <a:lstStyle/>
+          <a:p>
+            <a:pPr algn="ctr"/>
+            <a:endParaRPr lang="he-IL"/>
+          </a:p>
+        </p:txBody>
+      </p:sp>
+      <p:sp>
+        <p:nvSpPr>
+          <p:cNvPr id="51" name="TextBox 50"/>
+          <p:cNvSpPr txBox="1"/>
+          <p:nvPr/>
+        </p:nvSpPr>
+        <p:spPr>
+          <a:xfrm>
+            <a:off x="4500530" y="4929198"/>
+            <a:ext cx="2143140" cy="369332"/>
+          </a:xfrm>
+          <a:prstGeom prst="rect">
+            <a:avLst/>
+          </a:prstGeom>
+          <a:noFill/>
+        </p:spPr>
+        <p:txBody>
+          <a:bodyPr wrap="square" rtlCol="1">
+            <a:spAutoFit/>
+          </a:bodyPr>
+          <a:lstStyle/>
+          <a:p>
+            <a:pPr algn="ctr"/>
+            <a:r>
+              <a:rPr lang="he-IL" dirty="0" smtClean="0">
+                <a:solidFill>
+                  <a:schemeClr val="bg1"/>
+                </a:solidFill>
+              </a:rPr>
+              <a:t>כיתה - </a:t>
+            </a:r>
+            <a:r>
+              <a:rPr lang="he-IL" dirty="0" smtClean="0">
+                <a:solidFill>
+                  <a:schemeClr val="bg1"/>
+                </a:solidFill>
+              </a:rPr>
+              <a:t>10</a:t>
+            </a:r>
+            <a:endParaRPr lang="he-IL" dirty="0">
+              <a:solidFill>
+                <a:schemeClr val="bg1"/>
+              </a:solidFill>
+            </a:endParaRPr>
+          </a:p>
+        </p:txBody>
+      </p:sp>
+      <p:sp>
+        <p:nvSpPr>
+          <p:cNvPr id="52" name="מלבן מעוגל 51"/>
+          <p:cNvSpPr/>
+          <p:nvPr/>
+        </p:nvSpPr>
+        <p:spPr>
+          <a:xfrm>
+            <a:off x="2571704" y="4786322"/>
+            <a:ext cx="1657969" cy="714380"/>
+          </a:xfrm>
+          <a:prstGeom prst="roundRect">
+            <a:avLst/>
+          </a:prstGeom>
+        </p:spPr>
+        <p:style>
+          <a:lnRef idx="2">
+            <a:schemeClr val="accent1">
+              <a:shade val="50000"/>
+            </a:schemeClr>
+          </a:lnRef>
+          <a:fillRef idx="1">
+            <a:schemeClr val="accent1"/>
+          </a:fillRef>
+          <a:effectRef idx="0">
+            <a:schemeClr val="accent1"/>
+          </a:effectRef>
+          <a:fontRef idx="minor">
+            <a:schemeClr val="lt1"/>
+          </a:fontRef>
+        </p:style>
+        <p:txBody>
+          <a:bodyPr rtlCol="1" anchor="ctr"/>
+          <a:lstStyle/>
+          <a:p>
+            <a:pPr algn="ctr"/>
+            <a:endParaRPr lang="he-IL"/>
+          </a:p>
+        </p:txBody>
+      </p:sp>
+      <p:sp>
+        <p:nvSpPr>
+          <p:cNvPr id="53" name="TextBox 52"/>
+          <p:cNvSpPr txBox="1"/>
+          <p:nvPr/>
+        </p:nvSpPr>
+        <p:spPr>
+          <a:xfrm>
+            <a:off x="2285952" y="4929198"/>
+            <a:ext cx="2143140" cy="369332"/>
+          </a:xfrm>
+          <a:prstGeom prst="rect">
+            <a:avLst/>
+          </a:prstGeom>
+          <a:noFill/>
+        </p:spPr>
+        <p:txBody>
+          <a:bodyPr wrap="square" rtlCol="1">
+            <a:spAutoFit/>
+          </a:bodyPr>
+          <a:lstStyle/>
+          <a:p>
+            <a:pPr algn="ctr"/>
+            <a:r>
+              <a:rPr lang="he-IL" dirty="0" smtClean="0">
+                <a:solidFill>
+                  <a:schemeClr val="bg1"/>
+                </a:solidFill>
+              </a:rPr>
+              <a:t>כיתה - 11</a:t>
+            </a:r>
+            <a:endParaRPr lang="he-IL" dirty="0">
+              <a:solidFill>
+                <a:schemeClr val="bg1"/>
+              </a:solidFill>
+            </a:endParaRPr>
+          </a:p>
+        </p:txBody>
+      </p:sp>
+      <p:sp>
+        <p:nvSpPr>
+          <p:cNvPr id="54" name="מלבן מעוגל 53"/>
+          <p:cNvSpPr/>
+          <p:nvPr/>
+        </p:nvSpPr>
+        <p:spPr>
+          <a:xfrm>
+            <a:off x="357158" y="4786322"/>
+            <a:ext cx="1657969" cy="714380"/>
+          </a:xfrm>
+          <a:prstGeom prst="roundRect">
+            <a:avLst/>
+          </a:prstGeom>
+        </p:spPr>
+        <p:style>
+          <a:lnRef idx="2">
+            <a:schemeClr val="accent1">
+              <a:shade val="50000"/>
+            </a:schemeClr>
+          </a:lnRef>
+          <a:fillRef idx="1">
+            <a:schemeClr val="accent1"/>
+          </a:fillRef>
+          <a:effectRef idx="0">
+            <a:schemeClr val="accent1"/>
+          </a:effectRef>
+          <a:fontRef idx="minor">
+            <a:schemeClr val="lt1"/>
+          </a:fontRef>
+        </p:style>
+        <p:txBody>
+          <a:bodyPr rtlCol="1" anchor="ctr"/>
+          <a:lstStyle/>
+          <a:p>
+            <a:pPr algn="ctr"/>
+            <a:endParaRPr lang="he-IL"/>
+          </a:p>
+        </p:txBody>
+      </p:sp>
+      <p:sp>
+        <p:nvSpPr>
+          <p:cNvPr id="55" name="TextBox 54"/>
+          <p:cNvSpPr txBox="1"/>
+          <p:nvPr/>
+        </p:nvSpPr>
+        <p:spPr>
+          <a:xfrm>
+            <a:off x="-32" y="4929198"/>
+            <a:ext cx="2143140" cy="369332"/>
+          </a:xfrm>
+          <a:prstGeom prst="rect">
+            <a:avLst/>
+          </a:prstGeom>
+          <a:noFill/>
+        </p:spPr>
+        <p:txBody>
+          <a:bodyPr wrap="square" rtlCol="1">
+            <a:spAutoFit/>
+          </a:bodyPr>
+          <a:lstStyle/>
+          <a:p>
+            <a:pPr algn="ctr"/>
+            <a:r>
+              <a:rPr lang="he-IL" dirty="0" smtClean="0">
+                <a:solidFill>
+                  <a:schemeClr val="bg1"/>
+                </a:solidFill>
+              </a:rPr>
+              <a:t>כיתה - </a:t>
+            </a:r>
+            <a:r>
+              <a:rPr lang="he-IL" dirty="0" smtClean="0">
+                <a:solidFill>
+                  <a:schemeClr val="bg1"/>
+                </a:solidFill>
+              </a:rPr>
+              <a:t>12</a:t>
+            </a:r>
+            <a:endParaRPr lang="he-IL" dirty="0">
+              <a:solidFill>
+                <a:schemeClr val="bg1"/>
+              </a:solidFill>
+            </a:endParaRPr>
+          </a:p>
+        </p:txBody>
+      </p:sp>
     </p:spTree>
   </p:cSld>
   <p:clrMapOvr>
@@ -4387,7 +5683,7 @@
 </p:sld>
 </file>
 
-<file path=ppt/slides/slide3.xml><?xml version="1.0" encoding="utf-8"?>
+<file path=ppt/slides/slide11.xml><?xml version="1.0" encoding="utf-8"?>
 <p:sld xmlns:a="http://schemas.openxmlformats.org/drawingml/2006/main" xmlns:r="http://schemas.openxmlformats.org/officeDocument/2006/relationships" xmlns:p="http://schemas.openxmlformats.org/presentationml/2006/main">
   <p:cSld>
     <p:spTree>
@@ -4685,114 +5981,168 @@
           </a:p>
         </p:txBody>
       </p:sp>
+      <p:sp>
+        <p:nvSpPr>
+          <p:cNvPr id="18" name="TextBox 17"/>
+          <p:cNvSpPr txBox="1"/>
+          <p:nvPr/>
+        </p:nvSpPr>
+        <p:spPr>
+          <a:xfrm>
+            <a:off x="928662" y="1000108"/>
+            <a:ext cx="6929454" cy="523220"/>
+          </a:xfrm>
+          <a:prstGeom prst="rect">
+            <a:avLst/>
+          </a:prstGeom>
+          <a:noFill/>
+        </p:spPr>
+        <p:txBody>
+          <a:bodyPr wrap="square" rtlCol="1">
+            <a:spAutoFit/>
+          </a:bodyPr>
+          <a:lstStyle/>
+          <a:p>
+            <a:pPr algn="ctr"/>
+            <a:r>
+              <a:rPr lang="he-IL" sz="2800" b="1" dirty="0" smtClean="0"/>
+              <a:t>כיתה </a:t>
+            </a:r>
+            <a:r>
+              <a:rPr lang="he-IL" sz="2800" b="1" dirty="0" err="1" smtClean="0"/>
+              <a:t>– 8</a:t>
+            </a:r>
+            <a:r>
+              <a:rPr lang="he-IL" sz="2800" b="1" dirty="0" smtClean="0"/>
+              <a:t> </a:t>
+            </a:r>
+            <a:r>
+              <a:rPr lang="he-IL" sz="2800" b="1" dirty="0" err="1" smtClean="0"/>
+              <a:t>סוזאן</a:t>
+            </a:r>
+            <a:r>
+              <a:rPr lang="he-IL" sz="2800" b="1" dirty="0" smtClean="0"/>
+              <a:t> </a:t>
+            </a:r>
+            <a:r>
+              <a:rPr lang="he-IL" sz="2800" b="1" dirty="0" err="1" smtClean="0"/>
+              <a:t>חצבני</a:t>
+            </a:r>
+            <a:endParaRPr lang="he-IL" sz="2800" b="1" dirty="0"/>
+          </a:p>
+        </p:txBody>
+      </p:sp>
       <p:grpSp>
         <p:nvGrpSpPr>
-          <p:cNvPr id="18" name="קבוצה 17"/>
+          <p:cNvPr id="3" name="קבוצה 43"/>
           <p:cNvGrpSpPr/>
           <p:nvPr/>
         </p:nvGrpSpPr>
         <p:grpSpPr>
           <a:xfrm>
-            <a:off x="5357818" y="2500306"/>
-            <a:ext cx="2000264" cy="1857388"/>
-            <a:chOff x="5357818" y="2500306"/>
-            <a:chExt cx="2000264" cy="1857388"/>
+            <a:off x="1824266" y="1773783"/>
+            <a:ext cx="1533288" cy="1869531"/>
+            <a:chOff x="1538514" y="2285991"/>
+            <a:chExt cx="1533288" cy="1869531"/>
           </a:xfrm>
         </p:grpSpPr>
+        <p:grpSp>
+          <p:nvGrpSpPr>
+            <p:cNvPr id="4" name="קבוצה 29"/>
+            <p:cNvGrpSpPr/>
+            <p:nvPr/>
+          </p:nvGrpSpPr>
+          <p:grpSpPr>
+            <a:xfrm>
+              <a:off x="1538514" y="2285991"/>
+              <a:ext cx="1533288" cy="1400637"/>
+              <a:chOff x="2143108" y="2500305"/>
+              <a:chExt cx="2000264" cy="1857388"/>
+            </a:xfrm>
+          </p:grpSpPr>
+          <p:sp>
+            <p:nvSpPr>
+              <p:cNvPr id="31" name="אליפסה 30"/>
+              <p:cNvSpPr/>
+              <p:nvPr/>
+            </p:nvSpPr>
+            <p:spPr>
+              <a:xfrm>
+                <a:off x="2143108" y="2500305"/>
+                <a:ext cx="2000264" cy="1857388"/>
+              </a:xfrm>
+              <a:prstGeom prst="ellipse">
+                <a:avLst/>
+              </a:prstGeom>
+              <a:ln/>
+            </p:spPr>
+            <p:style>
+              <a:lnRef idx="1">
+                <a:schemeClr val="accent1"/>
+              </a:lnRef>
+              <a:fillRef idx="2">
+                <a:schemeClr val="accent1"/>
+              </a:fillRef>
+              <a:effectRef idx="1">
+                <a:schemeClr val="accent1"/>
+              </a:effectRef>
+              <a:fontRef idx="minor">
+                <a:schemeClr val="dk1"/>
+              </a:fontRef>
+            </p:style>
+            <p:txBody>
+              <a:bodyPr rtlCol="1" anchor="ctr"/>
+              <a:lstStyle/>
+              <a:p>
+                <a:pPr algn="ctr"/>
+                <a:endParaRPr lang="he-IL"/>
+              </a:p>
+            </p:txBody>
+          </p:sp>
+          <p:sp>
+            <p:nvSpPr>
+              <p:cNvPr id="32" name="TextBox 31">
+                <a:hlinkClick r:id="" action="ppaction://hlinkshowjump?jump=nextslide"/>
+              </p:cNvPr>
+              <p:cNvSpPr txBox="1"/>
+              <p:nvPr/>
+            </p:nvSpPr>
+            <p:spPr>
+              <a:xfrm>
+                <a:off x="2357422" y="3139859"/>
+                <a:ext cx="1571636" cy="369332"/>
+              </a:xfrm>
+              <a:prstGeom prst="rect">
+                <a:avLst/>
+              </a:prstGeom>
+              <a:noFill/>
+            </p:spPr>
+            <p:txBody>
+              <a:bodyPr wrap="square" rtlCol="1">
+                <a:spAutoFit/>
+              </a:bodyPr>
+              <a:lstStyle/>
+              <a:p>
+                <a:pPr algn="ctr"/>
+                <a:r>
+                  <a:rPr lang="he-IL" dirty="0" smtClean="0"/>
+                  <a:t>תמונה</a:t>
+                </a:r>
+                <a:endParaRPr lang="he-IL" dirty="0"/>
+              </a:p>
+            </p:txBody>
+          </p:sp>
+        </p:grpSp>
         <p:sp>
           <p:nvSpPr>
-            <p:cNvPr id="19" name="אליפסה 18"/>
-            <p:cNvSpPr/>
-            <p:nvPr/>
-          </p:nvSpPr>
-          <p:spPr>
-            <a:xfrm>
-              <a:off x="5357818" y="2500306"/>
-              <a:ext cx="2000264" cy="1857388"/>
-            </a:xfrm>
-            <a:prstGeom prst="ellipse">
-              <a:avLst/>
-            </a:prstGeom>
-            <a:ln/>
-          </p:spPr>
-          <p:style>
-            <a:lnRef idx="1">
-              <a:schemeClr val="accent1"/>
-            </a:lnRef>
-            <a:fillRef idx="2">
-              <a:schemeClr val="accent1"/>
-            </a:fillRef>
-            <a:effectRef idx="1">
-              <a:schemeClr val="accent1"/>
-            </a:effectRef>
-            <a:fontRef idx="minor">
-              <a:schemeClr val="dk1"/>
-            </a:fontRef>
-          </p:style>
-          <p:txBody>
-            <a:bodyPr rtlCol="1" anchor="ctr"/>
-            <a:lstStyle/>
-            <a:p>
-              <a:pPr algn="ctr"/>
-              <a:endParaRPr lang="he-IL" b="1">
-                <a:ln w="10541" cmpd="sng">
-                  <a:solidFill>
-                    <a:schemeClr val="accent1">
-                      <a:shade val="88000"/>
-                      <a:satMod val="110000"/>
-                    </a:schemeClr>
-                  </a:solidFill>
-                  <a:prstDash val="solid"/>
-                </a:ln>
-                <a:gradFill>
-                  <a:gsLst>
-                    <a:gs pos="0">
-                      <a:schemeClr val="accent1">
-                        <a:tint val="40000"/>
-                        <a:satMod val="250000"/>
-                      </a:schemeClr>
-                    </a:gs>
-                    <a:gs pos="9000">
-                      <a:schemeClr val="accent1">
-                        <a:tint val="52000"/>
-                        <a:satMod val="300000"/>
-                      </a:schemeClr>
-                    </a:gs>
-                    <a:gs pos="50000">
-                      <a:schemeClr val="accent1">
-                        <a:shade val="20000"/>
-                        <a:satMod val="300000"/>
-                      </a:schemeClr>
-                    </a:gs>
-                    <a:gs pos="79000">
-                      <a:schemeClr val="accent1">
-                        <a:tint val="52000"/>
-                        <a:satMod val="300000"/>
-                      </a:schemeClr>
-                    </a:gs>
-                    <a:gs pos="100000">
-                      <a:schemeClr val="accent1">
-                        <a:tint val="40000"/>
-                        <a:satMod val="250000"/>
-                      </a:schemeClr>
-                    </a:gs>
-                  </a:gsLst>
-                  <a:lin ang="5400000"/>
-                </a:gradFill>
-              </a:endParaRPr>
-            </a:p>
-          </p:txBody>
-        </p:sp>
-        <p:sp>
-          <p:nvSpPr>
-            <p:cNvPr id="21" name="TextBox 20"/>
+            <p:cNvPr id="43" name="TextBox 42"/>
             <p:cNvSpPr txBox="1"/>
             <p:nvPr/>
           </p:nvSpPr>
           <p:spPr>
             <a:xfrm>
-              <a:off x="5572132" y="3068421"/>
-              <a:ext cx="1571636" cy="369332"/>
+              <a:off x="1714480" y="3786190"/>
+              <a:ext cx="1214446" cy="369332"/>
             </a:xfrm>
             <a:prstGeom prst="rect">
               <a:avLst/>
@@ -4805,10 +6155,9 @@
             </a:bodyPr>
             <a:lstStyle/>
             <a:p>
-              <a:pPr algn="ctr"/>
               <a:r>
                 <a:rPr lang="he-IL" dirty="0" smtClean="0"/>
-                <a:t>מעון</a:t>
+                <a:t>שם הדייר</a:t>
               </a:r>
               <a:endParaRPr lang="he-IL" dirty="0"/>
             </a:p>
@@ -4817,112 +6166,115 @@
       </p:grpSp>
       <p:grpSp>
         <p:nvGrpSpPr>
-          <p:cNvPr id="22" name="קבוצה 21"/>
+          <p:cNvPr id="5" name="קבוצה 44"/>
           <p:cNvGrpSpPr/>
           <p:nvPr/>
         </p:nvGrpSpPr>
         <p:grpSpPr>
           <a:xfrm>
-            <a:off x="2285984" y="2571744"/>
-            <a:ext cx="2000264" cy="1857388"/>
-            <a:chOff x="5357818" y="2500306"/>
-            <a:chExt cx="2000264" cy="1857388"/>
+            <a:off x="3895968" y="1714488"/>
+            <a:ext cx="1533288" cy="1869531"/>
+            <a:chOff x="1538514" y="2285991"/>
+            <a:chExt cx="1533288" cy="1869531"/>
           </a:xfrm>
         </p:grpSpPr>
+        <p:grpSp>
+          <p:nvGrpSpPr>
+            <p:cNvPr id="6" name="קבוצה 29"/>
+            <p:cNvGrpSpPr/>
+            <p:nvPr/>
+          </p:nvGrpSpPr>
+          <p:grpSpPr>
+            <a:xfrm>
+              <a:off x="1538514" y="2285991"/>
+              <a:ext cx="1533288" cy="1400637"/>
+              <a:chOff x="2143108" y="2500305"/>
+              <a:chExt cx="2000264" cy="1857388"/>
+            </a:xfrm>
+          </p:grpSpPr>
+          <p:sp>
+            <p:nvSpPr>
+              <p:cNvPr id="48" name="אליפסה 47"/>
+              <p:cNvSpPr/>
+              <p:nvPr/>
+            </p:nvSpPr>
+            <p:spPr>
+              <a:xfrm>
+                <a:off x="2143108" y="2500305"/>
+                <a:ext cx="2000264" cy="1857388"/>
+              </a:xfrm>
+              <a:prstGeom prst="ellipse">
+                <a:avLst/>
+              </a:prstGeom>
+              <a:ln/>
+            </p:spPr>
+            <p:style>
+              <a:lnRef idx="1">
+                <a:schemeClr val="accent1"/>
+              </a:lnRef>
+              <a:fillRef idx="2">
+                <a:schemeClr val="accent1"/>
+              </a:fillRef>
+              <a:effectRef idx="1">
+                <a:schemeClr val="accent1"/>
+              </a:effectRef>
+              <a:fontRef idx="minor">
+                <a:schemeClr val="dk1"/>
+              </a:fontRef>
+            </p:style>
+            <p:txBody>
+              <a:bodyPr rtlCol="1" anchor="ctr"/>
+              <a:lstStyle/>
+              <a:p>
+                <a:pPr algn="ctr"/>
+                <a:endParaRPr lang="he-IL"/>
+              </a:p>
+            </p:txBody>
+          </p:sp>
+          <p:sp>
+            <p:nvSpPr>
+              <p:cNvPr id="49" name="TextBox 48">
+                <a:hlinkClick r:id="" action="ppaction://hlinkshowjump?jump=nextslide"/>
+              </p:cNvPr>
+              <p:cNvSpPr txBox="1"/>
+              <p:nvPr/>
+            </p:nvSpPr>
+            <p:spPr>
+              <a:xfrm>
+                <a:off x="2357422" y="3139859"/>
+                <a:ext cx="1571636" cy="369332"/>
+              </a:xfrm>
+              <a:prstGeom prst="rect">
+                <a:avLst/>
+              </a:prstGeom>
+              <a:noFill/>
+            </p:spPr>
+            <p:txBody>
+              <a:bodyPr wrap="square" rtlCol="1">
+                <a:spAutoFit/>
+              </a:bodyPr>
+              <a:lstStyle/>
+              <a:p>
+                <a:pPr algn="ctr"/>
+                <a:r>
+                  <a:rPr lang="he-IL" dirty="0" smtClean="0"/>
+                  <a:t>תמונה</a:t>
+                </a:r>
+                <a:endParaRPr lang="he-IL" dirty="0"/>
+              </a:p>
+            </p:txBody>
+          </p:sp>
+        </p:grpSp>
         <p:sp>
           <p:nvSpPr>
-            <p:cNvPr id="23" name="אליפסה 22"/>
-            <p:cNvSpPr/>
-            <p:nvPr/>
-          </p:nvSpPr>
-          <p:spPr>
-            <a:xfrm>
-              <a:off x="5357818" y="2500306"/>
-              <a:ext cx="2000264" cy="1857388"/>
-            </a:xfrm>
-            <a:prstGeom prst="ellipse">
-              <a:avLst/>
-            </a:prstGeom>
-            <a:ln/>
-          </p:spPr>
-          <p:style>
-            <a:lnRef idx="1">
-              <a:schemeClr val="accent1"/>
-            </a:lnRef>
-            <a:fillRef idx="2">
-              <a:schemeClr val="accent1"/>
-            </a:fillRef>
-            <a:effectRef idx="1">
-              <a:schemeClr val="accent1"/>
-            </a:effectRef>
-            <a:fontRef idx="minor">
-              <a:schemeClr val="dk1"/>
-            </a:fontRef>
-          </p:style>
-          <p:txBody>
-            <a:bodyPr rtlCol="1" anchor="ctr"/>
-            <a:lstStyle/>
-            <a:p>
-              <a:pPr algn="ctr"/>
-              <a:endParaRPr lang="he-IL" b="1">
-                <a:ln w="10541" cmpd="sng">
-                  <a:solidFill>
-                    <a:schemeClr val="accent1">
-                      <a:shade val="88000"/>
-                      <a:satMod val="110000"/>
-                    </a:schemeClr>
-                  </a:solidFill>
-                  <a:prstDash val="solid"/>
-                </a:ln>
-                <a:gradFill>
-                  <a:gsLst>
-                    <a:gs pos="0">
-                      <a:schemeClr val="accent1">
-                        <a:tint val="40000"/>
-                        <a:satMod val="250000"/>
-                      </a:schemeClr>
-                    </a:gs>
-                    <a:gs pos="9000">
-                      <a:schemeClr val="accent1">
-                        <a:tint val="52000"/>
-                        <a:satMod val="300000"/>
-                      </a:schemeClr>
-                    </a:gs>
-                    <a:gs pos="50000">
-                      <a:schemeClr val="accent1">
-                        <a:shade val="20000"/>
-                        <a:satMod val="300000"/>
-                      </a:schemeClr>
-                    </a:gs>
-                    <a:gs pos="79000">
-                      <a:schemeClr val="accent1">
-                        <a:tint val="52000"/>
-                        <a:satMod val="300000"/>
-                      </a:schemeClr>
-                    </a:gs>
-                    <a:gs pos="100000">
-                      <a:schemeClr val="accent1">
-                        <a:tint val="40000"/>
-                        <a:satMod val="250000"/>
-                      </a:schemeClr>
-                    </a:gs>
-                  </a:gsLst>
-                  <a:lin ang="5400000"/>
-                </a:gradFill>
-              </a:endParaRPr>
-            </a:p>
-          </p:txBody>
-        </p:sp>
-        <p:sp>
-          <p:nvSpPr>
-            <p:cNvPr id="24" name="TextBox 23"/>
+            <p:cNvPr id="47" name="TextBox 46"/>
             <p:cNvSpPr txBox="1"/>
             <p:nvPr/>
           </p:nvSpPr>
           <p:spPr>
             <a:xfrm>
-              <a:off x="5572132" y="3131106"/>
-              <a:ext cx="1571636" cy="369332"/>
+              <a:off x="1714480" y="3786190"/>
+              <a:ext cx="1214446" cy="369332"/>
             </a:xfrm>
             <a:prstGeom prst="rect">
               <a:avLst/>
@@ -4935,16 +6287,589 @@
             </a:bodyPr>
             <a:lstStyle/>
             <a:p>
-              <a:pPr algn="ctr"/>
               <a:r>
                 <a:rPr lang="he-IL" dirty="0" smtClean="0"/>
-                <a:t>בית ספר</a:t>
+                <a:t>שם הדייר</a:t>
               </a:r>
               <a:endParaRPr lang="he-IL" dirty="0"/>
             </a:p>
           </p:txBody>
         </p:sp>
       </p:grpSp>
+      <p:grpSp>
+        <p:nvGrpSpPr>
+          <p:cNvPr id="7" name="קבוצה 49"/>
+          <p:cNvGrpSpPr/>
+          <p:nvPr/>
+        </p:nvGrpSpPr>
+        <p:grpSpPr>
+          <a:xfrm>
+            <a:off x="6110546" y="1714488"/>
+            <a:ext cx="1533288" cy="1869531"/>
+            <a:chOff x="1538514" y="2285991"/>
+            <a:chExt cx="1533288" cy="1869531"/>
+          </a:xfrm>
+        </p:grpSpPr>
+        <p:grpSp>
+          <p:nvGrpSpPr>
+            <p:cNvPr id="8" name="קבוצה 29"/>
+            <p:cNvGrpSpPr/>
+            <p:nvPr/>
+          </p:nvGrpSpPr>
+          <p:grpSpPr>
+            <a:xfrm>
+              <a:off x="1538514" y="2285991"/>
+              <a:ext cx="1533288" cy="1400637"/>
+              <a:chOff x="2143108" y="2500305"/>
+              <a:chExt cx="2000264" cy="1857388"/>
+            </a:xfrm>
+          </p:grpSpPr>
+          <p:sp>
+            <p:nvSpPr>
+              <p:cNvPr id="53" name="אליפסה 52"/>
+              <p:cNvSpPr/>
+              <p:nvPr/>
+            </p:nvSpPr>
+            <p:spPr>
+              <a:xfrm>
+                <a:off x="2143108" y="2500305"/>
+                <a:ext cx="2000264" cy="1857388"/>
+              </a:xfrm>
+              <a:prstGeom prst="ellipse">
+                <a:avLst/>
+              </a:prstGeom>
+              <a:ln/>
+            </p:spPr>
+            <p:style>
+              <a:lnRef idx="1">
+                <a:schemeClr val="accent1"/>
+              </a:lnRef>
+              <a:fillRef idx="2">
+                <a:schemeClr val="accent1"/>
+              </a:fillRef>
+              <a:effectRef idx="1">
+                <a:schemeClr val="accent1"/>
+              </a:effectRef>
+              <a:fontRef idx="minor">
+                <a:schemeClr val="dk1"/>
+              </a:fontRef>
+            </p:style>
+            <p:txBody>
+              <a:bodyPr rtlCol="1" anchor="ctr"/>
+              <a:lstStyle/>
+              <a:p>
+                <a:pPr algn="ctr"/>
+                <a:endParaRPr lang="he-IL"/>
+              </a:p>
+            </p:txBody>
+          </p:sp>
+          <p:sp>
+            <p:nvSpPr>
+              <p:cNvPr id="54" name="TextBox 53">
+                <a:hlinkClick r:id="" action="ppaction://hlinkshowjump?jump=nextslide"/>
+              </p:cNvPr>
+              <p:cNvSpPr txBox="1"/>
+              <p:nvPr/>
+            </p:nvSpPr>
+            <p:spPr>
+              <a:xfrm>
+                <a:off x="2357422" y="3139859"/>
+                <a:ext cx="1571636" cy="489772"/>
+              </a:xfrm>
+              <a:prstGeom prst="rect">
+                <a:avLst/>
+              </a:prstGeom>
+              <a:noFill/>
+            </p:spPr>
+            <p:txBody>
+              <a:bodyPr wrap="square" rtlCol="1">
+                <a:spAutoFit/>
+              </a:bodyPr>
+              <a:lstStyle/>
+              <a:p>
+                <a:pPr algn="ctr"/>
+                <a:r>
+                  <a:rPr lang="he-IL" dirty="0" smtClean="0">
+                    <a:hlinkClick r:id="" action="ppaction://hlinkshowjump?jump=nextslide"/>
+                  </a:rPr>
+                  <a:t>תמונה</a:t>
+                </a:r>
+                <a:endParaRPr lang="he-IL" dirty="0"/>
+              </a:p>
+            </p:txBody>
+          </p:sp>
+        </p:grpSp>
+        <p:sp>
+          <p:nvSpPr>
+            <p:cNvPr id="52" name="TextBox 51"/>
+            <p:cNvSpPr txBox="1"/>
+            <p:nvPr/>
+          </p:nvSpPr>
+          <p:spPr>
+            <a:xfrm>
+              <a:off x="1714480" y="3786190"/>
+              <a:ext cx="1214446" cy="369332"/>
+            </a:xfrm>
+            <a:prstGeom prst="rect">
+              <a:avLst/>
+            </a:prstGeom>
+            <a:noFill/>
+          </p:spPr>
+          <p:txBody>
+            <a:bodyPr wrap="square" rtlCol="1">
+              <a:spAutoFit/>
+            </a:bodyPr>
+            <a:lstStyle/>
+            <a:p>
+              <a:r>
+                <a:rPr lang="he-IL" dirty="0" smtClean="0"/>
+                <a:t>שם הדייר</a:t>
+              </a:r>
+              <a:endParaRPr lang="he-IL" dirty="0"/>
+            </a:p>
+          </p:txBody>
+        </p:sp>
+      </p:grpSp>
+      <p:grpSp>
+        <p:nvGrpSpPr>
+          <p:cNvPr id="9" name="קבוצה 54"/>
+          <p:cNvGrpSpPr/>
+          <p:nvPr/>
+        </p:nvGrpSpPr>
+        <p:grpSpPr>
+          <a:xfrm>
+            <a:off x="1785918" y="4274113"/>
+            <a:ext cx="1533288" cy="1869531"/>
+            <a:chOff x="1538514" y="2285991"/>
+            <a:chExt cx="1533288" cy="1869531"/>
+          </a:xfrm>
+        </p:grpSpPr>
+        <p:grpSp>
+          <p:nvGrpSpPr>
+            <p:cNvPr id="10" name="קבוצה 29"/>
+            <p:cNvGrpSpPr/>
+            <p:nvPr/>
+          </p:nvGrpSpPr>
+          <p:grpSpPr>
+            <a:xfrm>
+              <a:off x="1538514" y="2285991"/>
+              <a:ext cx="1533288" cy="1400637"/>
+              <a:chOff x="2143108" y="2500305"/>
+              <a:chExt cx="2000264" cy="1857388"/>
+            </a:xfrm>
+          </p:grpSpPr>
+          <p:sp>
+            <p:nvSpPr>
+              <p:cNvPr id="58" name="אליפסה 57"/>
+              <p:cNvSpPr/>
+              <p:nvPr/>
+            </p:nvSpPr>
+            <p:spPr>
+              <a:xfrm>
+                <a:off x="2143108" y="2500305"/>
+                <a:ext cx="2000264" cy="1857388"/>
+              </a:xfrm>
+              <a:prstGeom prst="ellipse">
+                <a:avLst/>
+              </a:prstGeom>
+              <a:ln/>
+            </p:spPr>
+            <p:style>
+              <a:lnRef idx="1">
+                <a:schemeClr val="accent1"/>
+              </a:lnRef>
+              <a:fillRef idx="2">
+                <a:schemeClr val="accent1"/>
+              </a:fillRef>
+              <a:effectRef idx="1">
+                <a:schemeClr val="accent1"/>
+              </a:effectRef>
+              <a:fontRef idx="minor">
+                <a:schemeClr val="dk1"/>
+              </a:fontRef>
+            </p:style>
+            <p:txBody>
+              <a:bodyPr rtlCol="1" anchor="ctr"/>
+              <a:lstStyle/>
+              <a:p>
+                <a:pPr algn="ctr"/>
+                <a:endParaRPr lang="he-IL"/>
+              </a:p>
+            </p:txBody>
+          </p:sp>
+          <p:sp>
+            <p:nvSpPr>
+              <p:cNvPr id="59" name="TextBox 58">
+                <a:hlinkClick r:id="" action="ppaction://hlinkshowjump?jump=nextslide"/>
+              </p:cNvPr>
+              <p:cNvSpPr txBox="1"/>
+              <p:nvPr/>
+            </p:nvSpPr>
+            <p:spPr>
+              <a:xfrm>
+                <a:off x="2357422" y="3139859"/>
+                <a:ext cx="1571636" cy="369332"/>
+              </a:xfrm>
+              <a:prstGeom prst="rect">
+                <a:avLst/>
+              </a:prstGeom>
+              <a:noFill/>
+            </p:spPr>
+            <p:txBody>
+              <a:bodyPr wrap="square" rtlCol="1">
+                <a:spAutoFit/>
+              </a:bodyPr>
+              <a:lstStyle/>
+              <a:p>
+                <a:pPr algn="ctr"/>
+                <a:r>
+                  <a:rPr lang="he-IL" dirty="0" smtClean="0"/>
+                  <a:t>תמונה</a:t>
+                </a:r>
+                <a:endParaRPr lang="he-IL" dirty="0"/>
+              </a:p>
+            </p:txBody>
+          </p:sp>
+        </p:grpSp>
+        <p:sp>
+          <p:nvSpPr>
+            <p:cNvPr id="57" name="TextBox 56"/>
+            <p:cNvSpPr txBox="1"/>
+            <p:nvPr/>
+          </p:nvSpPr>
+          <p:spPr>
+            <a:xfrm>
+              <a:off x="1714480" y="3786190"/>
+              <a:ext cx="1214446" cy="369332"/>
+            </a:xfrm>
+            <a:prstGeom prst="rect">
+              <a:avLst/>
+            </a:prstGeom>
+            <a:noFill/>
+          </p:spPr>
+          <p:txBody>
+            <a:bodyPr wrap="square" rtlCol="1">
+              <a:spAutoFit/>
+            </a:bodyPr>
+            <a:lstStyle/>
+            <a:p>
+              <a:r>
+                <a:rPr lang="he-IL" dirty="0" smtClean="0"/>
+                <a:t>שם הדייר</a:t>
+              </a:r>
+              <a:endParaRPr lang="he-IL" dirty="0"/>
+            </a:p>
+          </p:txBody>
+        </p:sp>
+      </p:grpSp>
+      <p:grpSp>
+        <p:nvGrpSpPr>
+          <p:cNvPr id="11" name="קבוצה 59"/>
+          <p:cNvGrpSpPr/>
+          <p:nvPr/>
+        </p:nvGrpSpPr>
+        <p:grpSpPr>
+          <a:xfrm>
+            <a:off x="3857620" y="4214818"/>
+            <a:ext cx="1533288" cy="1869531"/>
+            <a:chOff x="1538514" y="2285991"/>
+            <a:chExt cx="1533288" cy="1869531"/>
+          </a:xfrm>
+        </p:grpSpPr>
+        <p:grpSp>
+          <p:nvGrpSpPr>
+            <p:cNvPr id="12" name="קבוצה 29"/>
+            <p:cNvGrpSpPr/>
+            <p:nvPr/>
+          </p:nvGrpSpPr>
+          <p:grpSpPr>
+            <a:xfrm>
+              <a:off x="1538514" y="2285991"/>
+              <a:ext cx="1533288" cy="1400637"/>
+              <a:chOff x="2143108" y="2500305"/>
+              <a:chExt cx="2000264" cy="1857388"/>
+            </a:xfrm>
+          </p:grpSpPr>
+          <p:sp>
+            <p:nvSpPr>
+              <p:cNvPr id="63" name="אליפסה 62"/>
+              <p:cNvSpPr/>
+              <p:nvPr/>
+            </p:nvSpPr>
+            <p:spPr>
+              <a:xfrm>
+                <a:off x="2143108" y="2500305"/>
+                <a:ext cx="2000264" cy="1857388"/>
+              </a:xfrm>
+              <a:prstGeom prst="ellipse">
+                <a:avLst/>
+              </a:prstGeom>
+              <a:ln/>
+            </p:spPr>
+            <p:style>
+              <a:lnRef idx="1">
+                <a:schemeClr val="accent1"/>
+              </a:lnRef>
+              <a:fillRef idx="2">
+                <a:schemeClr val="accent1"/>
+              </a:fillRef>
+              <a:effectRef idx="1">
+                <a:schemeClr val="accent1"/>
+              </a:effectRef>
+              <a:fontRef idx="minor">
+                <a:schemeClr val="dk1"/>
+              </a:fontRef>
+            </p:style>
+            <p:txBody>
+              <a:bodyPr rtlCol="1" anchor="ctr"/>
+              <a:lstStyle/>
+              <a:p>
+                <a:pPr algn="ctr"/>
+                <a:endParaRPr lang="he-IL"/>
+              </a:p>
+            </p:txBody>
+          </p:sp>
+          <p:sp>
+            <p:nvSpPr>
+              <p:cNvPr id="64" name="TextBox 63">
+                <a:hlinkClick r:id="" action="ppaction://hlinkshowjump?jump=nextslide"/>
+              </p:cNvPr>
+              <p:cNvSpPr txBox="1"/>
+              <p:nvPr/>
+            </p:nvSpPr>
+            <p:spPr>
+              <a:xfrm>
+                <a:off x="2357422" y="3139859"/>
+                <a:ext cx="1571636" cy="369332"/>
+              </a:xfrm>
+              <a:prstGeom prst="rect">
+                <a:avLst/>
+              </a:prstGeom>
+              <a:noFill/>
+            </p:spPr>
+            <p:txBody>
+              <a:bodyPr wrap="square" rtlCol="1">
+                <a:spAutoFit/>
+              </a:bodyPr>
+              <a:lstStyle/>
+              <a:p>
+                <a:pPr algn="ctr"/>
+                <a:r>
+                  <a:rPr lang="he-IL" dirty="0" smtClean="0"/>
+                  <a:t>תמונה</a:t>
+                </a:r>
+                <a:endParaRPr lang="he-IL" dirty="0"/>
+              </a:p>
+            </p:txBody>
+          </p:sp>
+        </p:grpSp>
+        <p:sp>
+          <p:nvSpPr>
+            <p:cNvPr id="62" name="TextBox 61"/>
+            <p:cNvSpPr txBox="1"/>
+            <p:nvPr/>
+          </p:nvSpPr>
+          <p:spPr>
+            <a:xfrm>
+              <a:off x="1714480" y="3786190"/>
+              <a:ext cx="1214446" cy="369332"/>
+            </a:xfrm>
+            <a:prstGeom prst="rect">
+              <a:avLst/>
+            </a:prstGeom>
+            <a:noFill/>
+          </p:spPr>
+          <p:txBody>
+            <a:bodyPr wrap="square" rtlCol="1">
+              <a:spAutoFit/>
+            </a:bodyPr>
+            <a:lstStyle/>
+            <a:p>
+              <a:r>
+                <a:rPr lang="he-IL" dirty="0" smtClean="0"/>
+                <a:t>שם הדייר</a:t>
+              </a:r>
+              <a:endParaRPr lang="he-IL" dirty="0"/>
+            </a:p>
+          </p:txBody>
+        </p:sp>
+      </p:grpSp>
+      <p:grpSp>
+        <p:nvGrpSpPr>
+          <p:cNvPr id="13" name="קבוצה 64"/>
+          <p:cNvGrpSpPr/>
+          <p:nvPr/>
+        </p:nvGrpSpPr>
+        <p:grpSpPr>
+          <a:xfrm>
+            <a:off x="6072198" y="4214818"/>
+            <a:ext cx="1533288" cy="1869531"/>
+            <a:chOff x="1538514" y="2285991"/>
+            <a:chExt cx="1533288" cy="1869531"/>
+          </a:xfrm>
+        </p:grpSpPr>
+        <p:grpSp>
+          <p:nvGrpSpPr>
+            <p:cNvPr id="14" name="קבוצה 29"/>
+            <p:cNvGrpSpPr/>
+            <p:nvPr/>
+          </p:nvGrpSpPr>
+          <p:grpSpPr>
+            <a:xfrm>
+              <a:off x="1538514" y="2285991"/>
+              <a:ext cx="1533288" cy="1400637"/>
+              <a:chOff x="2143108" y="2500305"/>
+              <a:chExt cx="2000264" cy="1857388"/>
+            </a:xfrm>
+          </p:grpSpPr>
+          <p:sp>
+            <p:nvSpPr>
+              <p:cNvPr id="68" name="אליפסה 67"/>
+              <p:cNvSpPr/>
+              <p:nvPr/>
+            </p:nvSpPr>
+            <p:spPr>
+              <a:xfrm>
+                <a:off x="2143108" y="2500305"/>
+                <a:ext cx="2000264" cy="1857388"/>
+              </a:xfrm>
+              <a:prstGeom prst="ellipse">
+                <a:avLst/>
+              </a:prstGeom>
+              <a:ln/>
+            </p:spPr>
+            <p:style>
+              <a:lnRef idx="1">
+                <a:schemeClr val="accent1"/>
+              </a:lnRef>
+              <a:fillRef idx="2">
+                <a:schemeClr val="accent1"/>
+              </a:fillRef>
+              <a:effectRef idx="1">
+                <a:schemeClr val="accent1"/>
+              </a:effectRef>
+              <a:fontRef idx="minor">
+                <a:schemeClr val="dk1"/>
+              </a:fontRef>
+            </p:style>
+            <p:txBody>
+              <a:bodyPr rtlCol="1" anchor="ctr"/>
+              <a:lstStyle/>
+              <a:p>
+                <a:pPr algn="ctr"/>
+                <a:endParaRPr lang="he-IL"/>
+              </a:p>
+            </p:txBody>
+          </p:sp>
+          <p:sp>
+            <p:nvSpPr>
+              <p:cNvPr id="69" name="TextBox 68">
+                <a:hlinkClick r:id="" action="ppaction://hlinkshowjump?jump=nextslide"/>
+              </p:cNvPr>
+              <p:cNvSpPr txBox="1"/>
+              <p:nvPr/>
+            </p:nvSpPr>
+            <p:spPr>
+              <a:xfrm>
+                <a:off x="2357422" y="3139859"/>
+                <a:ext cx="1571636" cy="369332"/>
+              </a:xfrm>
+              <a:prstGeom prst="rect">
+                <a:avLst/>
+              </a:prstGeom>
+              <a:noFill/>
+            </p:spPr>
+            <p:txBody>
+              <a:bodyPr wrap="square" rtlCol="1">
+                <a:spAutoFit/>
+              </a:bodyPr>
+              <a:lstStyle/>
+              <a:p>
+                <a:pPr algn="ctr"/>
+                <a:r>
+                  <a:rPr lang="he-IL" dirty="0" smtClean="0"/>
+                  <a:t>תמונה</a:t>
+                </a:r>
+                <a:endParaRPr lang="he-IL" dirty="0"/>
+              </a:p>
+            </p:txBody>
+          </p:sp>
+        </p:grpSp>
+        <p:sp>
+          <p:nvSpPr>
+            <p:cNvPr id="67" name="TextBox 66"/>
+            <p:cNvSpPr txBox="1"/>
+            <p:nvPr/>
+          </p:nvSpPr>
+          <p:spPr>
+            <a:xfrm>
+              <a:off x="1714480" y="3786190"/>
+              <a:ext cx="1214446" cy="369332"/>
+            </a:xfrm>
+            <a:prstGeom prst="rect">
+              <a:avLst/>
+            </a:prstGeom>
+            <a:noFill/>
+          </p:spPr>
+          <p:txBody>
+            <a:bodyPr wrap="square" rtlCol="1">
+              <a:spAutoFit/>
+            </a:bodyPr>
+            <a:lstStyle/>
+            <a:p>
+              <a:r>
+                <a:rPr lang="he-IL" dirty="0" smtClean="0"/>
+                <a:t>שם הדייר</a:t>
+              </a:r>
+              <a:endParaRPr lang="he-IL" dirty="0"/>
+            </a:p>
+          </p:txBody>
+        </p:sp>
+      </p:grpSp>
+      <p:sp>
+        <p:nvSpPr>
+          <p:cNvPr id="41" name="מלבן מעוגל 40"/>
+          <p:cNvSpPr/>
+          <p:nvPr/>
+        </p:nvSpPr>
+        <p:spPr>
+          <a:xfrm>
+            <a:off x="214282" y="1071546"/>
+            <a:ext cx="1357322" cy="857256"/>
+          </a:xfrm>
+          <a:prstGeom prst="roundRect">
+            <a:avLst/>
+          </a:prstGeom>
+        </p:spPr>
+        <p:style>
+          <a:lnRef idx="2">
+            <a:schemeClr val="accent1">
+              <a:shade val="50000"/>
+            </a:schemeClr>
+          </a:lnRef>
+          <a:fillRef idx="1">
+            <a:schemeClr val="accent1"/>
+          </a:fillRef>
+          <a:effectRef idx="0">
+            <a:schemeClr val="accent1"/>
+          </a:effectRef>
+          <a:fontRef idx="minor">
+            <a:schemeClr val="lt1"/>
+          </a:fontRef>
+        </p:style>
+        <p:txBody>
+          <a:bodyPr rtlCol="1" anchor="ctr"/>
+          <a:lstStyle/>
+          <a:p>
+            <a:pPr algn="ctr"/>
+            <a:r>
+              <a:rPr lang="he-IL" dirty="0" smtClean="0"/>
+              <a:t>תוכנית לימוד כיתתית</a:t>
+            </a:r>
+            <a:endParaRPr lang="he-IL" dirty="0"/>
+          </a:p>
+        </p:txBody>
+      </p:sp>
     </p:spTree>
   </p:cSld>
   <p:clrMapOvr>
@@ -4960,7 +6885,7 @@
 </p:sld>
 </file>
 
-<file path=ppt/slides/slide4.xml><?xml version="1.0" encoding="utf-8"?>
+<file path=ppt/slides/slide12.xml><?xml version="1.0" encoding="utf-8"?>
 <p:sld xmlns:a="http://schemas.openxmlformats.org/drawingml/2006/main" xmlns:r="http://schemas.openxmlformats.org/officeDocument/2006/relationships" xmlns:p="http://schemas.openxmlformats.org/presentationml/2006/main">
   <p:cSld>
     <p:spTree>
@@ -4977,6 +6902,173 @@
           <a:chExt cx="0" cy="0"/>
         </a:xfrm>
       </p:grpSpPr>
+      <p:grpSp>
+        <p:nvGrpSpPr>
+          <p:cNvPr id="41" name="קבוצה 40"/>
+          <p:cNvGrpSpPr/>
+          <p:nvPr/>
+        </p:nvGrpSpPr>
+        <p:grpSpPr>
+          <a:xfrm>
+            <a:off x="0" y="1928802"/>
+            <a:ext cx="2714644" cy="1460719"/>
+            <a:chOff x="-71470" y="1000108"/>
+            <a:chExt cx="2714644" cy="1460719"/>
+          </a:xfrm>
+        </p:grpSpPr>
+        <p:sp>
+          <p:nvSpPr>
+            <p:cNvPr id="4" name="מלבן מעוגל 3"/>
+            <p:cNvSpPr/>
+            <p:nvPr/>
+          </p:nvSpPr>
+          <p:spPr>
+            <a:xfrm>
+              <a:off x="71406" y="1000108"/>
+              <a:ext cx="2357454" cy="1460719"/>
+            </a:xfrm>
+            <a:prstGeom prst="roundRect">
+              <a:avLst/>
+            </a:prstGeom>
+          </p:spPr>
+          <p:style>
+            <a:lnRef idx="2">
+              <a:schemeClr val="accent1">
+                <a:shade val="50000"/>
+              </a:schemeClr>
+            </a:lnRef>
+            <a:fillRef idx="1">
+              <a:schemeClr val="accent1"/>
+            </a:fillRef>
+            <a:effectRef idx="0">
+              <a:schemeClr val="accent1"/>
+            </a:effectRef>
+            <a:fontRef idx="minor">
+              <a:schemeClr val="lt1"/>
+            </a:fontRef>
+          </p:style>
+          <p:txBody>
+            <a:bodyPr rtlCol="1" anchor="ctr"/>
+            <a:lstStyle/>
+            <a:p>
+              <a:pPr algn="ctr"/>
+              <a:endParaRPr lang="he-IL"/>
+            </a:p>
+          </p:txBody>
+        </p:sp>
+        <p:sp>
+          <p:nvSpPr>
+            <p:cNvPr id="5" name="TextBox 4"/>
+            <p:cNvSpPr txBox="1"/>
+            <p:nvPr/>
+          </p:nvSpPr>
+          <p:spPr>
+            <a:xfrm>
+              <a:off x="-71470" y="1500174"/>
+              <a:ext cx="2714644" cy="369332"/>
+            </a:xfrm>
+            <a:prstGeom prst="rect">
+              <a:avLst/>
+            </a:prstGeom>
+            <a:noFill/>
+          </p:spPr>
+          <p:txBody>
+            <a:bodyPr wrap="square" rtlCol="1">
+              <a:spAutoFit/>
+            </a:bodyPr>
+            <a:lstStyle/>
+            <a:p>
+              <a:pPr algn="ctr"/>
+              <a:r>
+                <a:rPr lang="he-IL" dirty="0" smtClean="0"/>
+                <a:t>תמונה</a:t>
+              </a:r>
+              <a:endParaRPr lang="he-IL" dirty="0"/>
+            </a:p>
+          </p:txBody>
+        </p:sp>
+      </p:grpSp>
+      <p:sp>
+        <p:nvSpPr>
+          <p:cNvPr id="6" name="TextBox 5"/>
+          <p:cNvSpPr txBox="1"/>
+          <p:nvPr/>
+        </p:nvSpPr>
+        <p:spPr>
+          <a:xfrm>
+            <a:off x="5715008" y="1928802"/>
+            <a:ext cx="3143272" cy="523220"/>
+          </a:xfrm>
+          <a:prstGeom prst="rect">
+            <a:avLst/>
+          </a:prstGeom>
+          <a:noFill/>
+        </p:spPr>
+        <p:txBody>
+          <a:bodyPr wrap="square" rtlCol="1">
+            <a:spAutoFit/>
+          </a:bodyPr>
+          <a:lstStyle/>
+          <a:p>
+            <a:pPr algn="ctr"/>
+            <a:r>
+              <a:rPr lang="he-IL" sz="2800" dirty="0" smtClean="0"/>
+              <a:t>שם הדייר</a:t>
+            </a:r>
+            <a:endParaRPr lang="he-IL" sz="2800" dirty="0"/>
+          </a:p>
+        </p:txBody>
+      </p:sp>
+      <p:sp>
+        <p:nvSpPr>
+          <p:cNvPr id="14" name="מלבן 13"/>
+          <p:cNvSpPr/>
+          <p:nvPr/>
+        </p:nvSpPr>
+        <p:spPr>
+          <a:xfrm>
+            <a:off x="2928926" y="2143116"/>
+            <a:ext cx="928694" cy="214314"/>
+          </a:xfrm>
+          <a:prstGeom prst="rect">
+            <a:avLst/>
+          </a:prstGeom>
+          <a:solidFill>
+            <a:srgbClr val="00B050"/>
+          </a:solidFill>
+          <a:ln>
+            <a:noFill/>
+          </a:ln>
+        </p:spPr>
+        <p:style>
+          <a:lnRef idx="2">
+            <a:schemeClr val="accent1">
+              <a:shade val="50000"/>
+            </a:schemeClr>
+          </a:lnRef>
+          <a:fillRef idx="1">
+            <a:schemeClr val="accent1"/>
+          </a:fillRef>
+          <a:effectRef idx="0">
+            <a:schemeClr val="accent1"/>
+          </a:effectRef>
+          <a:fontRef idx="minor">
+            <a:schemeClr val="lt1"/>
+          </a:fontRef>
+        </p:style>
+        <p:txBody>
+          <a:bodyPr rtlCol="1" anchor="ctr"/>
+          <a:lstStyle/>
+          <a:p>
+            <a:pPr algn="ctr"/>
+            <a:r>
+              <a:rPr lang="he-IL" dirty="0" smtClean="0"/>
+              <a:t>עריכה</a:t>
+            </a:r>
+            <a:endParaRPr lang="he-IL" dirty="0"/>
+          </a:p>
+        </p:txBody>
+      </p:sp>
       <p:sp>
         <p:nvSpPr>
           <p:cNvPr id="15" name="מלבן מעוגל 14"/>
@@ -5258,51 +7350,56 @@
           </a:p>
         </p:txBody>
       </p:sp>
-      <p:sp>
-        <p:nvSpPr>
-          <p:cNvPr id="18" name="TextBox 17"/>
-          <p:cNvSpPr txBox="1"/>
-          <p:nvPr/>
-        </p:nvSpPr>
-        <p:spPr>
-          <a:xfrm>
-            <a:off x="2857488" y="1000108"/>
-            <a:ext cx="4071966" cy="523220"/>
-          </a:xfrm>
-          <a:prstGeom prst="rect">
-            <a:avLst/>
-          </a:prstGeom>
-          <a:noFill/>
-        </p:spPr>
-        <p:txBody>
-          <a:bodyPr wrap="square" rtlCol="1">
-            <a:spAutoFit/>
-          </a:bodyPr>
-          <a:lstStyle/>
-          <a:p>
-            <a:pPr algn="ctr"/>
-            <a:r>
-              <a:rPr lang="he-IL" sz="2800" b="1" dirty="0" smtClean="0"/>
-              <a:t>רשימת הדיירים</a:t>
-            </a:r>
-            <a:endParaRPr lang="he-IL" sz="2800" b="1" dirty="0"/>
-          </a:p>
-        </p:txBody>
-      </p:sp>
-      <p:sp>
-        <p:nvSpPr>
-          <p:cNvPr id="19" name="מלבן מעוגל 18"/>
+      <p:cxnSp>
+        <p:nvCxnSpPr>
+          <p:cNvPr id="34" name="מחבר ישר 33"/>
+          <p:cNvCxnSpPr/>
+          <p:nvPr/>
+        </p:nvCxnSpPr>
+        <p:spPr>
+          <a:xfrm>
+            <a:off x="0" y="1785926"/>
+            <a:ext cx="9144000" cy="1588"/>
+          </a:xfrm>
+          <a:prstGeom prst="line">
+            <a:avLst/>
+          </a:prstGeom>
+        </p:spPr>
+        <p:style>
+          <a:lnRef idx="1">
+            <a:schemeClr val="accent1"/>
+          </a:lnRef>
+          <a:fillRef idx="0">
+            <a:schemeClr val="accent1"/>
+          </a:fillRef>
+          <a:effectRef idx="0">
+            <a:schemeClr val="accent1"/>
+          </a:effectRef>
+          <a:fontRef idx="minor">
+            <a:schemeClr val="tx1"/>
+          </a:fontRef>
+        </p:style>
+      </p:cxnSp>
+      <p:sp>
+        <p:nvSpPr>
+          <p:cNvPr id="35" name="מלבן מעוגל 34"/>
           <p:cNvSpPr/>
           <p:nvPr/>
         </p:nvSpPr>
         <p:spPr>
           <a:xfrm>
-            <a:off x="1500166" y="2357430"/>
-            <a:ext cx="1729407" cy="1071570"/>
+            <a:off x="1643042" y="928670"/>
+            <a:ext cx="1357322" cy="571504"/>
           </a:xfrm>
           <a:prstGeom prst="roundRect">
             <a:avLst/>
           </a:prstGeom>
+          <a:solidFill>
+            <a:srgbClr val="00B0F0"/>
+          </a:solidFill>
+          <a:ln>
+            <a:noFill/>
+          </a:ln>
         </p:spPr>
         <p:style>
           <a:lnRef idx="2">
@@ -5327,7 +7424,7 @@
             <a:pPr algn="ctr"/>
             <a:r>
               <a:rPr lang="he-IL" dirty="0" smtClean="0"/>
-              <a:t>נגה- 11</a:t>
+              <a:t>מה אני אוהב לעשות?</a:t>
             </a:r>
             <a:endParaRPr lang="he-IL" dirty="0"/>
           </a:p>
@@ -5335,18 +7432,24 @@
       </p:sp>
       <p:sp>
         <p:nvSpPr>
-          <p:cNvPr id="21" name="מלבן מעוגל 20"/>
+          <p:cNvPr id="36" name="מלבן מעוגל 35"/>
           <p:cNvSpPr/>
           <p:nvPr/>
         </p:nvSpPr>
         <p:spPr>
           <a:xfrm>
-            <a:off x="6858016" y="2357430"/>
-            <a:ext cx="1729407" cy="1071570"/>
+            <a:off x="3143240" y="928670"/>
+            <a:ext cx="1357322" cy="571504"/>
           </a:xfrm>
           <a:prstGeom prst="roundRect">
             <a:avLst/>
           </a:prstGeom>
+          <a:solidFill>
+            <a:srgbClr val="00B0F0"/>
+          </a:solidFill>
+          <a:ln>
+            <a:noFill/>
+          </a:ln>
         </p:spPr>
         <p:style>
           <a:lnRef idx="2">
@@ -5369,24 +7472,34 @@
           <a:lstStyle/>
           <a:p>
             <a:pPr algn="ctr"/>
-            <a:endParaRPr lang="he-IL"/>
-          </a:p>
-        </p:txBody>
-      </p:sp>
-      <p:sp>
-        <p:nvSpPr>
-          <p:cNvPr id="22" name="מלבן מעוגל 21"/>
+            <a:r>
+              <a:rPr lang="he-IL" dirty="0" smtClean="0"/>
+              <a:t>תל"א</a:t>
+            </a:r>
+            <a:endParaRPr lang="he-IL" dirty="0"/>
+          </a:p>
+        </p:txBody>
+      </p:sp>
+      <p:sp>
+        <p:nvSpPr>
+          <p:cNvPr id="38" name="מלבן מעוגל 37"/>
           <p:cNvSpPr/>
           <p:nvPr/>
         </p:nvSpPr>
         <p:spPr>
           <a:xfrm>
-            <a:off x="4143372" y="2357430"/>
-            <a:ext cx="1729407" cy="1071570"/>
+            <a:off x="6143636" y="928670"/>
+            <a:ext cx="1357322" cy="571504"/>
           </a:xfrm>
           <a:prstGeom prst="roundRect">
             <a:avLst/>
           </a:prstGeom>
+          <a:solidFill>
+            <a:srgbClr val="00B0F0"/>
+          </a:solidFill>
+          <a:ln w="38100">
+            <a:noFill/>
+          </a:ln>
         </p:spPr>
         <p:style>
           <a:lnRef idx="2">
@@ -5411,7 +7524,7 @@
             <a:pPr algn="ctr"/>
             <a:r>
               <a:rPr lang="he-IL" dirty="0" smtClean="0"/>
-              <a:t>זהר - 8</a:t>
+              <a:t>תפקוד</a:t>
             </a:r>
             <a:endParaRPr lang="he-IL" dirty="0"/>
           </a:p>
@@ -5419,18 +7532,26 @@
       </p:sp>
       <p:sp>
         <p:nvSpPr>
-          <p:cNvPr id="23" name="מלבן מעוגל 22"/>
+          <p:cNvPr id="48" name="מלבן מעוגל 47">
+            <a:hlinkClick r:id="" action="ppaction://hlinkshowjump?jump=nextslide"/>
+          </p:cNvPr>
           <p:cNvSpPr/>
           <p:nvPr/>
         </p:nvSpPr>
         <p:spPr>
           <a:xfrm>
-            <a:off x="1500166" y="4786322"/>
-            <a:ext cx="1729407" cy="1071570"/>
+            <a:off x="4643438" y="928670"/>
+            <a:ext cx="1357322" cy="571504"/>
           </a:xfrm>
           <a:prstGeom prst="roundRect">
             <a:avLst/>
           </a:prstGeom>
+          <a:solidFill>
+            <a:srgbClr val="00B0F0"/>
+          </a:solidFill>
+          <a:ln w="38100">
+            <a:noFill/>
+          </a:ln>
         </p:spPr>
         <p:style>
           <a:lnRef idx="2">
@@ -5453,24 +7574,42 @@
           <a:lstStyle/>
           <a:p>
             <a:pPr algn="ctr"/>
-            <a:endParaRPr lang="he-IL"/>
-          </a:p>
-        </p:txBody>
-      </p:sp>
-      <p:sp>
-        <p:nvSpPr>
-          <p:cNvPr id="24" name="מלבן מעוגל 23"/>
+            <a:r>
+              <a:rPr lang="he-IL" sz="1400" dirty="0" smtClean="0">
+                <a:solidFill>
+                  <a:schemeClr val="bg1"/>
+                </a:solidFill>
+              </a:rPr>
+              <a:t>כיצד להגן עליי </a:t>
+            </a:r>
+            <a:endParaRPr lang="he-IL" sz="1400" dirty="0">
+              <a:solidFill>
+                <a:schemeClr val="bg1"/>
+              </a:solidFill>
+            </a:endParaRPr>
+          </a:p>
+        </p:txBody>
+      </p:sp>
+      <p:sp>
+        <p:nvSpPr>
+          <p:cNvPr id="32" name="מלבן 31"/>
           <p:cNvSpPr/>
           <p:nvPr/>
         </p:nvSpPr>
         <p:spPr>
           <a:xfrm>
-            <a:off x="4199915" y="4786322"/>
-            <a:ext cx="1729407" cy="1071570"/>
-          </a:xfrm>
-          <a:prstGeom prst="roundRect">
-            <a:avLst/>
-          </a:prstGeom>
+            <a:off x="214282" y="3571876"/>
+            <a:ext cx="1357322" cy="214314"/>
+          </a:xfrm>
+          <a:prstGeom prst="rect">
+            <a:avLst/>
+          </a:prstGeom>
+          <a:solidFill>
+            <a:srgbClr val="00B050"/>
+          </a:solidFill>
+          <a:ln>
+            <a:noFill/>
+          </a:ln>
         </p:spPr>
         <p:style>
           <a:lnRef idx="2">
@@ -5493,24 +7632,124 @@
           <a:lstStyle/>
           <a:p>
             <a:pPr algn="ctr"/>
-            <a:endParaRPr lang="he-IL"/>
-          </a:p>
-        </p:txBody>
-      </p:sp>
-      <p:sp>
-        <p:nvSpPr>
-          <p:cNvPr id="28" name="מלבן מעוגל 27"/>
+            <a:r>
+              <a:rPr lang="he-IL" dirty="0" smtClean="0"/>
+              <a:t>עריכת תמונה</a:t>
+            </a:r>
+            <a:endParaRPr lang="he-IL" dirty="0"/>
+          </a:p>
+        </p:txBody>
+      </p:sp>
+      <p:sp>
+        <p:nvSpPr>
+          <p:cNvPr id="33" name="TextBox 32"/>
+          <p:cNvSpPr txBox="1"/>
+          <p:nvPr/>
+        </p:nvSpPr>
+        <p:spPr>
+          <a:xfrm>
+            <a:off x="9572660" y="500042"/>
+            <a:ext cx="2040943" cy="707886"/>
+          </a:xfrm>
+          <a:prstGeom prst="rect">
+            <a:avLst/>
+          </a:prstGeom>
+          <a:noFill/>
+        </p:spPr>
+        <p:txBody>
+          <a:bodyPr wrap="none" rtlCol="1">
+            <a:spAutoFit/>
+          </a:bodyPr>
+          <a:lstStyle/>
+          <a:p>
+            <a:r>
+              <a:rPr lang="he-IL" sz="4000" dirty="0" smtClean="0"/>
+              <a:t>בית ספר </a:t>
+            </a:r>
+            <a:endParaRPr lang="he-IL" sz="4000" dirty="0"/>
+          </a:p>
+        </p:txBody>
+      </p:sp>
+      <p:sp>
+        <p:nvSpPr>
+          <p:cNvPr id="37" name="TextBox 36"/>
+          <p:cNvSpPr txBox="1"/>
+          <p:nvPr/>
+        </p:nvSpPr>
+        <p:spPr>
+          <a:xfrm>
+            <a:off x="6072198" y="2928934"/>
+            <a:ext cx="2143140" cy="369332"/>
+          </a:xfrm>
+          <a:prstGeom prst="rect">
+            <a:avLst/>
+          </a:prstGeom>
+          <a:noFill/>
+        </p:spPr>
+        <p:txBody>
+          <a:bodyPr wrap="square" rtlCol="1">
+            <a:spAutoFit/>
+          </a:bodyPr>
+          <a:lstStyle/>
+          <a:p>
+            <a:r>
+              <a:rPr lang="he-IL" dirty="0" smtClean="0"/>
+              <a:t>תאריך לידה</a:t>
+            </a:r>
+            <a:endParaRPr lang="he-IL" dirty="0"/>
+          </a:p>
+        </p:txBody>
+      </p:sp>
+      <p:sp>
+        <p:nvSpPr>
+          <p:cNvPr id="39" name="TextBox 38"/>
+          <p:cNvSpPr txBox="1"/>
+          <p:nvPr/>
+        </p:nvSpPr>
+        <p:spPr>
+          <a:xfrm>
+            <a:off x="6072198" y="3786190"/>
+            <a:ext cx="2143140" cy="369332"/>
+          </a:xfrm>
+          <a:prstGeom prst="rect">
+            <a:avLst/>
+          </a:prstGeom>
+          <a:noFill/>
+        </p:spPr>
+        <p:txBody>
+          <a:bodyPr wrap="square" rtlCol="1">
+            <a:spAutoFit/>
+          </a:bodyPr>
+          <a:lstStyle/>
+          <a:p>
+            <a:r>
+              <a:rPr lang="he-IL" dirty="0" smtClean="0"/>
+              <a:t>כיתה </a:t>
+            </a:r>
+            <a:endParaRPr lang="he-IL" dirty="0"/>
+          </a:p>
+        </p:txBody>
+      </p:sp>
+      <p:sp>
+        <p:nvSpPr>
+          <p:cNvPr id="49" name="מלבן מעוגל 48"/>
           <p:cNvSpPr/>
           <p:nvPr/>
         </p:nvSpPr>
         <p:spPr>
           <a:xfrm>
-            <a:off x="6858016" y="4786322"/>
-            <a:ext cx="1729407" cy="1071570"/>
+            <a:off x="142844" y="915399"/>
+            <a:ext cx="1357322" cy="571504"/>
           </a:xfrm>
           <a:prstGeom prst="roundRect">
             <a:avLst/>
           </a:prstGeom>
+          <a:solidFill>
+            <a:srgbClr val="00B0F0"/>
+          </a:solidFill>
+          <a:ln>
+            <a:noFill/>
+          </a:ln>
         </p:spPr>
         <p:style>
           <a:lnRef idx="2">
@@ -5533,19 +7772,23 @@
           <a:lstStyle/>
           <a:p>
             <a:pPr algn="ctr"/>
-            <a:endParaRPr lang="he-IL"/>
-          </a:p>
-        </p:txBody>
-      </p:sp>
-      <p:sp>
-        <p:nvSpPr>
-          <p:cNvPr id="29" name="TextBox 28"/>
+            <a:r>
+              <a:rPr lang="he-IL" dirty="0" smtClean="0"/>
+              <a:t>יומן אישי</a:t>
+            </a:r>
+            <a:endParaRPr lang="he-IL" dirty="0"/>
+          </a:p>
+        </p:txBody>
+      </p:sp>
+      <p:sp>
+        <p:nvSpPr>
+          <p:cNvPr id="51" name="TextBox 50"/>
           <p:cNvSpPr txBox="1"/>
           <p:nvPr/>
         </p:nvSpPr>
         <p:spPr>
           <a:xfrm>
-            <a:off x="6572264" y="2702478"/>
+            <a:off x="6072198" y="3369704"/>
             <a:ext cx="2143140" cy="369332"/>
           </a:xfrm>
           <a:prstGeom prst="rect">
@@ -5559,20 +7802,95 @@
           </a:bodyPr>
           <a:lstStyle/>
           <a:p>
+            <a:r>
+              <a:rPr lang="he-IL" dirty="0" smtClean="0"/>
+              <a:t>תעודת זהות</a:t>
+            </a:r>
+            <a:endParaRPr lang="he-IL" dirty="0"/>
+          </a:p>
+        </p:txBody>
+      </p:sp>
+      <p:sp>
+        <p:nvSpPr>
+          <p:cNvPr id="53" name="מלבן מעוגל 52"/>
+          <p:cNvSpPr/>
+          <p:nvPr/>
+        </p:nvSpPr>
+        <p:spPr>
+          <a:xfrm>
+            <a:off x="7643834" y="928670"/>
+            <a:ext cx="1357322" cy="571504"/>
+          </a:xfrm>
+          <a:prstGeom prst="roundRect">
+            <a:avLst/>
+          </a:prstGeom>
+          <a:solidFill>
+            <a:srgbClr val="00B0F0"/>
+          </a:solidFill>
+          <a:ln>
+            <a:solidFill>
+              <a:schemeClr val="accent1">
+                <a:lumMod val="50000"/>
+              </a:schemeClr>
+            </a:solidFill>
+          </a:ln>
+        </p:spPr>
+        <p:style>
+          <a:lnRef idx="2">
+            <a:schemeClr val="accent1">
+              <a:shade val="50000"/>
+            </a:schemeClr>
+          </a:lnRef>
+          <a:fillRef idx="1">
+            <a:schemeClr val="accent1"/>
+          </a:fillRef>
+          <a:effectRef idx="0">
+            <a:schemeClr val="accent1"/>
+          </a:effectRef>
+          <a:fontRef idx="minor">
+            <a:schemeClr val="lt1"/>
+          </a:fontRef>
+        </p:style>
+        <p:txBody>
+          <a:bodyPr rtlCol="1" anchor="ctr"/>
+          <a:lstStyle/>
+          <a:p>
             <a:pPr algn="ctr"/>
             <a:r>
-              <a:rPr lang="he-IL" dirty="0" smtClean="0">
-                <a:solidFill>
-                  <a:schemeClr val="bg1"/>
-                </a:solidFill>
-              </a:rPr>
-              <a:t>קשת - 9</a:t>
-            </a:r>
-            <a:endParaRPr lang="he-IL" dirty="0">
-              <a:solidFill>
-                <a:schemeClr val="bg1"/>
-              </a:solidFill>
-            </a:endParaRPr>
+              <a:rPr lang="he-IL" dirty="0" smtClean="0"/>
+              <a:t>פרטים אישיים</a:t>
+            </a:r>
+            <a:endParaRPr lang="he-IL" dirty="0"/>
+          </a:p>
+        </p:txBody>
+      </p:sp>
+      <p:sp>
+        <p:nvSpPr>
+          <p:cNvPr id="42" name="TextBox 41"/>
+          <p:cNvSpPr txBox="1"/>
+          <p:nvPr/>
+        </p:nvSpPr>
+        <p:spPr>
+          <a:xfrm>
+            <a:off x="6072198" y="4286256"/>
+            <a:ext cx="2143140" cy="369332"/>
+          </a:xfrm>
+          <a:prstGeom prst="rect">
+            <a:avLst/>
+          </a:prstGeom>
+          <a:noFill/>
+        </p:spPr>
+        <p:txBody>
+          <a:bodyPr wrap="square" rtlCol="1">
+            <a:spAutoFit/>
+          </a:bodyPr>
+          <a:lstStyle/>
+          <a:p>
+            <a:r>
+              <a:rPr lang="he-IL" dirty="0" smtClean="0"/>
+              <a:t>שם מחנכת</a:t>
+            </a:r>
+            <a:endParaRPr lang="he-IL" dirty="0"/>
           </a:p>
         </p:txBody>
       </p:sp>
@@ -5591,7 +7909,7 @@
 </p:sld>
 </file>
 
-<file path=ppt/slides/slide5.xml><?xml version="1.0" encoding="utf-8"?>
+<file path=ppt/slides/slide2.xml><?xml version="1.0" encoding="utf-8"?>
 <p:sld xmlns:a="http://schemas.openxmlformats.org/drawingml/2006/main" xmlns:r="http://schemas.openxmlformats.org/officeDocument/2006/relationships" xmlns:p="http://schemas.openxmlformats.org/presentationml/2006/main">
   <p:cSld>
     <p:spTree>
@@ -5651,7 +7969,7 @@
       </p:sp>
       <p:grpSp>
         <p:nvGrpSpPr>
-          <p:cNvPr id="2" name="קבוצה 17"/>
+          <p:cNvPr id="18" name="קבוצה 17"/>
           <p:cNvGrpSpPr/>
           <p:nvPr/>
         </p:nvGrpSpPr>
@@ -5891,6 +8209,2327 @@
       </p:sp>
       <p:sp>
         <p:nvSpPr>
+          <p:cNvPr id="19" name="מלבן מעוגל 18"/>
+          <p:cNvSpPr/>
+          <p:nvPr/>
+        </p:nvSpPr>
+        <p:spPr>
+          <a:xfrm>
+            <a:off x="5500694" y="2500306"/>
+            <a:ext cx="2500330" cy="1428760"/>
+          </a:xfrm>
+          <a:prstGeom prst="roundRect">
+            <a:avLst/>
+          </a:prstGeom>
+          <a:gradFill flip="none" rotWithShape="1">
+            <a:gsLst>
+              <a:gs pos="0">
+                <a:schemeClr val="accent1">
+                  <a:tint val="66000"/>
+                  <a:satMod val="160000"/>
+                </a:schemeClr>
+              </a:gs>
+              <a:gs pos="50000">
+                <a:schemeClr val="accent1">
+                  <a:tint val="44500"/>
+                  <a:satMod val="160000"/>
+                </a:schemeClr>
+              </a:gs>
+              <a:gs pos="100000">
+                <a:schemeClr val="accent1">
+                  <a:tint val="23500"/>
+                  <a:satMod val="160000"/>
+                </a:schemeClr>
+              </a:gs>
+            </a:gsLst>
+            <a:lin ang="2700000" scaled="1"/>
+            <a:tileRect/>
+          </a:gradFill>
+        </p:spPr>
+        <p:style>
+          <a:lnRef idx="2">
+            <a:schemeClr val="accent1">
+              <a:shade val="50000"/>
+            </a:schemeClr>
+          </a:lnRef>
+          <a:fillRef idx="1">
+            <a:schemeClr val="accent1"/>
+          </a:fillRef>
+          <a:effectRef idx="0">
+            <a:schemeClr val="accent1"/>
+          </a:effectRef>
+          <a:fontRef idx="minor">
+            <a:schemeClr val="lt1"/>
+          </a:fontRef>
+        </p:style>
+        <p:txBody>
+          <a:bodyPr rtlCol="1" anchor="ctr"/>
+          <a:lstStyle/>
+          <a:p>
+            <a:pPr algn="ctr"/>
+            <a:endParaRPr lang="he-IL"/>
+          </a:p>
+        </p:txBody>
+      </p:sp>
+      <p:sp>
+        <p:nvSpPr>
+          <p:cNvPr id="21" name="מלבן מעוגל 20"/>
+          <p:cNvSpPr/>
+          <p:nvPr/>
+        </p:nvSpPr>
+        <p:spPr>
+          <a:xfrm>
+            <a:off x="2071670" y="2571744"/>
+            <a:ext cx="2500330" cy="1428760"/>
+          </a:xfrm>
+          <a:prstGeom prst="roundRect">
+            <a:avLst/>
+          </a:prstGeom>
+          <a:gradFill flip="none" rotWithShape="1">
+            <a:gsLst>
+              <a:gs pos="0">
+                <a:schemeClr val="accent1">
+                  <a:tint val="66000"/>
+                  <a:satMod val="160000"/>
+                </a:schemeClr>
+              </a:gs>
+              <a:gs pos="50000">
+                <a:schemeClr val="accent1">
+                  <a:tint val="44500"/>
+                  <a:satMod val="160000"/>
+                </a:schemeClr>
+              </a:gs>
+              <a:gs pos="100000">
+                <a:schemeClr val="accent1">
+                  <a:tint val="23500"/>
+                  <a:satMod val="160000"/>
+                </a:schemeClr>
+              </a:gs>
+            </a:gsLst>
+            <a:lin ang="2700000" scaled="1"/>
+            <a:tileRect/>
+          </a:gradFill>
+        </p:spPr>
+        <p:style>
+          <a:lnRef idx="2">
+            <a:schemeClr val="accent1">
+              <a:shade val="50000"/>
+            </a:schemeClr>
+          </a:lnRef>
+          <a:fillRef idx="1">
+            <a:schemeClr val="accent1"/>
+          </a:fillRef>
+          <a:effectRef idx="0">
+            <a:schemeClr val="accent1"/>
+          </a:effectRef>
+          <a:fontRef idx="minor">
+            <a:schemeClr val="lt1"/>
+          </a:fontRef>
+        </p:style>
+        <p:txBody>
+          <a:bodyPr rtlCol="1" anchor="ctr"/>
+          <a:lstStyle/>
+          <a:p>
+            <a:pPr algn="ctr"/>
+            <a:endParaRPr lang="he-IL"/>
+          </a:p>
+        </p:txBody>
+      </p:sp>
+      <p:sp>
+        <p:nvSpPr>
+          <p:cNvPr id="22" name="TextBox 21"/>
+          <p:cNvSpPr txBox="1"/>
+          <p:nvPr/>
+        </p:nvSpPr>
+        <p:spPr>
+          <a:xfrm>
+            <a:off x="5929322" y="2857496"/>
+            <a:ext cx="1571636" cy="646331"/>
+          </a:xfrm>
+          <a:prstGeom prst="rect">
+            <a:avLst/>
+          </a:prstGeom>
+          <a:noFill/>
+        </p:spPr>
+        <p:txBody>
+          <a:bodyPr wrap="square" rtlCol="1">
+            <a:spAutoFit/>
+          </a:bodyPr>
+          <a:lstStyle/>
+          <a:p>
+            <a:pPr algn="ctr"/>
+            <a:r>
+              <a:rPr lang="he-IL" dirty="0" smtClean="0"/>
+              <a:t>הוספת דייר חדש</a:t>
+            </a:r>
+            <a:endParaRPr lang="he-IL" dirty="0"/>
+          </a:p>
+        </p:txBody>
+      </p:sp>
+      <p:sp>
+        <p:nvSpPr>
+          <p:cNvPr id="23" name="TextBox 22">
+            <a:hlinkClick r:id="" action="ppaction://hlinkshowjump?jump=nextslide"/>
+          </p:cNvPr>
+          <p:cNvSpPr txBox="1"/>
+          <p:nvPr/>
+        </p:nvSpPr>
+        <p:spPr>
+          <a:xfrm>
+            <a:off x="2571736" y="2925545"/>
+            <a:ext cx="1571636" cy="646331"/>
+          </a:xfrm>
+          <a:prstGeom prst="rect">
+            <a:avLst/>
+          </a:prstGeom>
+          <a:noFill/>
+        </p:spPr>
+        <p:txBody>
+          <a:bodyPr wrap="square" rtlCol="1">
+            <a:spAutoFit/>
+          </a:bodyPr>
+          <a:lstStyle/>
+          <a:p>
+            <a:pPr algn="ctr"/>
+            <a:r>
+              <a:rPr lang="he-IL" dirty="0" smtClean="0"/>
+              <a:t>צפייה ברשימת הדיירים</a:t>
+            </a:r>
+            <a:endParaRPr lang="he-IL" dirty="0"/>
+          </a:p>
+        </p:txBody>
+      </p:sp>
+    </p:spTree>
+  </p:cSld>
+  <p:clrMapOvr>
+    <a:masterClrMapping/>
+  </p:clrMapOvr>
+  <p:timing>
+    <p:tnLst>
+      <p:par>
+        <p:cTn id="1" dur="indefinite" restart="never" nodeType="tmRoot"/>
+      </p:par>
+    </p:tnLst>
+  </p:timing>
+</p:sld>
+</file>
+
+<file path=ppt/slides/slide3.xml><?xml version="1.0" encoding="utf-8"?>
+<p:sld xmlns:a="http://schemas.openxmlformats.org/drawingml/2006/main" xmlns:r="http://schemas.openxmlformats.org/officeDocument/2006/relationships" xmlns:p="http://schemas.openxmlformats.org/presentationml/2006/main">
+  <p:cSld>
+    <p:spTree>
+      <p:nvGrpSpPr>
+        <p:cNvPr id="1" name=""/>
+        <p:cNvGrpSpPr/>
+        <p:nvPr/>
+      </p:nvGrpSpPr>
+      <p:grpSpPr>
+        <a:xfrm>
+          <a:off x="0" y="0"/>
+          <a:ext cx="0" cy="0"/>
+          <a:chOff x="0" y="0"/>
+          <a:chExt cx="0" cy="0"/>
+        </a:xfrm>
+      </p:grpSpPr>
+      <p:sp>
+        <p:nvSpPr>
+          <p:cNvPr id="15" name="מלבן מעוגל 14"/>
+          <p:cNvSpPr/>
+          <p:nvPr/>
+        </p:nvSpPr>
+        <p:spPr>
+          <a:xfrm>
+            <a:off x="0" y="0"/>
+            <a:ext cx="9144000" cy="857232"/>
+          </a:xfrm>
+          <a:prstGeom prst="roundRect">
+            <a:avLst/>
+          </a:prstGeom>
+          <a:noFill/>
+        </p:spPr>
+        <p:style>
+          <a:lnRef idx="2">
+            <a:schemeClr val="accent1">
+              <a:shade val="50000"/>
+            </a:schemeClr>
+          </a:lnRef>
+          <a:fillRef idx="1">
+            <a:schemeClr val="accent1"/>
+          </a:fillRef>
+          <a:effectRef idx="0">
+            <a:schemeClr val="accent1"/>
+          </a:effectRef>
+          <a:fontRef idx="minor">
+            <a:schemeClr val="lt1"/>
+          </a:fontRef>
+        </p:style>
+        <p:txBody>
+          <a:bodyPr rtlCol="1" anchor="ctr"/>
+          <a:lstStyle/>
+          <a:p>
+            <a:pPr algn="ctr"/>
+            <a:endParaRPr lang="he-IL"/>
+          </a:p>
+        </p:txBody>
+      </p:sp>
+      <p:grpSp>
+        <p:nvGrpSpPr>
+          <p:cNvPr id="2" name="קבוצה 17"/>
+          <p:cNvGrpSpPr/>
+          <p:nvPr/>
+        </p:nvGrpSpPr>
+        <p:grpSpPr>
+          <a:xfrm>
+            <a:off x="1357290" y="35785"/>
+            <a:ext cx="500034" cy="750009"/>
+            <a:chOff x="5429256" y="3643314"/>
+            <a:chExt cx="928694" cy="1428760"/>
+          </a:xfrm>
+        </p:grpSpPr>
+        <p:sp>
+          <p:nvSpPr>
+            <p:cNvPr id="16" name="מלבן 15"/>
+            <p:cNvSpPr/>
+            <p:nvPr/>
+          </p:nvSpPr>
+          <p:spPr>
+            <a:xfrm>
+              <a:off x="5429256" y="4357694"/>
+              <a:ext cx="928694" cy="714380"/>
+            </a:xfrm>
+            <a:prstGeom prst="rect">
+              <a:avLst/>
+            </a:prstGeom>
+            <a:noFill/>
+            <a:ln w="38100"/>
+          </p:spPr>
+          <p:style>
+            <a:lnRef idx="2">
+              <a:schemeClr val="accent1">
+                <a:shade val="50000"/>
+              </a:schemeClr>
+            </a:lnRef>
+            <a:fillRef idx="1">
+              <a:schemeClr val="accent1"/>
+            </a:fillRef>
+            <a:effectRef idx="0">
+              <a:schemeClr val="accent1"/>
+            </a:effectRef>
+            <a:fontRef idx="minor">
+              <a:schemeClr val="lt1"/>
+            </a:fontRef>
+          </p:style>
+          <p:txBody>
+            <a:bodyPr rtlCol="1" anchor="ctr"/>
+            <a:lstStyle/>
+            <a:p>
+              <a:pPr algn="ctr"/>
+              <a:endParaRPr lang="he-IL"/>
+            </a:p>
+          </p:txBody>
+        </p:sp>
+        <p:sp>
+          <p:nvSpPr>
+            <p:cNvPr id="17" name="משולש שווה שוקיים 16"/>
+            <p:cNvSpPr/>
+            <p:nvPr/>
+          </p:nvSpPr>
+          <p:spPr>
+            <a:xfrm>
+              <a:off x="5429256" y="3643314"/>
+              <a:ext cx="928694" cy="714380"/>
+            </a:xfrm>
+            <a:prstGeom prst="triangle">
+              <a:avLst/>
+            </a:prstGeom>
+            <a:noFill/>
+            <a:ln w="38100"/>
+          </p:spPr>
+          <p:style>
+            <a:lnRef idx="2">
+              <a:schemeClr val="accent1">
+                <a:shade val="50000"/>
+              </a:schemeClr>
+            </a:lnRef>
+            <a:fillRef idx="1">
+              <a:schemeClr val="accent1"/>
+            </a:fillRef>
+            <a:effectRef idx="0">
+              <a:schemeClr val="accent1"/>
+            </a:effectRef>
+            <a:fontRef idx="minor">
+              <a:schemeClr val="lt1"/>
+            </a:fontRef>
+          </p:style>
+          <p:txBody>
+            <a:bodyPr rtlCol="1" anchor="ctr"/>
+            <a:lstStyle/>
+            <a:p>
+              <a:pPr algn="ctr"/>
+              <a:endParaRPr lang="he-IL"/>
+            </a:p>
+          </p:txBody>
+        </p:sp>
+      </p:grpSp>
+      <p:cxnSp>
+        <p:nvCxnSpPr>
+          <p:cNvPr id="20" name="מחבר ישר 19"/>
+          <p:cNvCxnSpPr/>
+          <p:nvPr/>
+        </p:nvCxnSpPr>
+        <p:spPr>
+          <a:xfrm rot="5400000">
+            <a:off x="786592" y="427822"/>
+            <a:ext cx="857232" cy="1588"/>
+          </a:xfrm>
+          <a:prstGeom prst="line">
+            <a:avLst/>
+          </a:prstGeom>
+          <a:ln w="57150"/>
+        </p:spPr>
+        <p:style>
+          <a:lnRef idx="1">
+            <a:schemeClr val="accent1"/>
+          </a:lnRef>
+          <a:fillRef idx="0">
+            <a:schemeClr val="accent1"/>
+          </a:fillRef>
+          <a:effectRef idx="0">
+            <a:schemeClr val="accent1"/>
+          </a:effectRef>
+          <a:fontRef idx="minor">
+            <a:schemeClr val="tx1"/>
+          </a:fontRef>
+        </p:style>
+      </p:cxnSp>
+      <p:sp>
+        <p:nvSpPr>
+          <p:cNvPr id="25" name="מלבן מעוגל 24"/>
+          <p:cNvSpPr/>
+          <p:nvPr/>
+        </p:nvSpPr>
+        <p:spPr>
+          <a:xfrm>
+            <a:off x="7572396" y="214290"/>
+            <a:ext cx="1357322" cy="500066"/>
+          </a:xfrm>
+          <a:prstGeom prst="roundRect">
+            <a:avLst/>
+          </a:prstGeom>
+        </p:spPr>
+        <p:style>
+          <a:lnRef idx="2">
+            <a:schemeClr val="accent1">
+              <a:shade val="50000"/>
+            </a:schemeClr>
+          </a:lnRef>
+          <a:fillRef idx="1">
+            <a:schemeClr val="accent1"/>
+          </a:fillRef>
+          <a:effectRef idx="0">
+            <a:schemeClr val="accent1"/>
+          </a:effectRef>
+          <a:fontRef idx="minor">
+            <a:schemeClr val="lt1"/>
+          </a:fontRef>
+        </p:style>
+        <p:txBody>
+          <a:bodyPr rtlCol="1" anchor="ctr"/>
+          <a:lstStyle/>
+          <a:p>
+            <a:pPr algn="ctr"/>
+            <a:endParaRPr lang="he-IL"/>
+          </a:p>
+        </p:txBody>
+      </p:sp>
+      <p:sp>
+        <p:nvSpPr>
+          <p:cNvPr id="26" name="פיצוץ 2 25"/>
+          <p:cNvSpPr/>
+          <p:nvPr/>
+        </p:nvSpPr>
+        <p:spPr>
+          <a:xfrm>
+            <a:off x="71406" y="-24"/>
+            <a:ext cx="1071570" cy="785794"/>
+          </a:xfrm>
+          <a:prstGeom prst="irregularSeal2">
+            <a:avLst/>
+          </a:prstGeom>
+        </p:spPr>
+        <p:style>
+          <a:lnRef idx="2">
+            <a:schemeClr val="accent1">
+              <a:shade val="50000"/>
+            </a:schemeClr>
+          </a:lnRef>
+          <a:fillRef idx="1">
+            <a:schemeClr val="accent1"/>
+          </a:fillRef>
+          <a:effectRef idx="0">
+            <a:schemeClr val="accent1"/>
+          </a:effectRef>
+          <a:fontRef idx="minor">
+            <a:schemeClr val="lt1"/>
+          </a:fontRef>
+        </p:style>
+        <p:txBody>
+          <a:bodyPr rtlCol="1" anchor="ctr"/>
+          <a:lstStyle/>
+          <a:p>
+            <a:pPr algn="ctr"/>
+            <a:endParaRPr lang="he-IL"/>
+          </a:p>
+        </p:txBody>
+      </p:sp>
+      <p:sp>
+        <p:nvSpPr>
+          <p:cNvPr id="27" name="TextBox 26"/>
+          <p:cNvSpPr txBox="1"/>
+          <p:nvPr/>
+        </p:nvSpPr>
+        <p:spPr>
+          <a:xfrm>
+            <a:off x="7643834" y="285728"/>
+            <a:ext cx="1214446" cy="369332"/>
+          </a:xfrm>
+          <a:prstGeom prst="rect">
+            <a:avLst/>
+          </a:prstGeom>
+          <a:noFill/>
+        </p:spPr>
+        <p:txBody>
+          <a:bodyPr wrap="square" rtlCol="1">
+            <a:spAutoFit/>
+          </a:bodyPr>
+          <a:lstStyle/>
+          <a:p>
+            <a:r>
+              <a:rPr lang="he-IL" dirty="0" smtClean="0"/>
+              <a:t>חיפוש דייר</a:t>
+            </a:r>
+            <a:endParaRPr lang="he-IL" dirty="0"/>
+          </a:p>
+        </p:txBody>
+      </p:sp>
+      <p:sp>
+        <p:nvSpPr>
+          <p:cNvPr id="19" name="מלבן מעוגל 18"/>
+          <p:cNvSpPr/>
+          <p:nvPr/>
+        </p:nvSpPr>
+        <p:spPr>
+          <a:xfrm>
+            <a:off x="5500694" y="2500306"/>
+            <a:ext cx="2500330" cy="1428760"/>
+          </a:xfrm>
+          <a:prstGeom prst="roundRect">
+            <a:avLst/>
+          </a:prstGeom>
+          <a:gradFill flip="none" rotWithShape="1">
+            <a:gsLst>
+              <a:gs pos="0">
+                <a:schemeClr val="accent1">
+                  <a:tint val="66000"/>
+                  <a:satMod val="160000"/>
+                </a:schemeClr>
+              </a:gs>
+              <a:gs pos="50000">
+                <a:schemeClr val="accent1">
+                  <a:tint val="44500"/>
+                  <a:satMod val="160000"/>
+                </a:schemeClr>
+              </a:gs>
+              <a:gs pos="100000">
+                <a:schemeClr val="accent1">
+                  <a:tint val="23500"/>
+                  <a:satMod val="160000"/>
+                </a:schemeClr>
+              </a:gs>
+            </a:gsLst>
+            <a:lin ang="2700000" scaled="1"/>
+            <a:tileRect/>
+          </a:gradFill>
+        </p:spPr>
+        <p:style>
+          <a:lnRef idx="2">
+            <a:schemeClr val="accent1">
+              <a:shade val="50000"/>
+            </a:schemeClr>
+          </a:lnRef>
+          <a:fillRef idx="1">
+            <a:schemeClr val="accent1"/>
+          </a:fillRef>
+          <a:effectRef idx="0">
+            <a:schemeClr val="accent1"/>
+          </a:effectRef>
+          <a:fontRef idx="minor">
+            <a:schemeClr val="lt1"/>
+          </a:fontRef>
+        </p:style>
+        <p:txBody>
+          <a:bodyPr rtlCol="1" anchor="ctr"/>
+          <a:lstStyle/>
+          <a:p>
+            <a:pPr algn="ctr"/>
+            <a:endParaRPr lang="he-IL"/>
+          </a:p>
+        </p:txBody>
+      </p:sp>
+      <p:sp>
+        <p:nvSpPr>
+          <p:cNvPr id="21" name="מלבן מעוגל 20"/>
+          <p:cNvSpPr/>
+          <p:nvPr/>
+        </p:nvSpPr>
+        <p:spPr>
+          <a:xfrm>
+            <a:off x="2071670" y="2571744"/>
+            <a:ext cx="2500330" cy="1428760"/>
+          </a:xfrm>
+          <a:prstGeom prst="roundRect">
+            <a:avLst/>
+          </a:prstGeom>
+          <a:gradFill flip="none" rotWithShape="1">
+            <a:gsLst>
+              <a:gs pos="0">
+                <a:schemeClr val="accent1">
+                  <a:tint val="66000"/>
+                  <a:satMod val="160000"/>
+                </a:schemeClr>
+              </a:gs>
+              <a:gs pos="50000">
+                <a:schemeClr val="accent1">
+                  <a:tint val="44500"/>
+                  <a:satMod val="160000"/>
+                </a:schemeClr>
+              </a:gs>
+              <a:gs pos="100000">
+                <a:schemeClr val="accent1">
+                  <a:tint val="23500"/>
+                  <a:satMod val="160000"/>
+                </a:schemeClr>
+              </a:gs>
+            </a:gsLst>
+            <a:lin ang="2700000" scaled="1"/>
+            <a:tileRect/>
+          </a:gradFill>
+        </p:spPr>
+        <p:style>
+          <a:lnRef idx="2">
+            <a:schemeClr val="accent1">
+              <a:shade val="50000"/>
+            </a:schemeClr>
+          </a:lnRef>
+          <a:fillRef idx="1">
+            <a:schemeClr val="accent1"/>
+          </a:fillRef>
+          <a:effectRef idx="0">
+            <a:schemeClr val="accent1"/>
+          </a:effectRef>
+          <a:fontRef idx="minor">
+            <a:schemeClr val="lt1"/>
+          </a:fontRef>
+        </p:style>
+        <p:txBody>
+          <a:bodyPr rtlCol="1" anchor="ctr"/>
+          <a:lstStyle/>
+          <a:p>
+            <a:pPr algn="ctr"/>
+            <a:endParaRPr lang="he-IL"/>
+          </a:p>
+        </p:txBody>
+      </p:sp>
+      <p:sp>
+        <p:nvSpPr>
+          <p:cNvPr id="22" name="TextBox 21"/>
+          <p:cNvSpPr txBox="1"/>
+          <p:nvPr/>
+        </p:nvSpPr>
+        <p:spPr>
+          <a:xfrm>
+            <a:off x="5929322" y="2857496"/>
+            <a:ext cx="1571636" cy="369332"/>
+          </a:xfrm>
+          <a:prstGeom prst="rect">
+            <a:avLst/>
+          </a:prstGeom>
+          <a:noFill/>
+        </p:spPr>
+        <p:txBody>
+          <a:bodyPr wrap="square" rtlCol="1">
+            <a:spAutoFit/>
+          </a:bodyPr>
+          <a:lstStyle/>
+          <a:p>
+            <a:pPr algn="ctr"/>
+            <a:r>
+              <a:rPr lang="he-IL" dirty="0" smtClean="0"/>
+              <a:t>מעון</a:t>
+            </a:r>
+            <a:endParaRPr lang="he-IL" dirty="0"/>
+          </a:p>
+        </p:txBody>
+      </p:sp>
+      <p:sp>
+        <p:nvSpPr>
+          <p:cNvPr id="23" name="TextBox 22">
+            <a:hlinkClick r:id="" action="ppaction://hlinkshowjump?jump=nextslide"/>
+          </p:cNvPr>
+          <p:cNvSpPr txBox="1"/>
+          <p:nvPr/>
+        </p:nvSpPr>
+        <p:spPr>
+          <a:xfrm>
+            <a:off x="2571736" y="2925545"/>
+            <a:ext cx="1571636" cy="369332"/>
+          </a:xfrm>
+          <a:prstGeom prst="rect">
+            <a:avLst/>
+          </a:prstGeom>
+          <a:noFill/>
+        </p:spPr>
+        <p:txBody>
+          <a:bodyPr wrap="square" rtlCol="1">
+            <a:spAutoFit/>
+          </a:bodyPr>
+          <a:lstStyle/>
+          <a:p>
+            <a:pPr algn="ctr"/>
+            <a:r>
+              <a:rPr lang="he-IL" dirty="0" smtClean="0"/>
+              <a:t>בית ספר</a:t>
+            </a:r>
+            <a:endParaRPr lang="he-IL" dirty="0"/>
+          </a:p>
+        </p:txBody>
+      </p:sp>
+    </p:spTree>
+  </p:cSld>
+  <p:clrMapOvr>
+    <a:masterClrMapping/>
+  </p:clrMapOvr>
+  <p:timing>
+    <p:tnLst>
+      <p:par>
+        <p:cTn id="1" dur="indefinite" restart="never" nodeType="tmRoot"/>
+      </p:par>
+    </p:tnLst>
+  </p:timing>
+</p:sld>
+</file>
+
+<file path=ppt/slides/slide4.xml><?xml version="1.0" encoding="utf-8"?>
+<p:sld xmlns:a="http://schemas.openxmlformats.org/drawingml/2006/main" xmlns:r="http://schemas.openxmlformats.org/officeDocument/2006/relationships" xmlns:p="http://schemas.openxmlformats.org/presentationml/2006/main">
+  <p:cSld>
+    <p:spTree>
+      <p:nvGrpSpPr>
+        <p:cNvPr id="1" name=""/>
+        <p:cNvGrpSpPr/>
+        <p:nvPr/>
+      </p:nvGrpSpPr>
+      <p:grpSpPr>
+        <a:xfrm>
+          <a:off x="0" y="0"/>
+          <a:ext cx="0" cy="0"/>
+          <a:chOff x="0" y="0"/>
+          <a:chExt cx="0" cy="0"/>
+        </a:xfrm>
+      </p:grpSpPr>
+      <p:sp>
+        <p:nvSpPr>
+          <p:cNvPr id="15" name="מלבן מעוגל 14"/>
+          <p:cNvSpPr/>
+          <p:nvPr/>
+        </p:nvSpPr>
+        <p:spPr>
+          <a:xfrm>
+            <a:off x="0" y="0"/>
+            <a:ext cx="9144000" cy="857232"/>
+          </a:xfrm>
+          <a:prstGeom prst="roundRect">
+            <a:avLst/>
+          </a:prstGeom>
+          <a:noFill/>
+        </p:spPr>
+        <p:style>
+          <a:lnRef idx="2">
+            <a:schemeClr val="accent1">
+              <a:shade val="50000"/>
+            </a:schemeClr>
+          </a:lnRef>
+          <a:fillRef idx="1">
+            <a:schemeClr val="accent1"/>
+          </a:fillRef>
+          <a:effectRef idx="0">
+            <a:schemeClr val="accent1"/>
+          </a:effectRef>
+          <a:fontRef idx="minor">
+            <a:schemeClr val="lt1"/>
+          </a:fontRef>
+        </p:style>
+        <p:txBody>
+          <a:bodyPr rtlCol="1" anchor="ctr"/>
+          <a:lstStyle/>
+          <a:p>
+            <a:pPr algn="ctr"/>
+            <a:endParaRPr lang="he-IL"/>
+          </a:p>
+        </p:txBody>
+      </p:sp>
+      <p:grpSp>
+        <p:nvGrpSpPr>
+          <p:cNvPr id="2" name="קבוצה 17"/>
+          <p:cNvGrpSpPr/>
+          <p:nvPr/>
+        </p:nvGrpSpPr>
+        <p:grpSpPr>
+          <a:xfrm>
+            <a:off x="1357290" y="35785"/>
+            <a:ext cx="500034" cy="750009"/>
+            <a:chOff x="5429256" y="3643314"/>
+            <a:chExt cx="928694" cy="1428760"/>
+          </a:xfrm>
+        </p:grpSpPr>
+        <p:sp>
+          <p:nvSpPr>
+            <p:cNvPr id="16" name="מלבן 15"/>
+            <p:cNvSpPr/>
+            <p:nvPr/>
+          </p:nvSpPr>
+          <p:spPr>
+            <a:xfrm>
+              <a:off x="5429256" y="4357694"/>
+              <a:ext cx="928694" cy="714380"/>
+            </a:xfrm>
+            <a:prstGeom prst="rect">
+              <a:avLst/>
+            </a:prstGeom>
+            <a:noFill/>
+            <a:ln w="38100"/>
+          </p:spPr>
+          <p:style>
+            <a:lnRef idx="2">
+              <a:schemeClr val="accent1">
+                <a:shade val="50000"/>
+              </a:schemeClr>
+            </a:lnRef>
+            <a:fillRef idx="1">
+              <a:schemeClr val="accent1"/>
+            </a:fillRef>
+            <a:effectRef idx="0">
+              <a:schemeClr val="accent1"/>
+            </a:effectRef>
+            <a:fontRef idx="minor">
+              <a:schemeClr val="lt1"/>
+            </a:fontRef>
+          </p:style>
+          <p:txBody>
+            <a:bodyPr rtlCol="1" anchor="ctr"/>
+            <a:lstStyle/>
+            <a:p>
+              <a:pPr algn="ctr"/>
+              <a:endParaRPr lang="he-IL"/>
+            </a:p>
+          </p:txBody>
+        </p:sp>
+        <p:sp>
+          <p:nvSpPr>
+            <p:cNvPr id="17" name="משולש שווה שוקיים 16"/>
+            <p:cNvSpPr/>
+            <p:nvPr/>
+          </p:nvSpPr>
+          <p:spPr>
+            <a:xfrm>
+              <a:off x="5429256" y="3643314"/>
+              <a:ext cx="928694" cy="714380"/>
+            </a:xfrm>
+            <a:prstGeom prst="triangle">
+              <a:avLst/>
+            </a:prstGeom>
+            <a:noFill/>
+            <a:ln w="38100"/>
+          </p:spPr>
+          <p:style>
+            <a:lnRef idx="2">
+              <a:schemeClr val="accent1">
+                <a:shade val="50000"/>
+              </a:schemeClr>
+            </a:lnRef>
+            <a:fillRef idx="1">
+              <a:schemeClr val="accent1"/>
+            </a:fillRef>
+            <a:effectRef idx="0">
+              <a:schemeClr val="accent1"/>
+            </a:effectRef>
+            <a:fontRef idx="minor">
+              <a:schemeClr val="lt1"/>
+            </a:fontRef>
+          </p:style>
+          <p:txBody>
+            <a:bodyPr rtlCol="1" anchor="ctr"/>
+            <a:lstStyle/>
+            <a:p>
+              <a:pPr algn="ctr"/>
+              <a:endParaRPr lang="he-IL"/>
+            </a:p>
+          </p:txBody>
+        </p:sp>
+      </p:grpSp>
+      <p:cxnSp>
+        <p:nvCxnSpPr>
+          <p:cNvPr id="20" name="מחבר ישר 19"/>
+          <p:cNvCxnSpPr/>
+          <p:nvPr/>
+        </p:nvCxnSpPr>
+        <p:spPr>
+          <a:xfrm rot="5400000">
+            <a:off x="786592" y="427822"/>
+            <a:ext cx="857232" cy="1588"/>
+          </a:xfrm>
+          <a:prstGeom prst="line">
+            <a:avLst/>
+          </a:prstGeom>
+          <a:ln w="57150"/>
+        </p:spPr>
+        <p:style>
+          <a:lnRef idx="1">
+            <a:schemeClr val="accent1"/>
+          </a:lnRef>
+          <a:fillRef idx="0">
+            <a:schemeClr val="accent1"/>
+          </a:fillRef>
+          <a:effectRef idx="0">
+            <a:schemeClr val="accent1"/>
+          </a:effectRef>
+          <a:fontRef idx="minor">
+            <a:schemeClr val="tx1"/>
+          </a:fontRef>
+        </p:style>
+      </p:cxnSp>
+      <p:sp>
+        <p:nvSpPr>
+          <p:cNvPr id="25" name="מלבן מעוגל 24"/>
+          <p:cNvSpPr/>
+          <p:nvPr/>
+        </p:nvSpPr>
+        <p:spPr>
+          <a:xfrm>
+            <a:off x="7572396" y="214290"/>
+            <a:ext cx="1357322" cy="500066"/>
+          </a:xfrm>
+          <a:prstGeom prst="roundRect">
+            <a:avLst/>
+          </a:prstGeom>
+        </p:spPr>
+        <p:style>
+          <a:lnRef idx="2">
+            <a:schemeClr val="accent1">
+              <a:shade val="50000"/>
+            </a:schemeClr>
+          </a:lnRef>
+          <a:fillRef idx="1">
+            <a:schemeClr val="accent1"/>
+          </a:fillRef>
+          <a:effectRef idx="0">
+            <a:schemeClr val="accent1"/>
+          </a:effectRef>
+          <a:fontRef idx="minor">
+            <a:schemeClr val="lt1"/>
+          </a:fontRef>
+        </p:style>
+        <p:txBody>
+          <a:bodyPr rtlCol="1" anchor="ctr"/>
+          <a:lstStyle/>
+          <a:p>
+            <a:pPr algn="ctr"/>
+            <a:endParaRPr lang="he-IL"/>
+          </a:p>
+        </p:txBody>
+      </p:sp>
+      <p:sp>
+        <p:nvSpPr>
+          <p:cNvPr id="26" name="פיצוץ 2 25"/>
+          <p:cNvSpPr/>
+          <p:nvPr/>
+        </p:nvSpPr>
+        <p:spPr>
+          <a:xfrm>
+            <a:off x="71406" y="-24"/>
+            <a:ext cx="1071570" cy="785794"/>
+          </a:xfrm>
+          <a:prstGeom prst="irregularSeal2">
+            <a:avLst/>
+          </a:prstGeom>
+        </p:spPr>
+        <p:style>
+          <a:lnRef idx="2">
+            <a:schemeClr val="accent1">
+              <a:shade val="50000"/>
+            </a:schemeClr>
+          </a:lnRef>
+          <a:fillRef idx="1">
+            <a:schemeClr val="accent1"/>
+          </a:fillRef>
+          <a:effectRef idx="0">
+            <a:schemeClr val="accent1"/>
+          </a:effectRef>
+          <a:fontRef idx="minor">
+            <a:schemeClr val="lt1"/>
+          </a:fontRef>
+        </p:style>
+        <p:txBody>
+          <a:bodyPr rtlCol="1" anchor="ctr"/>
+          <a:lstStyle/>
+          <a:p>
+            <a:pPr algn="ctr"/>
+            <a:endParaRPr lang="he-IL"/>
+          </a:p>
+        </p:txBody>
+      </p:sp>
+      <p:sp>
+        <p:nvSpPr>
+          <p:cNvPr id="27" name="TextBox 26"/>
+          <p:cNvSpPr txBox="1"/>
+          <p:nvPr/>
+        </p:nvSpPr>
+        <p:spPr>
+          <a:xfrm>
+            <a:off x="7643834" y="285728"/>
+            <a:ext cx="1214446" cy="369332"/>
+          </a:xfrm>
+          <a:prstGeom prst="rect">
+            <a:avLst/>
+          </a:prstGeom>
+          <a:noFill/>
+        </p:spPr>
+        <p:txBody>
+          <a:bodyPr wrap="square" rtlCol="1">
+            <a:spAutoFit/>
+          </a:bodyPr>
+          <a:lstStyle/>
+          <a:p>
+            <a:r>
+              <a:rPr lang="he-IL" dirty="0" smtClean="0"/>
+              <a:t>חיפוש דייר</a:t>
+            </a:r>
+            <a:endParaRPr lang="he-IL" dirty="0"/>
+          </a:p>
+        </p:txBody>
+      </p:sp>
+      <p:sp>
+        <p:nvSpPr>
+          <p:cNvPr id="18" name="TextBox 17"/>
+          <p:cNvSpPr txBox="1"/>
+          <p:nvPr/>
+        </p:nvSpPr>
+        <p:spPr>
+          <a:xfrm>
+            <a:off x="2857488" y="1000108"/>
+            <a:ext cx="4071966" cy="523220"/>
+          </a:xfrm>
+          <a:prstGeom prst="rect">
+            <a:avLst/>
+          </a:prstGeom>
+          <a:noFill/>
+        </p:spPr>
+        <p:txBody>
+          <a:bodyPr wrap="square" rtlCol="1">
+            <a:spAutoFit/>
+          </a:bodyPr>
+          <a:lstStyle/>
+          <a:p>
+            <a:pPr algn="ctr"/>
+            <a:r>
+              <a:rPr lang="he-IL" sz="2800" b="1" dirty="0" smtClean="0"/>
+              <a:t>רשימת </a:t>
+            </a:r>
+            <a:r>
+              <a:rPr lang="he-IL" sz="2800" b="1" dirty="0" smtClean="0"/>
+              <a:t>בתים</a:t>
+            </a:r>
+            <a:endParaRPr lang="he-IL" sz="2800" b="1" dirty="0"/>
+          </a:p>
+        </p:txBody>
+      </p:sp>
+      <p:sp>
+        <p:nvSpPr>
+          <p:cNvPr id="19" name="מלבן מעוגל 18"/>
+          <p:cNvSpPr/>
+          <p:nvPr/>
+        </p:nvSpPr>
+        <p:spPr>
+          <a:xfrm>
+            <a:off x="1500166" y="2357430"/>
+            <a:ext cx="1729407" cy="1071570"/>
+          </a:xfrm>
+          <a:prstGeom prst="roundRect">
+            <a:avLst/>
+          </a:prstGeom>
+        </p:spPr>
+        <p:style>
+          <a:lnRef idx="2">
+            <a:schemeClr val="accent1">
+              <a:shade val="50000"/>
+            </a:schemeClr>
+          </a:lnRef>
+          <a:fillRef idx="1">
+            <a:schemeClr val="accent1"/>
+          </a:fillRef>
+          <a:effectRef idx="0">
+            <a:schemeClr val="accent1"/>
+          </a:effectRef>
+          <a:fontRef idx="minor">
+            <a:schemeClr val="lt1"/>
+          </a:fontRef>
+        </p:style>
+        <p:txBody>
+          <a:bodyPr rtlCol="1" anchor="ctr"/>
+          <a:lstStyle/>
+          <a:p>
+            <a:pPr algn="ctr"/>
+            <a:r>
+              <a:rPr lang="he-IL" dirty="0" smtClean="0"/>
+              <a:t>נגה- 11</a:t>
+            </a:r>
+            <a:endParaRPr lang="he-IL" dirty="0"/>
+          </a:p>
+        </p:txBody>
+      </p:sp>
+      <p:sp>
+        <p:nvSpPr>
+          <p:cNvPr id="21" name="מלבן מעוגל 20"/>
+          <p:cNvSpPr/>
+          <p:nvPr/>
+        </p:nvSpPr>
+        <p:spPr>
+          <a:xfrm>
+            <a:off x="6858016" y="2357430"/>
+            <a:ext cx="1729407" cy="1071570"/>
+          </a:xfrm>
+          <a:prstGeom prst="roundRect">
+            <a:avLst/>
+          </a:prstGeom>
+        </p:spPr>
+        <p:style>
+          <a:lnRef idx="2">
+            <a:schemeClr val="accent1">
+              <a:shade val="50000"/>
+            </a:schemeClr>
+          </a:lnRef>
+          <a:fillRef idx="1">
+            <a:schemeClr val="accent1"/>
+          </a:fillRef>
+          <a:effectRef idx="0">
+            <a:schemeClr val="accent1"/>
+          </a:effectRef>
+          <a:fontRef idx="minor">
+            <a:schemeClr val="lt1"/>
+          </a:fontRef>
+        </p:style>
+        <p:txBody>
+          <a:bodyPr rtlCol="1" anchor="ctr"/>
+          <a:lstStyle/>
+          <a:p>
+            <a:pPr algn="ctr"/>
+            <a:endParaRPr lang="he-IL"/>
+          </a:p>
+        </p:txBody>
+      </p:sp>
+      <p:sp>
+        <p:nvSpPr>
+          <p:cNvPr id="22" name="מלבן מעוגל 21"/>
+          <p:cNvSpPr/>
+          <p:nvPr/>
+        </p:nvSpPr>
+        <p:spPr>
+          <a:xfrm>
+            <a:off x="4143372" y="2357430"/>
+            <a:ext cx="1729407" cy="1071570"/>
+          </a:xfrm>
+          <a:prstGeom prst="roundRect">
+            <a:avLst/>
+          </a:prstGeom>
+        </p:spPr>
+        <p:style>
+          <a:lnRef idx="2">
+            <a:schemeClr val="accent1">
+              <a:shade val="50000"/>
+            </a:schemeClr>
+          </a:lnRef>
+          <a:fillRef idx="1">
+            <a:schemeClr val="accent1"/>
+          </a:fillRef>
+          <a:effectRef idx="0">
+            <a:schemeClr val="accent1"/>
+          </a:effectRef>
+          <a:fontRef idx="minor">
+            <a:schemeClr val="lt1"/>
+          </a:fontRef>
+        </p:style>
+        <p:txBody>
+          <a:bodyPr rtlCol="1" anchor="ctr"/>
+          <a:lstStyle/>
+          <a:p>
+            <a:pPr algn="ctr"/>
+            <a:r>
+              <a:rPr lang="he-IL" dirty="0" smtClean="0"/>
+              <a:t>זהר - 8</a:t>
+            </a:r>
+            <a:endParaRPr lang="he-IL" dirty="0"/>
+          </a:p>
+        </p:txBody>
+      </p:sp>
+      <p:sp>
+        <p:nvSpPr>
+          <p:cNvPr id="23" name="מלבן מעוגל 22"/>
+          <p:cNvSpPr/>
+          <p:nvPr/>
+        </p:nvSpPr>
+        <p:spPr>
+          <a:xfrm>
+            <a:off x="1500166" y="4786322"/>
+            <a:ext cx="1729407" cy="1071570"/>
+          </a:xfrm>
+          <a:prstGeom prst="roundRect">
+            <a:avLst/>
+          </a:prstGeom>
+        </p:spPr>
+        <p:style>
+          <a:lnRef idx="2">
+            <a:schemeClr val="accent1">
+              <a:shade val="50000"/>
+            </a:schemeClr>
+          </a:lnRef>
+          <a:fillRef idx="1">
+            <a:schemeClr val="accent1"/>
+          </a:fillRef>
+          <a:effectRef idx="0">
+            <a:schemeClr val="accent1"/>
+          </a:effectRef>
+          <a:fontRef idx="minor">
+            <a:schemeClr val="lt1"/>
+          </a:fontRef>
+        </p:style>
+        <p:txBody>
+          <a:bodyPr rtlCol="1" anchor="ctr"/>
+          <a:lstStyle/>
+          <a:p>
+            <a:pPr algn="ctr"/>
+            <a:r>
+              <a:rPr lang="he-IL" dirty="0" smtClean="0"/>
+              <a:t>סיעודי</a:t>
+            </a:r>
+            <a:endParaRPr lang="he-IL" dirty="0"/>
+          </a:p>
+        </p:txBody>
+      </p:sp>
+      <p:sp>
+        <p:nvSpPr>
+          <p:cNvPr id="24" name="מלבן מעוגל 23"/>
+          <p:cNvSpPr/>
+          <p:nvPr/>
+        </p:nvSpPr>
+        <p:spPr>
+          <a:xfrm>
+            <a:off x="4199915" y="4786322"/>
+            <a:ext cx="1729407" cy="1071570"/>
+          </a:xfrm>
+          <a:prstGeom prst="roundRect">
+            <a:avLst/>
+          </a:prstGeom>
+        </p:spPr>
+        <p:style>
+          <a:lnRef idx="2">
+            <a:schemeClr val="accent1">
+              <a:shade val="50000"/>
+            </a:schemeClr>
+          </a:lnRef>
+          <a:fillRef idx="1">
+            <a:schemeClr val="accent1"/>
+          </a:fillRef>
+          <a:effectRef idx="0">
+            <a:schemeClr val="accent1"/>
+          </a:effectRef>
+          <a:fontRef idx="minor">
+            <a:schemeClr val="lt1"/>
+          </a:fontRef>
+        </p:style>
+        <p:txBody>
+          <a:bodyPr rtlCol="1" anchor="ctr"/>
+          <a:lstStyle/>
+          <a:p>
+            <a:pPr algn="ctr"/>
+            <a:endParaRPr lang="he-IL"/>
+          </a:p>
+        </p:txBody>
+      </p:sp>
+      <p:sp>
+        <p:nvSpPr>
+          <p:cNvPr id="28" name="מלבן מעוגל 27"/>
+          <p:cNvSpPr/>
+          <p:nvPr/>
+        </p:nvSpPr>
+        <p:spPr>
+          <a:xfrm>
+            <a:off x="6858016" y="4786322"/>
+            <a:ext cx="1729407" cy="1071570"/>
+          </a:xfrm>
+          <a:prstGeom prst="roundRect">
+            <a:avLst/>
+          </a:prstGeom>
+        </p:spPr>
+        <p:style>
+          <a:lnRef idx="2">
+            <a:schemeClr val="accent1">
+              <a:shade val="50000"/>
+            </a:schemeClr>
+          </a:lnRef>
+          <a:fillRef idx="1">
+            <a:schemeClr val="accent1"/>
+          </a:fillRef>
+          <a:effectRef idx="0">
+            <a:schemeClr val="accent1"/>
+          </a:effectRef>
+          <a:fontRef idx="minor">
+            <a:schemeClr val="lt1"/>
+          </a:fontRef>
+        </p:style>
+        <p:txBody>
+          <a:bodyPr rtlCol="1" anchor="ctr"/>
+          <a:lstStyle/>
+          <a:p>
+            <a:pPr algn="ctr"/>
+            <a:endParaRPr lang="he-IL"/>
+          </a:p>
+        </p:txBody>
+      </p:sp>
+      <p:sp>
+        <p:nvSpPr>
+          <p:cNvPr id="29" name="TextBox 28"/>
+          <p:cNvSpPr txBox="1"/>
+          <p:nvPr/>
+        </p:nvSpPr>
+        <p:spPr>
+          <a:xfrm>
+            <a:off x="6572264" y="2702478"/>
+            <a:ext cx="2143140" cy="369332"/>
+          </a:xfrm>
+          <a:prstGeom prst="rect">
+            <a:avLst/>
+          </a:prstGeom>
+          <a:noFill/>
+        </p:spPr>
+        <p:txBody>
+          <a:bodyPr wrap="square" rtlCol="1">
+            <a:spAutoFit/>
+          </a:bodyPr>
+          <a:lstStyle/>
+          <a:p>
+            <a:pPr algn="ctr"/>
+            <a:r>
+              <a:rPr lang="he-IL" dirty="0" smtClean="0">
+                <a:solidFill>
+                  <a:schemeClr val="bg1"/>
+                </a:solidFill>
+              </a:rPr>
+              <a:t>קשת - 9</a:t>
+            </a:r>
+            <a:endParaRPr lang="he-IL" dirty="0">
+              <a:solidFill>
+                <a:schemeClr val="bg1"/>
+              </a:solidFill>
+            </a:endParaRPr>
+          </a:p>
+        </p:txBody>
+      </p:sp>
+      <p:sp>
+        <p:nvSpPr>
+          <p:cNvPr id="30" name="TextBox 29"/>
+          <p:cNvSpPr txBox="1"/>
+          <p:nvPr/>
+        </p:nvSpPr>
+        <p:spPr>
+          <a:xfrm>
+            <a:off x="6572264" y="5143512"/>
+            <a:ext cx="2143140" cy="369332"/>
+          </a:xfrm>
+          <a:prstGeom prst="rect">
+            <a:avLst/>
+          </a:prstGeom>
+          <a:noFill/>
+        </p:spPr>
+        <p:txBody>
+          <a:bodyPr wrap="square" rtlCol="1">
+            <a:spAutoFit/>
+          </a:bodyPr>
+          <a:lstStyle/>
+          <a:p>
+            <a:pPr algn="ctr"/>
+            <a:r>
+              <a:rPr lang="he-IL" dirty="0" smtClean="0">
+                <a:solidFill>
+                  <a:schemeClr val="bg1"/>
+                </a:solidFill>
+              </a:rPr>
+              <a:t>אופק  - 14</a:t>
+            </a:r>
+            <a:endParaRPr lang="he-IL" dirty="0">
+              <a:solidFill>
+                <a:schemeClr val="bg1"/>
+              </a:solidFill>
+            </a:endParaRPr>
+          </a:p>
+        </p:txBody>
+      </p:sp>
+      <p:sp>
+        <p:nvSpPr>
+          <p:cNvPr id="31" name="TextBox 30"/>
+          <p:cNvSpPr txBox="1"/>
+          <p:nvPr/>
+        </p:nvSpPr>
+        <p:spPr>
+          <a:xfrm>
+            <a:off x="4000496" y="5143512"/>
+            <a:ext cx="2143140" cy="369332"/>
+          </a:xfrm>
+          <a:prstGeom prst="rect">
+            <a:avLst/>
+          </a:prstGeom>
+          <a:noFill/>
+        </p:spPr>
+        <p:txBody>
+          <a:bodyPr wrap="square" rtlCol="1">
+            <a:spAutoFit/>
+          </a:bodyPr>
+          <a:lstStyle/>
+          <a:p>
+            <a:pPr algn="ctr"/>
+            <a:r>
+              <a:rPr lang="he-IL" dirty="0" smtClean="0">
+                <a:solidFill>
+                  <a:schemeClr val="bg1"/>
+                </a:solidFill>
+              </a:rPr>
+              <a:t>15 - שחר</a:t>
+            </a:r>
+            <a:endParaRPr lang="he-IL" dirty="0">
+              <a:solidFill>
+                <a:schemeClr val="bg1"/>
+              </a:solidFill>
+            </a:endParaRPr>
+          </a:p>
+        </p:txBody>
+      </p:sp>
+    </p:spTree>
+  </p:cSld>
+  <p:clrMapOvr>
+    <a:masterClrMapping/>
+  </p:clrMapOvr>
+  <p:timing>
+    <p:tnLst>
+      <p:par>
+        <p:cTn id="1" dur="indefinite" restart="never" nodeType="tmRoot"/>
+      </p:par>
+    </p:tnLst>
+  </p:timing>
+</p:sld>
+</file>
+
+<file path=ppt/slides/slide5.xml><?xml version="1.0" encoding="utf-8"?>
+<p:sld xmlns:a="http://schemas.openxmlformats.org/drawingml/2006/main" xmlns:r="http://schemas.openxmlformats.org/officeDocument/2006/relationships" xmlns:p="http://schemas.openxmlformats.org/presentationml/2006/main">
+  <p:cSld>
+    <p:spTree>
+      <p:nvGrpSpPr>
+        <p:cNvPr id="1" name=""/>
+        <p:cNvGrpSpPr/>
+        <p:nvPr/>
+      </p:nvGrpSpPr>
+      <p:grpSpPr>
+        <a:xfrm>
+          <a:off x="0" y="0"/>
+          <a:ext cx="0" cy="0"/>
+          <a:chOff x="0" y="0"/>
+          <a:chExt cx="0" cy="0"/>
+        </a:xfrm>
+      </p:grpSpPr>
+      <p:sp>
+        <p:nvSpPr>
+          <p:cNvPr id="15" name="מלבן מעוגל 14"/>
+          <p:cNvSpPr/>
+          <p:nvPr/>
+        </p:nvSpPr>
+        <p:spPr>
+          <a:xfrm>
+            <a:off x="0" y="0"/>
+            <a:ext cx="9144000" cy="857232"/>
+          </a:xfrm>
+          <a:prstGeom prst="roundRect">
+            <a:avLst/>
+          </a:prstGeom>
+          <a:noFill/>
+        </p:spPr>
+        <p:style>
+          <a:lnRef idx="2">
+            <a:schemeClr val="accent1">
+              <a:shade val="50000"/>
+            </a:schemeClr>
+          </a:lnRef>
+          <a:fillRef idx="1">
+            <a:schemeClr val="accent1"/>
+          </a:fillRef>
+          <a:effectRef idx="0">
+            <a:schemeClr val="accent1"/>
+          </a:effectRef>
+          <a:fontRef idx="minor">
+            <a:schemeClr val="lt1"/>
+          </a:fontRef>
+        </p:style>
+        <p:txBody>
+          <a:bodyPr rtlCol="1" anchor="ctr"/>
+          <a:lstStyle/>
+          <a:p>
+            <a:pPr algn="ctr"/>
+            <a:endParaRPr lang="he-IL"/>
+          </a:p>
+        </p:txBody>
+      </p:sp>
+      <p:grpSp>
+        <p:nvGrpSpPr>
+          <p:cNvPr id="2" name="קבוצה 17"/>
+          <p:cNvGrpSpPr/>
+          <p:nvPr/>
+        </p:nvGrpSpPr>
+        <p:grpSpPr>
+          <a:xfrm>
+            <a:off x="1357290" y="35785"/>
+            <a:ext cx="500034" cy="750009"/>
+            <a:chOff x="5429256" y="3643314"/>
+            <a:chExt cx="928694" cy="1428760"/>
+          </a:xfrm>
+        </p:grpSpPr>
+        <p:sp>
+          <p:nvSpPr>
+            <p:cNvPr id="16" name="מלבן 15"/>
+            <p:cNvSpPr/>
+            <p:nvPr/>
+          </p:nvSpPr>
+          <p:spPr>
+            <a:xfrm>
+              <a:off x="5429256" y="4357694"/>
+              <a:ext cx="928694" cy="714380"/>
+            </a:xfrm>
+            <a:prstGeom prst="rect">
+              <a:avLst/>
+            </a:prstGeom>
+            <a:noFill/>
+            <a:ln w="38100"/>
+          </p:spPr>
+          <p:style>
+            <a:lnRef idx="2">
+              <a:schemeClr val="accent1">
+                <a:shade val="50000"/>
+              </a:schemeClr>
+            </a:lnRef>
+            <a:fillRef idx="1">
+              <a:schemeClr val="accent1"/>
+            </a:fillRef>
+            <a:effectRef idx="0">
+              <a:schemeClr val="accent1"/>
+            </a:effectRef>
+            <a:fontRef idx="minor">
+              <a:schemeClr val="lt1"/>
+            </a:fontRef>
+          </p:style>
+          <p:txBody>
+            <a:bodyPr rtlCol="1" anchor="ctr"/>
+            <a:lstStyle/>
+            <a:p>
+              <a:pPr algn="ctr"/>
+              <a:endParaRPr lang="he-IL"/>
+            </a:p>
+          </p:txBody>
+        </p:sp>
+        <p:sp>
+          <p:nvSpPr>
+            <p:cNvPr id="17" name="משולש שווה שוקיים 16"/>
+            <p:cNvSpPr/>
+            <p:nvPr/>
+          </p:nvSpPr>
+          <p:spPr>
+            <a:xfrm>
+              <a:off x="5429256" y="3643314"/>
+              <a:ext cx="928694" cy="714380"/>
+            </a:xfrm>
+            <a:prstGeom prst="triangle">
+              <a:avLst/>
+            </a:prstGeom>
+            <a:noFill/>
+            <a:ln w="38100"/>
+          </p:spPr>
+          <p:style>
+            <a:lnRef idx="2">
+              <a:schemeClr val="accent1">
+                <a:shade val="50000"/>
+              </a:schemeClr>
+            </a:lnRef>
+            <a:fillRef idx="1">
+              <a:schemeClr val="accent1"/>
+            </a:fillRef>
+            <a:effectRef idx="0">
+              <a:schemeClr val="accent1"/>
+            </a:effectRef>
+            <a:fontRef idx="minor">
+              <a:schemeClr val="lt1"/>
+            </a:fontRef>
+          </p:style>
+          <p:txBody>
+            <a:bodyPr rtlCol="1" anchor="ctr"/>
+            <a:lstStyle/>
+            <a:p>
+              <a:pPr algn="ctr"/>
+              <a:endParaRPr lang="he-IL"/>
+            </a:p>
+          </p:txBody>
+        </p:sp>
+      </p:grpSp>
+      <p:cxnSp>
+        <p:nvCxnSpPr>
+          <p:cNvPr id="20" name="מחבר ישר 19"/>
+          <p:cNvCxnSpPr/>
+          <p:nvPr/>
+        </p:nvCxnSpPr>
+        <p:spPr>
+          <a:xfrm rot="5400000">
+            <a:off x="786592" y="427822"/>
+            <a:ext cx="857232" cy="1588"/>
+          </a:xfrm>
+          <a:prstGeom prst="line">
+            <a:avLst/>
+          </a:prstGeom>
+          <a:ln w="57150"/>
+        </p:spPr>
+        <p:style>
+          <a:lnRef idx="1">
+            <a:schemeClr val="accent1"/>
+          </a:lnRef>
+          <a:fillRef idx="0">
+            <a:schemeClr val="accent1"/>
+          </a:fillRef>
+          <a:effectRef idx="0">
+            <a:schemeClr val="accent1"/>
+          </a:effectRef>
+          <a:fontRef idx="minor">
+            <a:schemeClr val="tx1"/>
+          </a:fontRef>
+        </p:style>
+      </p:cxnSp>
+      <p:sp>
+        <p:nvSpPr>
+          <p:cNvPr id="25" name="מלבן מעוגל 24"/>
+          <p:cNvSpPr/>
+          <p:nvPr/>
+        </p:nvSpPr>
+        <p:spPr>
+          <a:xfrm>
+            <a:off x="7572396" y="214290"/>
+            <a:ext cx="1357322" cy="500066"/>
+          </a:xfrm>
+          <a:prstGeom prst="roundRect">
+            <a:avLst/>
+          </a:prstGeom>
+        </p:spPr>
+        <p:style>
+          <a:lnRef idx="2">
+            <a:schemeClr val="accent1">
+              <a:shade val="50000"/>
+            </a:schemeClr>
+          </a:lnRef>
+          <a:fillRef idx="1">
+            <a:schemeClr val="accent1"/>
+          </a:fillRef>
+          <a:effectRef idx="0">
+            <a:schemeClr val="accent1"/>
+          </a:effectRef>
+          <a:fontRef idx="minor">
+            <a:schemeClr val="lt1"/>
+          </a:fontRef>
+        </p:style>
+        <p:txBody>
+          <a:bodyPr rtlCol="1" anchor="ctr"/>
+          <a:lstStyle/>
+          <a:p>
+            <a:pPr algn="ctr"/>
+            <a:endParaRPr lang="he-IL"/>
+          </a:p>
+        </p:txBody>
+      </p:sp>
+      <p:sp>
+        <p:nvSpPr>
+          <p:cNvPr id="26" name="פיצוץ 2 25"/>
+          <p:cNvSpPr/>
+          <p:nvPr/>
+        </p:nvSpPr>
+        <p:spPr>
+          <a:xfrm>
+            <a:off x="71406" y="-24"/>
+            <a:ext cx="1071570" cy="785794"/>
+          </a:xfrm>
+          <a:prstGeom prst="irregularSeal2">
+            <a:avLst/>
+          </a:prstGeom>
+        </p:spPr>
+        <p:style>
+          <a:lnRef idx="2">
+            <a:schemeClr val="accent1">
+              <a:shade val="50000"/>
+            </a:schemeClr>
+          </a:lnRef>
+          <a:fillRef idx="1">
+            <a:schemeClr val="accent1"/>
+          </a:fillRef>
+          <a:effectRef idx="0">
+            <a:schemeClr val="accent1"/>
+          </a:effectRef>
+          <a:fontRef idx="minor">
+            <a:schemeClr val="lt1"/>
+          </a:fontRef>
+        </p:style>
+        <p:txBody>
+          <a:bodyPr rtlCol="1" anchor="ctr"/>
+          <a:lstStyle/>
+          <a:p>
+            <a:pPr algn="ctr"/>
+            <a:endParaRPr lang="he-IL"/>
+          </a:p>
+        </p:txBody>
+      </p:sp>
+      <p:sp>
+        <p:nvSpPr>
+          <p:cNvPr id="27" name="TextBox 26"/>
+          <p:cNvSpPr txBox="1"/>
+          <p:nvPr/>
+        </p:nvSpPr>
+        <p:spPr>
+          <a:xfrm>
+            <a:off x="7643834" y="285728"/>
+            <a:ext cx="1214446" cy="369332"/>
+          </a:xfrm>
+          <a:prstGeom prst="rect">
+            <a:avLst/>
+          </a:prstGeom>
+          <a:noFill/>
+        </p:spPr>
+        <p:txBody>
+          <a:bodyPr wrap="square" rtlCol="1">
+            <a:spAutoFit/>
+          </a:bodyPr>
+          <a:lstStyle/>
+          <a:p>
+            <a:r>
+              <a:rPr lang="he-IL" dirty="0" smtClean="0"/>
+              <a:t>חיפוש דייר</a:t>
+            </a:r>
+            <a:endParaRPr lang="he-IL" dirty="0"/>
+          </a:p>
+        </p:txBody>
+      </p:sp>
+      <p:sp>
+        <p:nvSpPr>
+          <p:cNvPr id="18" name="TextBox 17"/>
+          <p:cNvSpPr txBox="1"/>
+          <p:nvPr/>
+        </p:nvSpPr>
+        <p:spPr>
+          <a:xfrm>
+            <a:off x="2857488" y="1000108"/>
+            <a:ext cx="4071966" cy="523220"/>
+          </a:xfrm>
+          <a:prstGeom prst="rect">
+            <a:avLst/>
+          </a:prstGeom>
+          <a:noFill/>
+        </p:spPr>
+        <p:txBody>
+          <a:bodyPr wrap="square" rtlCol="1">
+            <a:spAutoFit/>
+          </a:bodyPr>
+          <a:lstStyle/>
+          <a:p>
+            <a:pPr algn="ctr"/>
+            <a:r>
+              <a:rPr lang="he-IL" sz="2800" b="1" dirty="0" smtClean="0"/>
+              <a:t>רשימת </a:t>
+            </a:r>
+            <a:r>
+              <a:rPr lang="he-IL" sz="2800" b="1" dirty="0" smtClean="0"/>
+              <a:t>קבוצות</a:t>
+            </a:r>
+            <a:endParaRPr lang="he-IL" sz="2800" b="1" dirty="0"/>
+          </a:p>
+        </p:txBody>
+      </p:sp>
+      <p:sp>
+        <p:nvSpPr>
+          <p:cNvPr id="19" name="מלבן מעוגל 18"/>
+          <p:cNvSpPr/>
+          <p:nvPr/>
+        </p:nvSpPr>
+        <p:spPr>
+          <a:xfrm>
+            <a:off x="5414361" y="4357694"/>
+            <a:ext cx="1729407" cy="1071570"/>
+          </a:xfrm>
+          <a:prstGeom prst="roundRect">
+            <a:avLst/>
+          </a:prstGeom>
+        </p:spPr>
+        <p:style>
+          <a:lnRef idx="2">
+            <a:schemeClr val="accent1">
+              <a:shade val="50000"/>
+            </a:schemeClr>
+          </a:lnRef>
+          <a:fillRef idx="1">
+            <a:schemeClr val="accent1"/>
+          </a:fillRef>
+          <a:effectRef idx="0">
+            <a:schemeClr val="accent1"/>
+          </a:effectRef>
+          <a:fontRef idx="minor">
+            <a:schemeClr val="lt1"/>
+          </a:fontRef>
+        </p:style>
+        <p:txBody>
+          <a:bodyPr rtlCol="1" anchor="ctr"/>
+          <a:lstStyle/>
+          <a:p>
+            <a:pPr algn="ctr"/>
+            <a:r>
+              <a:rPr lang="he-IL" dirty="0" smtClean="0"/>
+              <a:t>קבוצה - 3</a:t>
+            </a:r>
+            <a:endParaRPr lang="he-IL" dirty="0"/>
+          </a:p>
+        </p:txBody>
+      </p:sp>
+      <p:sp>
+        <p:nvSpPr>
+          <p:cNvPr id="21" name="מלבן מעוגל 20"/>
+          <p:cNvSpPr/>
+          <p:nvPr/>
+        </p:nvSpPr>
+        <p:spPr>
+          <a:xfrm>
+            <a:off x="5429256" y="2357430"/>
+            <a:ext cx="1729407" cy="1071570"/>
+          </a:xfrm>
+          <a:prstGeom prst="roundRect">
+            <a:avLst/>
+          </a:prstGeom>
+        </p:spPr>
+        <p:style>
+          <a:lnRef idx="2">
+            <a:schemeClr val="accent1">
+              <a:shade val="50000"/>
+            </a:schemeClr>
+          </a:lnRef>
+          <a:fillRef idx="1">
+            <a:schemeClr val="accent1"/>
+          </a:fillRef>
+          <a:effectRef idx="0">
+            <a:schemeClr val="accent1"/>
+          </a:effectRef>
+          <a:fontRef idx="minor">
+            <a:schemeClr val="lt1"/>
+          </a:fontRef>
+        </p:style>
+        <p:txBody>
+          <a:bodyPr rtlCol="1" anchor="ctr"/>
+          <a:lstStyle/>
+          <a:p>
+            <a:pPr algn="ctr"/>
+            <a:endParaRPr lang="he-IL"/>
+          </a:p>
+        </p:txBody>
+      </p:sp>
+      <p:sp>
+        <p:nvSpPr>
+          <p:cNvPr id="22" name="מלבן מעוגל 21"/>
+          <p:cNvSpPr/>
+          <p:nvPr/>
+        </p:nvSpPr>
+        <p:spPr>
+          <a:xfrm>
+            <a:off x="2357422" y="2357430"/>
+            <a:ext cx="1729407" cy="1071570"/>
+          </a:xfrm>
+          <a:prstGeom prst="roundRect">
+            <a:avLst/>
+          </a:prstGeom>
+        </p:spPr>
+        <p:style>
+          <a:lnRef idx="2">
+            <a:schemeClr val="accent1">
+              <a:shade val="50000"/>
+            </a:schemeClr>
+          </a:lnRef>
+          <a:fillRef idx="1">
+            <a:schemeClr val="accent1"/>
+          </a:fillRef>
+          <a:effectRef idx="0">
+            <a:schemeClr val="accent1"/>
+          </a:effectRef>
+          <a:fontRef idx="minor">
+            <a:schemeClr val="lt1"/>
+          </a:fontRef>
+        </p:style>
+        <p:txBody>
+          <a:bodyPr rtlCol="1" anchor="ctr"/>
+          <a:lstStyle/>
+          <a:p>
+            <a:pPr algn="ctr"/>
+            <a:r>
+              <a:rPr lang="he-IL" dirty="0" smtClean="0"/>
+              <a:t>קבוצה - 2</a:t>
+            </a:r>
+            <a:endParaRPr lang="he-IL" dirty="0"/>
+          </a:p>
+        </p:txBody>
+      </p:sp>
+      <p:sp>
+        <p:nvSpPr>
+          <p:cNvPr id="28" name="מלבן מעוגל 27"/>
+          <p:cNvSpPr/>
+          <p:nvPr/>
+        </p:nvSpPr>
+        <p:spPr>
+          <a:xfrm>
+            <a:off x="2342527" y="4357694"/>
+            <a:ext cx="1729407" cy="1071570"/>
+          </a:xfrm>
+          <a:prstGeom prst="roundRect">
+            <a:avLst/>
+          </a:prstGeom>
+        </p:spPr>
+        <p:style>
+          <a:lnRef idx="2">
+            <a:schemeClr val="accent1">
+              <a:shade val="50000"/>
+            </a:schemeClr>
+          </a:lnRef>
+          <a:fillRef idx="1">
+            <a:schemeClr val="accent1"/>
+          </a:fillRef>
+          <a:effectRef idx="0">
+            <a:schemeClr val="accent1"/>
+          </a:effectRef>
+          <a:fontRef idx="minor">
+            <a:schemeClr val="lt1"/>
+          </a:fontRef>
+        </p:style>
+        <p:txBody>
+          <a:bodyPr rtlCol="1" anchor="ctr"/>
+          <a:lstStyle/>
+          <a:p>
+            <a:pPr algn="ctr"/>
+            <a:endParaRPr lang="he-IL"/>
+          </a:p>
+        </p:txBody>
+      </p:sp>
+      <p:sp>
+        <p:nvSpPr>
+          <p:cNvPr id="29" name="TextBox 28"/>
+          <p:cNvSpPr txBox="1"/>
+          <p:nvPr/>
+        </p:nvSpPr>
+        <p:spPr>
+          <a:xfrm>
+            <a:off x="5143504" y="2702478"/>
+            <a:ext cx="2143140" cy="369332"/>
+          </a:xfrm>
+          <a:prstGeom prst="rect">
+            <a:avLst/>
+          </a:prstGeom>
+          <a:noFill/>
+        </p:spPr>
+        <p:txBody>
+          <a:bodyPr wrap="square" rtlCol="1">
+            <a:spAutoFit/>
+          </a:bodyPr>
+          <a:lstStyle/>
+          <a:p>
+            <a:pPr algn="ctr"/>
+            <a:r>
+              <a:rPr lang="he-IL" dirty="0" smtClean="0">
+                <a:solidFill>
+                  <a:schemeClr val="bg1"/>
+                </a:solidFill>
+              </a:rPr>
+              <a:t>קבוצה - 1</a:t>
+            </a:r>
+            <a:endParaRPr lang="he-IL" dirty="0">
+              <a:solidFill>
+                <a:schemeClr val="bg1"/>
+              </a:solidFill>
+            </a:endParaRPr>
+          </a:p>
+        </p:txBody>
+      </p:sp>
+      <p:sp>
+        <p:nvSpPr>
+          <p:cNvPr id="30" name="TextBox 29"/>
+          <p:cNvSpPr txBox="1"/>
+          <p:nvPr/>
+        </p:nvSpPr>
+        <p:spPr>
+          <a:xfrm>
+            <a:off x="1928794" y="4714884"/>
+            <a:ext cx="2143140" cy="369332"/>
+          </a:xfrm>
+          <a:prstGeom prst="rect">
+            <a:avLst/>
+          </a:prstGeom>
+          <a:noFill/>
+        </p:spPr>
+        <p:txBody>
+          <a:bodyPr wrap="square" rtlCol="1">
+            <a:spAutoFit/>
+          </a:bodyPr>
+          <a:lstStyle/>
+          <a:p>
+            <a:pPr algn="ctr"/>
+            <a:r>
+              <a:rPr lang="he-IL" dirty="0" smtClean="0">
+                <a:solidFill>
+                  <a:schemeClr val="bg1"/>
+                </a:solidFill>
+              </a:rPr>
+              <a:t>קבוצה - 4</a:t>
+            </a:r>
+            <a:endParaRPr lang="he-IL" dirty="0">
+              <a:solidFill>
+                <a:schemeClr val="bg1"/>
+              </a:solidFill>
+            </a:endParaRPr>
+          </a:p>
+        </p:txBody>
+      </p:sp>
+    </p:spTree>
+  </p:cSld>
+  <p:clrMapOvr>
+    <a:masterClrMapping/>
+  </p:clrMapOvr>
+  <p:timing>
+    <p:tnLst>
+      <p:par>
+        <p:cTn id="1" dur="indefinite" restart="never" nodeType="tmRoot"/>
+      </p:par>
+    </p:tnLst>
+  </p:timing>
+</p:sld>
+</file>
+
+<file path=ppt/slides/slide6.xml><?xml version="1.0" encoding="utf-8"?>
+<p:sld xmlns:a="http://schemas.openxmlformats.org/drawingml/2006/main" xmlns:r="http://schemas.openxmlformats.org/officeDocument/2006/relationships" xmlns:p="http://schemas.openxmlformats.org/presentationml/2006/main">
+  <p:cSld>
+    <p:spTree>
+      <p:nvGrpSpPr>
+        <p:cNvPr id="1" name=""/>
+        <p:cNvGrpSpPr/>
+        <p:nvPr/>
+      </p:nvGrpSpPr>
+      <p:grpSpPr>
+        <a:xfrm>
+          <a:off x="0" y="0"/>
+          <a:ext cx="0" cy="0"/>
+          <a:chOff x="0" y="0"/>
+          <a:chExt cx="0" cy="0"/>
+        </a:xfrm>
+      </p:grpSpPr>
+      <p:sp>
+        <p:nvSpPr>
+          <p:cNvPr id="15" name="מלבן מעוגל 14"/>
+          <p:cNvSpPr/>
+          <p:nvPr/>
+        </p:nvSpPr>
+        <p:spPr>
+          <a:xfrm>
+            <a:off x="0" y="0"/>
+            <a:ext cx="9144000" cy="857232"/>
+          </a:xfrm>
+          <a:prstGeom prst="roundRect">
+            <a:avLst/>
+          </a:prstGeom>
+          <a:noFill/>
+        </p:spPr>
+        <p:style>
+          <a:lnRef idx="2">
+            <a:schemeClr val="accent1">
+              <a:shade val="50000"/>
+            </a:schemeClr>
+          </a:lnRef>
+          <a:fillRef idx="1">
+            <a:schemeClr val="accent1"/>
+          </a:fillRef>
+          <a:effectRef idx="0">
+            <a:schemeClr val="accent1"/>
+          </a:effectRef>
+          <a:fontRef idx="minor">
+            <a:schemeClr val="lt1"/>
+          </a:fontRef>
+        </p:style>
+        <p:txBody>
+          <a:bodyPr rtlCol="1" anchor="ctr"/>
+          <a:lstStyle/>
+          <a:p>
+            <a:pPr algn="ctr"/>
+            <a:endParaRPr lang="he-IL"/>
+          </a:p>
+        </p:txBody>
+      </p:sp>
+      <p:grpSp>
+        <p:nvGrpSpPr>
+          <p:cNvPr id="2" name="קבוצה 17"/>
+          <p:cNvGrpSpPr/>
+          <p:nvPr/>
+        </p:nvGrpSpPr>
+        <p:grpSpPr>
+          <a:xfrm>
+            <a:off x="1357290" y="35785"/>
+            <a:ext cx="500034" cy="750009"/>
+            <a:chOff x="5429256" y="3643314"/>
+            <a:chExt cx="928694" cy="1428760"/>
+          </a:xfrm>
+        </p:grpSpPr>
+        <p:sp>
+          <p:nvSpPr>
+            <p:cNvPr id="16" name="מלבן 15"/>
+            <p:cNvSpPr/>
+            <p:nvPr/>
+          </p:nvSpPr>
+          <p:spPr>
+            <a:xfrm>
+              <a:off x="5429256" y="4357694"/>
+              <a:ext cx="928694" cy="714380"/>
+            </a:xfrm>
+            <a:prstGeom prst="rect">
+              <a:avLst/>
+            </a:prstGeom>
+            <a:noFill/>
+            <a:ln w="38100"/>
+          </p:spPr>
+          <p:style>
+            <a:lnRef idx="2">
+              <a:schemeClr val="accent1">
+                <a:shade val="50000"/>
+              </a:schemeClr>
+            </a:lnRef>
+            <a:fillRef idx="1">
+              <a:schemeClr val="accent1"/>
+            </a:fillRef>
+            <a:effectRef idx="0">
+              <a:schemeClr val="accent1"/>
+            </a:effectRef>
+            <a:fontRef idx="minor">
+              <a:schemeClr val="lt1"/>
+            </a:fontRef>
+          </p:style>
+          <p:txBody>
+            <a:bodyPr rtlCol="1" anchor="ctr"/>
+            <a:lstStyle/>
+            <a:p>
+              <a:pPr algn="ctr"/>
+              <a:endParaRPr lang="he-IL"/>
+            </a:p>
+          </p:txBody>
+        </p:sp>
+        <p:sp>
+          <p:nvSpPr>
+            <p:cNvPr id="17" name="משולש שווה שוקיים 16"/>
+            <p:cNvSpPr/>
+            <p:nvPr/>
+          </p:nvSpPr>
+          <p:spPr>
+            <a:xfrm>
+              <a:off x="5429256" y="3643314"/>
+              <a:ext cx="928694" cy="714380"/>
+            </a:xfrm>
+            <a:prstGeom prst="triangle">
+              <a:avLst/>
+            </a:prstGeom>
+            <a:noFill/>
+            <a:ln w="38100"/>
+          </p:spPr>
+          <p:style>
+            <a:lnRef idx="2">
+              <a:schemeClr val="accent1">
+                <a:shade val="50000"/>
+              </a:schemeClr>
+            </a:lnRef>
+            <a:fillRef idx="1">
+              <a:schemeClr val="accent1"/>
+            </a:fillRef>
+            <a:effectRef idx="0">
+              <a:schemeClr val="accent1"/>
+            </a:effectRef>
+            <a:fontRef idx="minor">
+              <a:schemeClr val="lt1"/>
+            </a:fontRef>
+          </p:style>
+          <p:txBody>
+            <a:bodyPr rtlCol="1" anchor="ctr"/>
+            <a:lstStyle/>
+            <a:p>
+              <a:pPr algn="ctr"/>
+              <a:endParaRPr lang="he-IL"/>
+            </a:p>
+          </p:txBody>
+        </p:sp>
+      </p:grpSp>
+      <p:cxnSp>
+        <p:nvCxnSpPr>
+          <p:cNvPr id="20" name="מחבר ישר 19"/>
+          <p:cNvCxnSpPr/>
+          <p:nvPr/>
+        </p:nvCxnSpPr>
+        <p:spPr>
+          <a:xfrm rot="5400000">
+            <a:off x="786592" y="427822"/>
+            <a:ext cx="857232" cy="1588"/>
+          </a:xfrm>
+          <a:prstGeom prst="line">
+            <a:avLst/>
+          </a:prstGeom>
+          <a:ln w="57150"/>
+        </p:spPr>
+        <p:style>
+          <a:lnRef idx="1">
+            <a:schemeClr val="accent1"/>
+          </a:lnRef>
+          <a:fillRef idx="0">
+            <a:schemeClr val="accent1"/>
+          </a:fillRef>
+          <a:effectRef idx="0">
+            <a:schemeClr val="accent1"/>
+          </a:effectRef>
+          <a:fontRef idx="minor">
+            <a:schemeClr val="tx1"/>
+          </a:fontRef>
+        </p:style>
+      </p:cxnSp>
+      <p:sp>
+        <p:nvSpPr>
+          <p:cNvPr id="25" name="מלבן מעוגל 24"/>
+          <p:cNvSpPr/>
+          <p:nvPr/>
+        </p:nvSpPr>
+        <p:spPr>
+          <a:xfrm>
+            <a:off x="7572396" y="214290"/>
+            <a:ext cx="1357322" cy="500066"/>
+          </a:xfrm>
+          <a:prstGeom prst="roundRect">
+            <a:avLst/>
+          </a:prstGeom>
+        </p:spPr>
+        <p:style>
+          <a:lnRef idx="2">
+            <a:schemeClr val="accent1">
+              <a:shade val="50000"/>
+            </a:schemeClr>
+          </a:lnRef>
+          <a:fillRef idx="1">
+            <a:schemeClr val="accent1"/>
+          </a:fillRef>
+          <a:effectRef idx="0">
+            <a:schemeClr val="accent1"/>
+          </a:effectRef>
+          <a:fontRef idx="minor">
+            <a:schemeClr val="lt1"/>
+          </a:fontRef>
+        </p:style>
+        <p:txBody>
+          <a:bodyPr rtlCol="1" anchor="ctr"/>
+          <a:lstStyle/>
+          <a:p>
+            <a:pPr algn="ctr"/>
+            <a:endParaRPr lang="he-IL"/>
+          </a:p>
+        </p:txBody>
+      </p:sp>
+      <p:sp>
+        <p:nvSpPr>
+          <p:cNvPr id="26" name="פיצוץ 2 25"/>
+          <p:cNvSpPr/>
+          <p:nvPr/>
+        </p:nvSpPr>
+        <p:spPr>
+          <a:xfrm>
+            <a:off x="71406" y="-24"/>
+            <a:ext cx="1071570" cy="785794"/>
+          </a:xfrm>
+          <a:prstGeom prst="irregularSeal2">
+            <a:avLst/>
+          </a:prstGeom>
+        </p:spPr>
+        <p:style>
+          <a:lnRef idx="2">
+            <a:schemeClr val="accent1">
+              <a:shade val="50000"/>
+            </a:schemeClr>
+          </a:lnRef>
+          <a:fillRef idx="1">
+            <a:schemeClr val="accent1"/>
+          </a:fillRef>
+          <a:effectRef idx="0">
+            <a:schemeClr val="accent1"/>
+          </a:effectRef>
+          <a:fontRef idx="minor">
+            <a:schemeClr val="lt1"/>
+          </a:fontRef>
+        </p:style>
+        <p:txBody>
+          <a:bodyPr rtlCol="1" anchor="ctr"/>
+          <a:lstStyle/>
+          <a:p>
+            <a:pPr algn="ctr"/>
+            <a:endParaRPr lang="he-IL"/>
+          </a:p>
+        </p:txBody>
+      </p:sp>
+      <p:sp>
+        <p:nvSpPr>
+          <p:cNvPr id="27" name="TextBox 26"/>
+          <p:cNvSpPr txBox="1"/>
+          <p:nvPr/>
+        </p:nvSpPr>
+        <p:spPr>
+          <a:xfrm>
+            <a:off x="7643834" y="285728"/>
+            <a:ext cx="1214446" cy="369332"/>
+          </a:xfrm>
+          <a:prstGeom prst="rect">
+            <a:avLst/>
+          </a:prstGeom>
+          <a:noFill/>
+        </p:spPr>
+        <p:txBody>
+          <a:bodyPr wrap="square" rtlCol="1">
+            <a:spAutoFit/>
+          </a:bodyPr>
+          <a:lstStyle/>
+          <a:p>
+            <a:r>
+              <a:rPr lang="he-IL" dirty="0" smtClean="0"/>
+              <a:t>חיפוש דייר</a:t>
+            </a:r>
+            <a:endParaRPr lang="he-IL" dirty="0"/>
+          </a:p>
+        </p:txBody>
+      </p:sp>
+      <p:sp>
+        <p:nvSpPr>
           <p:cNvPr id="18" name="TextBox 17"/>
           <p:cNvSpPr txBox="1"/>
           <p:nvPr/>
@@ -5928,7 +10567,7 @@
         </p:nvGrpSpPr>
         <p:grpSpPr>
           <a:xfrm>
-            <a:off x="357158" y="1773783"/>
+            <a:off x="1824266" y="1773783"/>
             <a:ext cx="1533288" cy="1869531"/>
             <a:chOff x="1538514" y="2285991"/>
             <a:chExt cx="1533288" cy="1869531"/>
@@ -6060,7 +10699,7 @@
         </p:nvGrpSpPr>
         <p:grpSpPr>
           <a:xfrm>
-            <a:off x="2428860" y="1714488"/>
+            <a:off x="3895968" y="1714488"/>
             <a:ext cx="1533288" cy="1869531"/>
             <a:chOff x="1538514" y="2285991"/>
             <a:chExt cx="1533288" cy="1869531"/>
@@ -6192,7 +10831,7 @@
         </p:nvGrpSpPr>
         <p:grpSpPr>
           <a:xfrm>
-            <a:off x="4643438" y="1714488"/>
+            <a:off x="6110546" y="1714488"/>
             <a:ext cx="1533288" cy="1869531"/>
             <a:chOff x="1538514" y="2285991"/>
             <a:chExt cx="1533288" cy="1869531"/>
@@ -6326,7 +10965,7 @@
         </p:nvGrpSpPr>
         <p:grpSpPr>
           <a:xfrm>
-            <a:off x="500034" y="4274113"/>
+            <a:off x="1785918" y="4274113"/>
             <a:ext cx="1533288" cy="1869531"/>
             <a:chOff x="1538514" y="2285991"/>
             <a:chExt cx="1533288" cy="1869531"/>
@@ -6458,7 +11097,7 @@
         </p:nvGrpSpPr>
         <p:grpSpPr>
           <a:xfrm>
-            <a:off x="2571736" y="4214818"/>
+            <a:off x="3857620" y="4214818"/>
             <a:ext cx="1533288" cy="1869531"/>
             <a:chOff x="1538514" y="2285991"/>
             <a:chExt cx="1533288" cy="1869531"/>
@@ -6590,7 +11229,7 @@
         </p:nvGrpSpPr>
         <p:grpSpPr>
           <a:xfrm>
-            <a:off x="4786314" y="4214818"/>
+            <a:off x="6072198" y="4214818"/>
             <a:ext cx="1533288" cy="1869531"/>
             <a:chOff x="1538514" y="2285991"/>
             <a:chExt cx="1533288" cy="1869531"/>
@@ -6729,7 +11368,7 @@
 </p:sld>
 </file>
 
-<file path=ppt/slides/slide6.xml><?xml version="1.0" encoding="utf-8"?>
+<file path=ppt/slides/slide7.xml><?xml version="1.0" encoding="utf-8"?>
 <p:sld xmlns:a="http://schemas.openxmlformats.org/drawingml/2006/main" xmlns:r="http://schemas.openxmlformats.org/officeDocument/2006/relationships" xmlns:p="http://schemas.openxmlformats.org/presentationml/2006/main">
   <p:cSld>
     <p:spTree>
@@ -6746,20 +11385,143 @@
           <a:chExt cx="0" cy="0"/>
         </a:xfrm>
       </p:grpSpPr>
-      <p:sp>
-        <p:nvSpPr>
-          <p:cNvPr id="4" name="מלבן מעוגל 3"/>
+      <p:grpSp>
+        <p:nvGrpSpPr>
+          <p:cNvPr id="2" name="קבוצה 40"/>
+          <p:cNvGrpSpPr/>
+          <p:nvPr/>
+        </p:nvGrpSpPr>
+        <p:grpSpPr>
+          <a:xfrm>
+            <a:off x="0" y="1928802"/>
+            <a:ext cx="2714644" cy="1460719"/>
+            <a:chOff x="-71470" y="1000108"/>
+            <a:chExt cx="2714644" cy="1460719"/>
+          </a:xfrm>
+        </p:grpSpPr>
+        <p:sp>
+          <p:nvSpPr>
+            <p:cNvPr id="4" name="מלבן מעוגל 3"/>
+            <p:cNvSpPr/>
+            <p:nvPr/>
+          </p:nvSpPr>
+          <p:spPr>
+            <a:xfrm>
+              <a:off x="71406" y="1000108"/>
+              <a:ext cx="2357454" cy="1460719"/>
+            </a:xfrm>
+            <a:prstGeom prst="roundRect">
+              <a:avLst/>
+            </a:prstGeom>
+          </p:spPr>
+          <p:style>
+            <a:lnRef idx="2">
+              <a:schemeClr val="accent1">
+                <a:shade val="50000"/>
+              </a:schemeClr>
+            </a:lnRef>
+            <a:fillRef idx="1">
+              <a:schemeClr val="accent1"/>
+            </a:fillRef>
+            <a:effectRef idx="0">
+              <a:schemeClr val="accent1"/>
+            </a:effectRef>
+            <a:fontRef idx="minor">
+              <a:schemeClr val="lt1"/>
+            </a:fontRef>
+          </p:style>
+          <p:txBody>
+            <a:bodyPr rtlCol="1" anchor="ctr"/>
+            <a:lstStyle/>
+            <a:p>
+              <a:pPr algn="ctr"/>
+              <a:endParaRPr lang="he-IL"/>
+            </a:p>
+          </p:txBody>
+        </p:sp>
+        <p:sp>
+          <p:nvSpPr>
+            <p:cNvPr id="5" name="TextBox 4"/>
+            <p:cNvSpPr txBox="1"/>
+            <p:nvPr/>
+          </p:nvSpPr>
+          <p:spPr>
+            <a:xfrm>
+              <a:off x="-71470" y="1500174"/>
+              <a:ext cx="2714644" cy="369332"/>
+            </a:xfrm>
+            <a:prstGeom prst="rect">
+              <a:avLst/>
+            </a:prstGeom>
+            <a:noFill/>
+          </p:spPr>
+          <p:txBody>
+            <a:bodyPr wrap="square" rtlCol="1">
+              <a:spAutoFit/>
+            </a:bodyPr>
+            <a:lstStyle/>
+            <a:p>
+              <a:pPr algn="ctr"/>
+              <a:r>
+                <a:rPr lang="he-IL" dirty="0" smtClean="0"/>
+                <a:t>תמונה</a:t>
+              </a:r>
+              <a:endParaRPr lang="he-IL" dirty="0"/>
+            </a:p>
+          </p:txBody>
+        </p:sp>
+      </p:grpSp>
+      <p:sp>
+        <p:nvSpPr>
+          <p:cNvPr id="6" name="TextBox 5"/>
+          <p:cNvSpPr txBox="1"/>
+          <p:nvPr/>
+        </p:nvSpPr>
+        <p:spPr>
+          <a:xfrm>
+            <a:off x="5715008" y="1928802"/>
+            <a:ext cx="3143272" cy="523220"/>
+          </a:xfrm>
+          <a:prstGeom prst="rect">
+            <a:avLst/>
+          </a:prstGeom>
+          <a:noFill/>
+        </p:spPr>
+        <p:txBody>
+          <a:bodyPr wrap="square" rtlCol="1">
+            <a:spAutoFit/>
+          </a:bodyPr>
+          <a:lstStyle/>
+          <a:p>
+            <a:pPr algn="ctr"/>
+            <a:r>
+              <a:rPr lang="he-IL" sz="2800" dirty="0" smtClean="0"/>
+              <a:t>שם הדייר</a:t>
+            </a:r>
+            <a:endParaRPr lang="he-IL" sz="2800" dirty="0"/>
+          </a:p>
+        </p:txBody>
+      </p:sp>
+      <p:sp>
+        <p:nvSpPr>
+          <p:cNvPr id="14" name="מלבן 13"/>
           <p:cNvSpPr/>
           <p:nvPr/>
         </p:nvSpPr>
         <p:spPr>
           <a:xfrm>
-            <a:off x="71406" y="1000108"/>
-            <a:ext cx="2357454" cy="1460719"/>
-          </a:xfrm>
-          <a:prstGeom prst="roundRect">
-            <a:avLst/>
-          </a:prstGeom>
+            <a:off x="2928926" y="2143116"/>
+            <a:ext cx="928694" cy="214314"/>
+          </a:xfrm>
+          <a:prstGeom prst="rect">
+            <a:avLst/>
+          </a:prstGeom>
+          <a:solidFill>
+            <a:srgbClr val="00B050"/>
+          </a:solidFill>
+          <a:ln>
+            <a:noFill/>
+          </a:ln>
         </p:spPr>
         <p:style>
           <a:lnRef idx="2">
@@ -6782,280 +11544,29 @@
           <a:lstStyle/>
           <a:p>
             <a:pPr algn="ctr"/>
-            <a:endParaRPr lang="he-IL"/>
-          </a:p>
-        </p:txBody>
-      </p:sp>
-      <p:sp>
-        <p:nvSpPr>
-          <p:cNvPr id="5" name="TextBox 4"/>
-          <p:cNvSpPr txBox="1"/>
-          <p:nvPr/>
-        </p:nvSpPr>
-        <p:spPr>
-          <a:xfrm>
-            <a:off x="-71470" y="1500174"/>
-            <a:ext cx="2714644" cy="369332"/>
-          </a:xfrm>
-          <a:prstGeom prst="rect">
+            <a:r>
+              <a:rPr lang="he-IL" dirty="0" smtClean="0"/>
+              <a:t>עריכה</a:t>
+            </a:r>
+            <a:endParaRPr lang="he-IL" dirty="0"/>
+          </a:p>
+        </p:txBody>
+      </p:sp>
+      <p:sp>
+        <p:nvSpPr>
+          <p:cNvPr id="15" name="מלבן מעוגל 14"/>
+          <p:cNvSpPr/>
+          <p:nvPr/>
+        </p:nvSpPr>
+        <p:spPr>
+          <a:xfrm>
+            <a:off x="0" y="0"/>
+            <a:ext cx="9144000" cy="857232"/>
+          </a:xfrm>
+          <a:prstGeom prst="roundRect">
             <a:avLst/>
           </a:prstGeom>
           <a:noFill/>
-        </p:spPr>
-        <p:txBody>
-          <a:bodyPr wrap="square" rtlCol="1">
-            <a:spAutoFit/>
-          </a:bodyPr>
-          <a:lstStyle/>
-          <a:p>
-            <a:pPr algn="ctr"/>
-            <a:r>
-              <a:rPr lang="he-IL" dirty="0" smtClean="0"/>
-              <a:t>תמונה</a:t>
-            </a:r>
-            <a:endParaRPr lang="he-IL" dirty="0"/>
-          </a:p>
-        </p:txBody>
-      </p:sp>
-      <p:sp>
-        <p:nvSpPr>
-          <p:cNvPr id="6" name="TextBox 5"/>
-          <p:cNvSpPr txBox="1"/>
-          <p:nvPr/>
-        </p:nvSpPr>
-        <p:spPr>
-          <a:xfrm>
-            <a:off x="6000728" y="857232"/>
-            <a:ext cx="3143272" cy="523220"/>
-          </a:xfrm>
-          <a:prstGeom prst="rect">
-            <a:avLst/>
-          </a:prstGeom>
-          <a:noFill/>
-        </p:spPr>
-        <p:txBody>
-          <a:bodyPr wrap="square" rtlCol="1">
-            <a:spAutoFit/>
-          </a:bodyPr>
-          <a:lstStyle/>
-          <a:p>
-            <a:pPr algn="ctr"/>
-            <a:r>
-              <a:rPr lang="he-IL" sz="2800" dirty="0" smtClean="0"/>
-              <a:t>שם הדייר</a:t>
-            </a:r>
-            <a:endParaRPr lang="he-IL" sz="2800" dirty="0"/>
-          </a:p>
-        </p:txBody>
-      </p:sp>
-      <p:sp>
-        <p:nvSpPr>
-          <p:cNvPr id="7" name="TextBox 6"/>
-          <p:cNvSpPr txBox="1"/>
-          <p:nvPr/>
-        </p:nvSpPr>
-        <p:spPr>
-          <a:xfrm>
-            <a:off x="6500826" y="1285860"/>
-            <a:ext cx="2143140" cy="369332"/>
-          </a:xfrm>
-          <a:prstGeom prst="rect">
-            <a:avLst/>
-          </a:prstGeom>
-          <a:noFill/>
-        </p:spPr>
-        <p:txBody>
-          <a:bodyPr wrap="square" rtlCol="1">
-            <a:spAutoFit/>
-          </a:bodyPr>
-          <a:lstStyle/>
-          <a:p>
-            <a:r>
-              <a:rPr lang="he-IL" dirty="0" smtClean="0"/>
-              <a:t>תאריך לידה</a:t>
-            </a:r>
-            <a:endParaRPr lang="he-IL" dirty="0"/>
-          </a:p>
-        </p:txBody>
-      </p:sp>
-      <p:sp>
-        <p:nvSpPr>
-          <p:cNvPr id="8" name="TextBox 7"/>
-          <p:cNvSpPr txBox="1"/>
-          <p:nvPr/>
-        </p:nvSpPr>
-        <p:spPr>
-          <a:xfrm>
-            <a:off x="6500826" y="1643050"/>
-            <a:ext cx="2143140" cy="369332"/>
-          </a:xfrm>
-          <a:prstGeom prst="rect">
-            <a:avLst/>
-          </a:prstGeom>
-          <a:noFill/>
-        </p:spPr>
-        <p:txBody>
-          <a:bodyPr wrap="square" rtlCol="1">
-            <a:spAutoFit/>
-          </a:bodyPr>
-          <a:lstStyle/>
-          <a:p>
-            <a:r>
-              <a:rPr lang="he-IL" dirty="0" smtClean="0"/>
-              <a:t>מספרי טלפון</a:t>
-            </a:r>
-            <a:endParaRPr lang="he-IL" dirty="0"/>
-          </a:p>
-        </p:txBody>
-      </p:sp>
-      <p:sp>
-        <p:nvSpPr>
-          <p:cNvPr id="9" name="TextBox 8"/>
-          <p:cNvSpPr txBox="1"/>
-          <p:nvPr/>
-        </p:nvSpPr>
-        <p:spPr>
-          <a:xfrm>
-            <a:off x="6500826" y="2000240"/>
-            <a:ext cx="2143140" cy="369332"/>
-          </a:xfrm>
-          <a:prstGeom prst="rect">
-            <a:avLst/>
-          </a:prstGeom>
-          <a:noFill/>
-        </p:spPr>
-        <p:txBody>
-          <a:bodyPr wrap="square" rtlCol="1">
-            <a:spAutoFit/>
-          </a:bodyPr>
-          <a:lstStyle/>
-          <a:p>
-            <a:r>
-              <a:rPr lang="he-IL" dirty="0" smtClean="0"/>
-              <a:t>כתובת</a:t>
-            </a:r>
-            <a:endParaRPr lang="he-IL" dirty="0"/>
-          </a:p>
-        </p:txBody>
-      </p:sp>
-      <p:sp>
-        <p:nvSpPr>
-          <p:cNvPr id="10" name="TextBox 9"/>
-          <p:cNvSpPr txBox="1"/>
-          <p:nvPr/>
-        </p:nvSpPr>
-        <p:spPr>
-          <a:xfrm>
-            <a:off x="3857620" y="1285860"/>
-            <a:ext cx="2143140" cy="369332"/>
-          </a:xfrm>
-          <a:prstGeom prst="rect">
-            <a:avLst/>
-          </a:prstGeom>
-          <a:noFill/>
-        </p:spPr>
-        <p:txBody>
-          <a:bodyPr wrap="square" rtlCol="1">
-            <a:spAutoFit/>
-          </a:bodyPr>
-          <a:lstStyle/>
-          <a:p>
-            <a:r>
-              <a:rPr lang="he-IL" dirty="0" smtClean="0"/>
-              <a:t>בית </a:t>
-            </a:r>
-            <a:r>
-              <a:rPr lang="he-IL" dirty="0" err="1" smtClean="0"/>
-              <a:t>– 9</a:t>
-            </a:r>
-            <a:r>
-              <a:rPr lang="he-IL" dirty="0" smtClean="0"/>
-              <a:t> קשת</a:t>
-            </a:r>
-            <a:endParaRPr lang="he-IL" dirty="0"/>
-          </a:p>
-        </p:txBody>
-      </p:sp>
-      <p:sp>
-        <p:nvSpPr>
-          <p:cNvPr id="11" name="TextBox 10"/>
-          <p:cNvSpPr txBox="1"/>
-          <p:nvPr/>
-        </p:nvSpPr>
-        <p:spPr>
-          <a:xfrm>
-            <a:off x="3857620" y="1643050"/>
-            <a:ext cx="2143140" cy="369332"/>
-          </a:xfrm>
-          <a:prstGeom prst="rect">
-            <a:avLst/>
-          </a:prstGeom>
-          <a:noFill/>
-        </p:spPr>
-        <p:txBody>
-          <a:bodyPr wrap="square" rtlCol="1">
-            <a:spAutoFit/>
-          </a:bodyPr>
-          <a:lstStyle/>
-          <a:p>
-            <a:r>
-              <a:rPr lang="he-IL" dirty="0" smtClean="0"/>
-              <a:t>קבוצה - 2</a:t>
-            </a:r>
-            <a:endParaRPr lang="he-IL" dirty="0"/>
-          </a:p>
-        </p:txBody>
-      </p:sp>
-      <p:sp>
-        <p:nvSpPr>
-          <p:cNvPr id="12" name="TextBox 11"/>
-          <p:cNvSpPr txBox="1"/>
-          <p:nvPr/>
-        </p:nvSpPr>
-        <p:spPr>
-          <a:xfrm>
-            <a:off x="3143240" y="2000240"/>
-            <a:ext cx="2857520" cy="369332"/>
-          </a:xfrm>
-          <a:prstGeom prst="rect">
-            <a:avLst/>
-          </a:prstGeom>
-          <a:noFill/>
-        </p:spPr>
-        <p:txBody>
-          <a:bodyPr wrap="square" rtlCol="1">
-            <a:spAutoFit/>
-          </a:bodyPr>
-          <a:lstStyle/>
-          <a:p>
-            <a:r>
-              <a:rPr lang="he-IL" dirty="0" smtClean="0"/>
-              <a:t>קבוצת תעסוקה - ברוש (בנים)</a:t>
-            </a:r>
-            <a:endParaRPr lang="he-IL" dirty="0"/>
-          </a:p>
-        </p:txBody>
-      </p:sp>
-      <p:sp>
-        <p:nvSpPr>
-          <p:cNvPr id="13" name="מלבן 12"/>
-          <p:cNvSpPr/>
-          <p:nvPr/>
-        </p:nvSpPr>
-        <p:spPr>
-          <a:xfrm>
-            <a:off x="214282" y="2643182"/>
-            <a:ext cx="428628" cy="285752"/>
-          </a:xfrm>
-          <a:prstGeom prst="rect">
-            <a:avLst/>
-          </a:prstGeom>
-          <a:solidFill>
-            <a:srgbClr val="00B050"/>
-          </a:solidFill>
-          <a:ln>
-            <a:noFill/>
-          </a:ln>
         </p:spPr>
         <p:style>
           <a:lnRef idx="2">
@@ -7082,96 +11593,9 @@
           </a:p>
         </p:txBody>
       </p:sp>
-      <p:sp>
-        <p:nvSpPr>
-          <p:cNvPr id="14" name="מלבן 13"/>
-          <p:cNvSpPr/>
-          <p:nvPr/>
-        </p:nvSpPr>
-        <p:spPr>
-          <a:xfrm>
-            <a:off x="2571736" y="1071546"/>
-            <a:ext cx="428628" cy="285752"/>
-          </a:xfrm>
-          <a:prstGeom prst="rect">
-            <a:avLst/>
-          </a:prstGeom>
-          <a:solidFill>
-            <a:srgbClr val="00B050"/>
-          </a:solidFill>
-          <a:ln>
-            <a:noFill/>
-          </a:ln>
-        </p:spPr>
-        <p:style>
-          <a:lnRef idx="2">
-            <a:schemeClr val="accent1">
-              <a:shade val="50000"/>
-            </a:schemeClr>
-          </a:lnRef>
-          <a:fillRef idx="1">
-            <a:schemeClr val="accent1"/>
-          </a:fillRef>
-          <a:effectRef idx="0">
-            <a:schemeClr val="accent1"/>
-          </a:effectRef>
-          <a:fontRef idx="minor">
-            <a:schemeClr val="lt1"/>
-          </a:fontRef>
-        </p:style>
-        <p:txBody>
-          <a:bodyPr rtlCol="1" anchor="ctr"/>
-          <a:lstStyle/>
-          <a:p>
-            <a:pPr algn="ctr"/>
-            <a:endParaRPr lang="he-IL"/>
-          </a:p>
-        </p:txBody>
-      </p:sp>
-      <p:sp>
-        <p:nvSpPr>
-          <p:cNvPr id="15" name="מלבן מעוגל 14"/>
-          <p:cNvSpPr/>
-          <p:nvPr/>
-        </p:nvSpPr>
-        <p:spPr>
-          <a:xfrm>
-            <a:off x="0" y="0"/>
-            <a:ext cx="9144000" cy="857232"/>
-          </a:xfrm>
-          <a:prstGeom prst="roundRect">
-            <a:avLst/>
-          </a:prstGeom>
-          <a:noFill/>
-        </p:spPr>
-        <p:style>
-          <a:lnRef idx="2">
-            <a:schemeClr val="accent1">
-              <a:shade val="50000"/>
-            </a:schemeClr>
-          </a:lnRef>
-          <a:fillRef idx="1">
-            <a:schemeClr val="accent1"/>
-          </a:fillRef>
-          <a:effectRef idx="0">
-            <a:schemeClr val="accent1"/>
-          </a:effectRef>
-          <a:fontRef idx="minor">
-            <a:schemeClr val="lt1"/>
-          </a:fontRef>
-        </p:style>
-        <p:txBody>
-          <a:bodyPr rtlCol="1" anchor="ctr"/>
-          <a:lstStyle/>
-          <a:p>
-            <a:pPr algn="ctr"/>
-            <a:endParaRPr lang="he-IL"/>
-          </a:p>
-        </p:txBody>
-      </p:sp>
       <p:grpSp>
         <p:nvGrpSpPr>
-          <p:cNvPr id="2" name="קבוצה 17"/>
+          <p:cNvPr id="3" name="קבוצה 17"/>
           <p:cNvGrpSpPr/>
           <p:nvPr/>
         </p:nvGrpSpPr>
@@ -7417,7 +11841,7 @@
         </p:nvCxnSpPr>
         <p:spPr>
           <a:xfrm>
-            <a:off x="0" y="3998916"/>
+            <a:off x="0" y="1785926"/>
             <a:ext cx="9144000" cy="1588"/>
           </a:xfrm>
           <a:prstGeom prst="line">
@@ -7447,7 +11871,7 @@
         </p:nvSpPr>
         <p:spPr>
           <a:xfrm>
-            <a:off x="2643174" y="3286124"/>
+            <a:off x="1643042" y="928670"/>
             <a:ext cx="1357322" cy="571504"/>
           </a:xfrm>
           <a:prstGeom prst="roundRect">
@@ -7481,7 +11905,11 @@
           <a:lstStyle/>
           <a:p>
             <a:pPr algn="ctr"/>
-            <a:endParaRPr lang="he-IL"/>
+            <a:r>
+              <a:rPr lang="he-IL" dirty="0" smtClean="0"/>
+              <a:t>מה אני אוהב לעשות?</a:t>
+            </a:r>
+            <a:endParaRPr lang="he-IL" dirty="0"/>
           </a:p>
         </p:txBody>
       </p:sp>
@@ -7493,7 +11921,7 @@
         </p:nvSpPr>
         <p:spPr>
           <a:xfrm>
-            <a:off x="4214810" y="3286124"/>
+            <a:off x="3143240" y="928670"/>
             <a:ext cx="1357322" cy="571504"/>
           </a:xfrm>
           <a:prstGeom prst="roundRect">
@@ -7527,7 +11955,11 @@
           <a:lstStyle/>
           <a:p>
             <a:pPr algn="ctr"/>
-            <a:endParaRPr lang="he-IL"/>
+            <a:r>
+              <a:rPr lang="he-IL" dirty="0" smtClean="0"/>
+              <a:t>מטרות קידום</a:t>
+            </a:r>
+            <a:endParaRPr lang="he-IL" dirty="0"/>
           </a:p>
         </p:txBody>
       </p:sp>
@@ -7539,7 +11971,7 @@
         </p:nvSpPr>
         <p:spPr>
           <a:xfrm>
-            <a:off x="7358082" y="3286124"/>
+            <a:off x="6143636" y="928670"/>
             <a:ext cx="1357322" cy="571504"/>
           </a:xfrm>
           <a:prstGeom prst="roundRect">
@@ -7549,9 +11981,7 @@
             <a:srgbClr val="00B0F0"/>
           </a:solidFill>
           <a:ln w="38100">
-            <a:solidFill>
-              <a:schemeClr val="tx2"/>
-            </a:solidFill>
+            <a:noFill/>
           </a:ln>
         </p:spPr>
         <p:style>
@@ -7577,7 +12007,7 @@
             <a:pPr algn="ctr"/>
             <a:r>
               <a:rPr lang="he-IL" dirty="0" smtClean="0"/>
-              <a:t>יכולות</a:t>
+              <a:t>הערכה תפקודית</a:t>
             </a:r>
             <a:endParaRPr lang="he-IL" dirty="0"/>
           </a:p>
@@ -7585,130 +12015,24 @@
       </p:sp>
       <p:sp>
         <p:nvSpPr>
-          <p:cNvPr id="40" name="TextBox 39"/>
-          <p:cNvSpPr txBox="1"/>
-          <p:nvPr/>
-        </p:nvSpPr>
-        <p:spPr>
-          <a:xfrm>
-            <a:off x="3643306" y="4000504"/>
-            <a:ext cx="2071702" cy="461665"/>
-          </a:xfrm>
-          <a:prstGeom prst="rect">
-            <a:avLst/>
-          </a:prstGeom>
-          <a:noFill/>
-        </p:spPr>
-        <p:txBody>
-          <a:bodyPr wrap="square" rtlCol="1">
-            <a:spAutoFit/>
-          </a:bodyPr>
-          <a:lstStyle/>
-          <a:p>
-            <a:pPr algn="ctr"/>
-            <a:r>
-              <a:rPr lang="he-IL" sz="2400" dirty="0" smtClean="0"/>
-              <a:t>יכולות</a:t>
-            </a:r>
-            <a:endParaRPr lang="he-IL" dirty="0"/>
-          </a:p>
-        </p:txBody>
-      </p:sp>
-      <p:sp>
-        <p:nvSpPr>
-          <p:cNvPr id="43" name="TextBox 42"/>
-          <p:cNvSpPr txBox="1"/>
-          <p:nvPr/>
-        </p:nvSpPr>
-        <p:spPr>
-          <a:xfrm>
-            <a:off x="4286248" y="3357562"/>
-            <a:ext cx="1214446" cy="369332"/>
-          </a:xfrm>
-          <a:prstGeom prst="rect">
-            <a:avLst/>
-          </a:prstGeom>
-          <a:noFill/>
-        </p:spPr>
-        <p:txBody>
-          <a:bodyPr wrap="square" rtlCol="1">
-            <a:spAutoFit/>
-          </a:bodyPr>
-          <a:lstStyle/>
-          <a:p>
-            <a:r>
-              <a:rPr lang="he-IL" dirty="0" smtClean="0">
-                <a:solidFill>
-                  <a:schemeClr val="bg1"/>
-                </a:solidFill>
-              </a:rPr>
-              <a:t>הקידום שלי</a:t>
-            </a:r>
-            <a:endParaRPr lang="he-IL" dirty="0">
-              <a:solidFill>
-                <a:schemeClr val="bg1"/>
-              </a:solidFill>
-            </a:endParaRPr>
-          </a:p>
-        </p:txBody>
-      </p:sp>
-      <p:sp>
-        <p:nvSpPr>
-          <p:cNvPr id="44" name="TextBox 43"/>
-          <p:cNvSpPr txBox="1"/>
-          <p:nvPr/>
-        </p:nvSpPr>
-        <p:spPr>
-          <a:xfrm>
-            <a:off x="2714612" y="3286124"/>
-            <a:ext cx="1214446" cy="584775"/>
-          </a:xfrm>
-          <a:prstGeom prst="rect">
-            <a:avLst/>
-          </a:prstGeom>
-          <a:noFill/>
-        </p:spPr>
-        <p:txBody>
-          <a:bodyPr wrap="square" rtlCol="1">
-            <a:spAutoFit/>
-          </a:bodyPr>
-          <a:lstStyle/>
-          <a:p>
-            <a:pPr algn="ctr"/>
-            <a:r>
-              <a:rPr lang="he-IL" sz="1600" dirty="0" smtClean="0">
-                <a:solidFill>
-                  <a:schemeClr val="bg1"/>
-                </a:solidFill>
-              </a:rPr>
-              <a:t>מה אני אוהב לעשות?</a:t>
-            </a:r>
-            <a:endParaRPr lang="he-IL" sz="1600" dirty="0">
-              <a:solidFill>
-                <a:schemeClr val="bg1"/>
-              </a:solidFill>
-            </a:endParaRPr>
-          </a:p>
-        </p:txBody>
-      </p:sp>
-      <p:sp>
-        <p:nvSpPr>
-          <p:cNvPr id="45" name="מלבן מעוגל 44"/>
+          <p:cNvPr id="48" name="מלבן מעוגל 47">
+            <a:hlinkClick r:id="" action="ppaction://hlinkshowjump?jump=nextslide"/>
+          </p:cNvPr>
           <p:cNvSpPr/>
           <p:nvPr/>
         </p:nvSpPr>
         <p:spPr>
           <a:xfrm>
-            <a:off x="857224" y="2571744"/>
-            <a:ext cx="1357322" cy="428628"/>
+            <a:off x="4643438" y="928670"/>
+            <a:ext cx="1357322" cy="571504"/>
           </a:xfrm>
           <a:prstGeom prst="roundRect">
             <a:avLst/>
           </a:prstGeom>
           <a:solidFill>
-            <a:srgbClr val="00B050"/>
+            <a:srgbClr val="00B0F0"/>
           </a:solidFill>
-          <a:ln>
+          <a:ln w="38100">
             <a:noFill/>
           </a:ln>
         </p:spPr>
@@ -7733,9 +12057,17 @@
           <a:lstStyle/>
           <a:p>
             <a:pPr algn="ctr"/>
-            <a:endParaRPr lang="he-IL" dirty="0">
+            <a:r>
+              <a:rPr lang="he-IL" sz="1400" dirty="0" smtClean="0">
+                <a:solidFill>
+                  <a:schemeClr val="bg1"/>
+                </a:solidFill>
+              </a:rPr>
+              <a:t>כיצד להגן עליי </a:t>
+            </a:r>
+            <a:endParaRPr lang="he-IL" sz="1400" dirty="0">
               <a:solidFill>
-                <a:srgbClr val="00B050"/>
+                <a:schemeClr val="bg1"/>
               </a:solidFill>
             </a:endParaRPr>
           </a:p>
@@ -7743,45 +12075,14 @@
       </p:sp>
       <p:sp>
         <p:nvSpPr>
-          <p:cNvPr id="46" name="TextBox 45"/>
-          <p:cNvSpPr txBox="1"/>
-          <p:nvPr/>
-        </p:nvSpPr>
-        <p:spPr>
-          <a:xfrm>
-            <a:off x="928662" y="2571744"/>
-            <a:ext cx="1214446" cy="369332"/>
-          </a:xfrm>
-          <a:prstGeom prst="rect">
-            <a:avLst/>
-          </a:prstGeom>
-          <a:noFill/>
-        </p:spPr>
-        <p:txBody>
-          <a:bodyPr wrap="square" rtlCol="1">
-            <a:spAutoFit/>
-          </a:bodyPr>
-          <a:lstStyle/>
-          <a:p>
-            <a:pPr algn="ctr"/>
-            <a:r>
-              <a:rPr lang="he-IL" dirty="0" smtClean="0"/>
-              <a:t>צפייה בלו"ז</a:t>
-            </a:r>
-            <a:endParaRPr lang="he-IL" dirty="0"/>
-          </a:p>
-        </p:txBody>
-      </p:sp>
-      <p:sp>
-        <p:nvSpPr>
-          <p:cNvPr id="47" name="מלבן 46"/>
+          <p:cNvPr id="32" name="מלבן 31"/>
           <p:cNvSpPr/>
           <p:nvPr/>
         </p:nvSpPr>
         <p:spPr>
           <a:xfrm>
-            <a:off x="214282" y="4143380"/>
-            <a:ext cx="428628" cy="285752"/>
+            <a:off x="214282" y="3571876"/>
+            <a:ext cx="1357322" cy="214314"/>
           </a:xfrm>
           <a:prstGeom prst="rect">
             <a:avLst/>
@@ -7814,21 +12115,53 @@
           <a:lstStyle/>
           <a:p>
             <a:pPr algn="ctr"/>
-            <a:endParaRPr lang="he-IL"/>
-          </a:p>
-        </p:txBody>
-      </p:sp>
-      <p:sp>
-        <p:nvSpPr>
-          <p:cNvPr id="48" name="מלבן מעוגל 47">
-            <a:hlinkClick r:id="" action="ppaction://hlinkshowjump?jump=nextslide"/>
-          </p:cNvPr>
+            <a:r>
+              <a:rPr lang="he-IL" dirty="0" smtClean="0"/>
+              <a:t>עריכת תמונה</a:t>
+            </a:r>
+            <a:endParaRPr lang="he-IL" dirty="0"/>
+          </a:p>
+        </p:txBody>
+      </p:sp>
+      <p:sp>
+        <p:nvSpPr>
+          <p:cNvPr id="33" name="TextBox 32"/>
+          <p:cNvSpPr txBox="1"/>
+          <p:nvPr/>
+        </p:nvSpPr>
+        <p:spPr>
+          <a:xfrm>
+            <a:off x="10596981" y="500042"/>
+            <a:ext cx="1016625" cy="707886"/>
+          </a:xfrm>
+          <a:prstGeom prst="rect">
+            <a:avLst/>
+          </a:prstGeom>
+          <a:noFill/>
+        </p:spPr>
+        <p:txBody>
+          <a:bodyPr wrap="none" rtlCol="1">
+            <a:spAutoFit/>
+          </a:bodyPr>
+          <a:lstStyle/>
+          <a:p>
+            <a:r>
+              <a:rPr lang="he-IL" sz="4000" dirty="0" smtClean="0"/>
+              <a:t>מעון</a:t>
+            </a:r>
+            <a:endParaRPr lang="he-IL" sz="4000" dirty="0"/>
+          </a:p>
+        </p:txBody>
+      </p:sp>
+      <p:sp>
+        <p:nvSpPr>
+          <p:cNvPr id="49" name="מלבן מעוגל 48"/>
           <p:cNvSpPr/>
           <p:nvPr/>
         </p:nvSpPr>
         <p:spPr>
           <a:xfrm>
-            <a:off x="5715008" y="3286124"/>
+            <a:off x="142844" y="915399"/>
             <a:ext cx="1357322" cy="571504"/>
           </a:xfrm>
           <a:prstGeom prst="roundRect">
@@ -7837,7 +12170,7 @@
           <a:solidFill>
             <a:srgbClr val="00B0F0"/>
           </a:solidFill>
-          <a:ln w="38100">
+          <a:ln>
             <a:noFill/>
           </a:ln>
         </p:spPr>
@@ -7863,18 +12196,216 @@
           <a:p>
             <a:pPr algn="ctr"/>
             <a:r>
-              <a:rPr lang="he-IL" sz="1400" dirty="0" smtClean="0">
-                <a:solidFill>
-                  <a:schemeClr val="bg1"/>
-                </a:solidFill>
-              </a:rPr>
-              <a:t>כיצד להגן עליי ועל הסביבה</a:t>
-            </a:r>
-            <a:endParaRPr lang="he-IL" sz="1400" dirty="0">
-              <a:solidFill>
-                <a:schemeClr val="bg1"/>
-              </a:solidFill>
-            </a:endParaRPr>
+              <a:rPr lang="he-IL" dirty="0" smtClean="0"/>
+              <a:t>גלריה</a:t>
+            </a:r>
+            <a:endParaRPr lang="he-IL" dirty="0"/>
+          </a:p>
+        </p:txBody>
+      </p:sp>
+      <p:sp>
+        <p:nvSpPr>
+          <p:cNvPr id="53" name="מלבן מעוגל 52"/>
+          <p:cNvSpPr/>
+          <p:nvPr/>
+        </p:nvSpPr>
+        <p:spPr>
+          <a:xfrm>
+            <a:off x="7643834" y="928670"/>
+            <a:ext cx="1357322" cy="571504"/>
+          </a:xfrm>
+          <a:prstGeom prst="roundRect">
+            <a:avLst/>
+          </a:prstGeom>
+          <a:solidFill>
+            <a:srgbClr val="00B0F0"/>
+          </a:solidFill>
+          <a:ln>
+            <a:solidFill>
+              <a:schemeClr val="accent1">
+                <a:lumMod val="50000"/>
+              </a:schemeClr>
+            </a:solidFill>
+          </a:ln>
+        </p:spPr>
+        <p:style>
+          <a:lnRef idx="2">
+            <a:schemeClr val="accent1">
+              <a:shade val="50000"/>
+            </a:schemeClr>
+          </a:lnRef>
+          <a:fillRef idx="1">
+            <a:schemeClr val="accent1"/>
+          </a:fillRef>
+          <a:effectRef idx="0">
+            <a:schemeClr val="accent1"/>
+          </a:effectRef>
+          <a:fontRef idx="minor">
+            <a:schemeClr val="lt1"/>
+          </a:fontRef>
+        </p:style>
+        <p:txBody>
+          <a:bodyPr rtlCol="1" anchor="ctr"/>
+          <a:lstStyle/>
+          <a:p>
+            <a:pPr algn="ctr"/>
+            <a:r>
+              <a:rPr lang="he-IL" dirty="0" smtClean="0"/>
+              <a:t>פרטים אישיים</a:t>
+            </a:r>
+            <a:endParaRPr lang="he-IL" dirty="0"/>
+          </a:p>
+        </p:txBody>
+      </p:sp>
+      <p:sp>
+        <p:nvSpPr>
+          <p:cNvPr id="28" name="TextBox 27"/>
+          <p:cNvSpPr txBox="1"/>
+          <p:nvPr/>
+        </p:nvSpPr>
+        <p:spPr>
+          <a:xfrm>
+            <a:off x="3714744" y="2845354"/>
+            <a:ext cx="4929222" cy="369332"/>
+          </a:xfrm>
+          <a:prstGeom prst="rect">
+            <a:avLst/>
+          </a:prstGeom>
+          <a:noFill/>
+        </p:spPr>
+        <p:txBody>
+          <a:bodyPr wrap="square" rtlCol="1">
+            <a:spAutoFit/>
+          </a:bodyPr>
+          <a:lstStyle/>
+          <a:p>
+            <a:r>
+              <a:rPr lang="he-IL" dirty="0" smtClean="0"/>
+              <a:t>תאריך </a:t>
+            </a:r>
+            <a:r>
+              <a:rPr lang="he-IL" dirty="0" smtClean="0"/>
+              <a:t>לידה</a:t>
+            </a:r>
+            <a:endParaRPr lang="he-IL" dirty="0"/>
+          </a:p>
+        </p:txBody>
+      </p:sp>
+      <p:sp>
+        <p:nvSpPr>
+          <p:cNvPr id="29" name="TextBox 28"/>
+          <p:cNvSpPr txBox="1"/>
+          <p:nvPr/>
+        </p:nvSpPr>
+        <p:spPr>
+          <a:xfrm>
+            <a:off x="6072198" y="3273982"/>
+            <a:ext cx="2571768" cy="369332"/>
+          </a:xfrm>
+          <a:prstGeom prst="rect">
+            <a:avLst/>
+          </a:prstGeom>
+          <a:noFill/>
+        </p:spPr>
+        <p:txBody>
+          <a:bodyPr wrap="square" rtlCol="1">
+            <a:spAutoFit/>
+          </a:bodyPr>
+          <a:lstStyle/>
+          <a:p>
+            <a:r>
+              <a:rPr lang="he-IL" dirty="0" smtClean="0"/>
+              <a:t>בית </a:t>
+            </a:r>
+            <a:r>
+              <a:rPr lang="he-IL" dirty="0" err="1" smtClean="0"/>
+              <a:t>– 9</a:t>
+            </a:r>
+            <a:r>
+              <a:rPr lang="he-IL" dirty="0" smtClean="0"/>
+              <a:t> </a:t>
+            </a:r>
+            <a:r>
+              <a:rPr lang="he-IL" dirty="0" smtClean="0"/>
+              <a:t>קשת (לדוגמא)</a:t>
+            </a:r>
+            <a:endParaRPr lang="he-IL" dirty="0"/>
+          </a:p>
+        </p:txBody>
+      </p:sp>
+      <p:sp>
+        <p:nvSpPr>
+          <p:cNvPr id="30" name="TextBox 29"/>
+          <p:cNvSpPr txBox="1"/>
+          <p:nvPr/>
+        </p:nvSpPr>
+        <p:spPr>
+          <a:xfrm>
+            <a:off x="6500826" y="3690468"/>
+            <a:ext cx="2143140" cy="369332"/>
+          </a:xfrm>
+          <a:prstGeom prst="rect">
+            <a:avLst/>
+          </a:prstGeom>
+          <a:noFill/>
+        </p:spPr>
+        <p:txBody>
+          <a:bodyPr wrap="square" rtlCol="1">
+            <a:spAutoFit/>
+          </a:bodyPr>
+          <a:lstStyle/>
+          <a:p>
+            <a:r>
+              <a:rPr lang="he-IL" dirty="0" smtClean="0"/>
+              <a:t>קבוצה </a:t>
+            </a:r>
+            <a:r>
+              <a:rPr lang="he-IL" dirty="0" err="1" smtClean="0"/>
+              <a:t>– 2</a:t>
+            </a:r>
+            <a:r>
+              <a:rPr lang="he-IL" dirty="0" smtClean="0"/>
+              <a:t> (לדוגמא)</a:t>
+            </a:r>
+            <a:endParaRPr lang="he-IL" dirty="0"/>
+          </a:p>
+        </p:txBody>
+      </p:sp>
+      <p:sp>
+        <p:nvSpPr>
+          <p:cNvPr id="31" name="TextBox 30"/>
+          <p:cNvSpPr txBox="1"/>
+          <p:nvPr/>
+        </p:nvSpPr>
+        <p:spPr>
+          <a:xfrm>
+            <a:off x="4929190" y="4143380"/>
+            <a:ext cx="3714776" cy="369332"/>
+          </a:xfrm>
+          <a:prstGeom prst="rect">
+            <a:avLst/>
+          </a:prstGeom>
+          <a:noFill/>
+        </p:spPr>
+        <p:txBody>
+          <a:bodyPr wrap="square" rtlCol="1">
+            <a:spAutoFit/>
+          </a:bodyPr>
+          <a:lstStyle/>
+          <a:p>
+            <a:r>
+              <a:rPr lang="he-IL" dirty="0" smtClean="0"/>
+              <a:t>סדנה תעסוקתית - </a:t>
+            </a:r>
+            <a:r>
+              <a:rPr lang="he-IL" dirty="0" smtClean="0"/>
+              <a:t>ברוש (בנים</a:t>
+            </a:r>
+            <a:r>
+              <a:rPr lang="he-IL" dirty="0" smtClean="0"/>
+              <a:t>) -לדוגמא</a:t>
+            </a:r>
+            <a:endParaRPr lang="he-IL" dirty="0"/>
           </a:p>
         </p:txBody>
       </p:sp>
@@ -7893,7 +12424,7 @@
 </p:sld>
 </file>
 
-<file path=ppt/slides/slide7.xml><?xml version="1.0" encoding="utf-8"?>
+<file path=ppt/slides/slide8.xml><?xml version="1.0" encoding="utf-8"?>
 <p:sld xmlns:a="http://schemas.openxmlformats.org/drawingml/2006/main" xmlns:r="http://schemas.openxmlformats.org/officeDocument/2006/relationships" xmlns:p="http://schemas.openxmlformats.org/presentationml/2006/main">
   <p:cSld>
     <p:spTree>
@@ -7910,20 +12441,143 @@
           <a:chExt cx="0" cy="0"/>
         </a:xfrm>
       </p:grpSpPr>
-      <p:sp>
-        <p:nvSpPr>
-          <p:cNvPr id="4" name="מלבן מעוגל 3"/>
+      <p:grpSp>
+        <p:nvGrpSpPr>
+          <p:cNvPr id="2" name="קבוצה 40"/>
+          <p:cNvGrpSpPr/>
+          <p:nvPr/>
+        </p:nvGrpSpPr>
+        <p:grpSpPr>
+          <a:xfrm>
+            <a:off x="0" y="1928802"/>
+            <a:ext cx="2714644" cy="1460719"/>
+            <a:chOff x="-71470" y="1000108"/>
+            <a:chExt cx="2714644" cy="1460719"/>
+          </a:xfrm>
+        </p:grpSpPr>
+        <p:sp>
+          <p:nvSpPr>
+            <p:cNvPr id="4" name="מלבן מעוגל 3"/>
+            <p:cNvSpPr/>
+            <p:nvPr/>
+          </p:nvSpPr>
+          <p:spPr>
+            <a:xfrm>
+              <a:off x="71406" y="1000108"/>
+              <a:ext cx="2357454" cy="1460719"/>
+            </a:xfrm>
+            <a:prstGeom prst="roundRect">
+              <a:avLst/>
+            </a:prstGeom>
+          </p:spPr>
+          <p:style>
+            <a:lnRef idx="2">
+              <a:schemeClr val="accent1">
+                <a:shade val="50000"/>
+              </a:schemeClr>
+            </a:lnRef>
+            <a:fillRef idx="1">
+              <a:schemeClr val="accent1"/>
+            </a:fillRef>
+            <a:effectRef idx="0">
+              <a:schemeClr val="accent1"/>
+            </a:effectRef>
+            <a:fontRef idx="minor">
+              <a:schemeClr val="lt1"/>
+            </a:fontRef>
+          </p:style>
+          <p:txBody>
+            <a:bodyPr rtlCol="1" anchor="ctr"/>
+            <a:lstStyle/>
+            <a:p>
+              <a:pPr algn="ctr"/>
+              <a:endParaRPr lang="he-IL"/>
+            </a:p>
+          </p:txBody>
+        </p:sp>
+        <p:sp>
+          <p:nvSpPr>
+            <p:cNvPr id="5" name="TextBox 4"/>
+            <p:cNvSpPr txBox="1"/>
+            <p:nvPr/>
+          </p:nvSpPr>
+          <p:spPr>
+            <a:xfrm>
+              <a:off x="-71470" y="1500174"/>
+              <a:ext cx="2714644" cy="369332"/>
+            </a:xfrm>
+            <a:prstGeom prst="rect">
+              <a:avLst/>
+            </a:prstGeom>
+            <a:noFill/>
+          </p:spPr>
+          <p:txBody>
+            <a:bodyPr wrap="square" rtlCol="1">
+              <a:spAutoFit/>
+            </a:bodyPr>
+            <a:lstStyle/>
+            <a:p>
+              <a:pPr algn="ctr"/>
+              <a:r>
+                <a:rPr lang="he-IL" dirty="0" smtClean="0"/>
+                <a:t>תמונה</a:t>
+              </a:r>
+              <a:endParaRPr lang="he-IL" dirty="0"/>
+            </a:p>
+          </p:txBody>
+        </p:sp>
+      </p:grpSp>
+      <p:sp>
+        <p:nvSpPr>
+          <p:cNvPr id="6" name="TextBox 5"/>
+          <p:cNvSpPr txBox="1"/>
+          <p:nvPr/>
+        </p:nvSpPr>
+        <p:spPr>
+          <a:xfrm>
+            <a:off x="-285784" y="3429000"/>
+            <a:ext cx="3143272" cy="369332"/>
+          </a:xfrm>
+          <a:prstGeom prst="rect">
+            <a:avLst/>
+          </a:prstGeom>
+          <a:noFill/>
+        </p:spPr>
+        <p:txBody>
+          <a:bodyPr wrap="square" rtlCol="1">
+            <a:spAutoFit/>
+          </a:bodyPr>
+          <a:lstStyle/>
+          <a:p>
+            <a:pPr algn="ctr"/>
+            <a:r>
+              <a:rPr lang="he-IL" dirty="0" smtClean="0"/>
+              <a:t>שם הדייר</a:t>
+            </a:r>
+            <a:endParaRPr lang="he-IL" dirty="0"/>
+          </a:p>
+        </p:txBody>
+      </p:sp>
+      <p:sp>
+        <p:nvSpPr>
+          <p:cNvPr id="14" name="מלבן 13"/>
           <p:cNvSpPr/>
           <p:nvPr/>
         </p:nvSpPr>
         <p:spPr>
           <a:xfrm>
-            <a:off x="71406" y="1000108"/>
-            <a:ext cx="2357454" cy="1460719"/>
-          </a:xfrm>
-          <a:prstGeom prst="roundRect">
-            <a:avLst/>
-          </a:prstGeom>
+            <a:off x="2928926" y="2143116"/>
+            <a:ext cx="928694" cy="214314"/>
+          </a:xfrm>
+          <a:prstGeom prst="rect">
+            <a:avLst/>
+          </a:prstGeom>
+          <a:solidFill>
+            <a:srgbClr val="00B050"/>
+          </a:solidFill>
+          <a:ln>
+            <a:noFill/>
+          </a:ln>
         </p:spPr>
         <p:style>
           <a:lnRef idx="2">
@@ -7946,280 +12600,29 @@
           <a:lstStyle/>
           <a:p>
             <a:pPr algn="ctr"/>
-            <a:endParaRPr lang="he-IL"/>
-          </a:p>
-        </p:txBody>
-      </p:sp>
-      <p:sp>
-        <p:nvSpPr>
-          <p:cNvPr id="5" name="TextBox 4"/>
-          <p:cNvSpPr txBox="1"/>
-          <p:nvPr/>
-        </p:nvSpPr>
-        <p:spPr>
-          <a:xfrm>
-            <a:off x="-71470" y="1500174"/>
-            <a:ext cx="2714644" cy="369332"/>
-          </a:xfrm>
-          <a:prstGeom prst="rect">
+            <a:r>
+              <a:rPr lang="he-IL" dirty="0" smtClean="0"/>
+              <a:t>עריכה</a:t>
+            </a:r>
+            <a:endParaRPr lang="he-IL" dirty="0"/>
+          </a:p>
+        </p:txBody>
+      </p:sp>
+      <p:sp>
+        <p:nvSpPr>
+          <p:cNvPr id="15" name="מלבן מעוגל 14"/>
+          <p:cNvSpPr/>
+          <p:nvPr/>
+        </p:nvSpPr>
+        <p:spPr>
+          <a:xfrm>
+            <a:off x="0" y="0"/>
+            <a:ext cx="9144000" cy="857232"/>
+          </a:xfrm>
+          <a:prstGeom prst="roundRect">
             <a:avLst/>
           </a:prstGeom>
           <a:noFill/>
-        </p:spPr>
-        <p:txBody>
-          <a:bodyPr wrap="square" rtlCol="1">
-            <a:spAutoFit/>
-          </a:bodyPr>
-          <a:lstStyle/>
-          <a:p>
-            <a:pPr algn="ctr"/>
-            <a:r>
-              <a:rPr lang="he-IL" dirty="0" smtClean="0"/>
-              <a:t>תמונה</a:t>
-            </a:r>
-            <a:endParaRPr lang="he-IL" dirty="0"/>
-          </a:p>
-        </p:txBody>
-      </p:sp>
-      <p:sp>
-        <p:nvSpPr>
-          <p:cNvPr id="6" name="TextBox 5"/>
-          <p:cNvSpPr txBox="1"/>
-          <p:nvPr/>
-        </p:nvSpPr>
-        <p:spPr>
-          <a:xfrm>
-            <a:off x="6000728" y="857232"/>
-            <a:ext cx="3143272" cy="523220"/>
-          </a:xfrm>
-          <a:prstGeom prst="rect">
-            <a:avLst/>
-          </a:prstGeom>
-          <a:noFill/>
-        </p:spPr>
-        <p:txBody>
-          <a:bodyPr wrap="square" rtlCol="1">
-            <a:spAutoFit/>
-          </a:bodyPr>
-          <a:lstStyle/>
-          <a:p>
-            <a:pPr algn="ctr"/>
-            <a:r>
-              <a:rPr lang="he-IL" sz="2800" dirty="0" smtClean="0"/>
-              <a:t>שם הדייר</a:t>
-            </a:r>
-            <a:endParaRPr lang="he-IL" sz="2800" dirty="0"/>
-          </a:p>
-        </p:txBody>
-      </p:sp>
-      <p:sp>
-        <p:nvSpPr>
-          <p:cNvPr id="7" name="TextBox 6"/>
-          <p:cNvSpPr txBox="1"/>
-          <p:nvPr/>
-        </p:nvSpPr>
-        <p:spPr>
-          <a:xfrm>
-            <a:off x="6500826" y="1285860"/>
-            <a:ext cx="2143140" cy="369332"/>
-          </a:xfrm>
-          <a:prstGeom prst="rect">
-            <a:avLst/>
-          </a:prstGeom>
-          <a:noFill/>
-        </p:spPr>
-        <p:txBody>
-          <a:bodyPr wrap="square" rtlCol="1">
-            <a:spAutoFit/>
-          </a:bodyPr>
-          <a:lstStyle/>
-          <a:p>
-            <a:r>
-              <a:rPr lang="he-IL" dirty="0" smtClean="0"/>
-              <a:t>תאריך לידה</a:t>
-            </a:r>
-            <a:endParaRPr lang="he-IL" dirty="0"/>
-          </a:p>
-        </p:txBody>
-      </p:sp>
-      <p:sp>
-        <p:nvSpPr>
-          <p:cNvPr id="8" name="TextBox 7"/>
-          <p:cNvSpPr txBox="1"/>
-          <p:nvPr/>
-        </p:nvSpPr>
-        <p:spPr>
-          <a:xfrm>
-            <a:off x="6500826" y="1643050"/>
-            <a:ext cx="2143140" cy="369332"/>
-          </a:xfrm>
-          <a:prstGeom prst="rect">
-            <a:avLst/>
-          </a:prstGeom>
-          <a:noFill/>
-        </p:spPr>
-        <p:txBody>
-          <a:bodyPr wrap="square" rtlCol="1">
-            <a:spAutoFit/>
-          </a:bodyPr>
-          <a:lstStyle/>
-          <a:p>
-            <a:r>
-              <a:rPr lang="he-IL" dirty="0" smtClean="0"/>
-              <a:t>מספרי טלפון</a:t>
-            </a:r>
-            <a:endParaRPr lang="he-IL" dirty="0"/>
-          </a:p>
-        </p:txBody>
-      </p:sp>
-      <p:sp>
-        <p:nvSpPr>
-          <p:cNvPr id="9" name="TextBox 8"/>
-          <p:cNvSpPr txBox="1"/>
-          <p:nvPr/>
-        </p:nvSpPr>
-        <p:spPr>
-          <a:xfrm>
-            <a:off x="6500826" y="2000240"/>
-            <a:ext cx="2143140" cy="369332"/>
-          </a:xfrm>
-          <a:prstGeom prst="rect">
-            <a:avLst/>
-          </a:prstGeom>
-          <a:noFill/>
-        </p:spPr>
-        <p:txBody>
-          <a:bodyPr wrap="square" rtlCol="1">
-            <a:spAutoFit/>
-          </a:bodyPr>
-          <a:lstStyle/>
-          <a:p>
-            <a:r>
-              <a:rPr lang="he-IL" dirty="0" smtClean="0"/>
-              <a:t>כתובת</a:t>
-            </a:r>
-            <a:endParaRPr lang="he-IL" dirty="0"/>
-          </a:p>
-        </p:txBody>
-      </p:sp>
-      <p:sp>
-        <p:nvSpPr>
-          <p:cNvPr id="10" name="TextBox 9"/>
-          <p:cNvSpPr txBox="1"/>
-          <p:nvPr/>
-        </p:nvSpPr>
-        <p:spPr>
-          <a:xfrm>
-            <a:off x="3857620" y="1285860"/>
-            <a:ext cx="2143140" cy="369332"/>
-          </a:xfrm>
-          <a:prstGeom prst="rect">
-            <a:avLst/>
-          </a:prstGeom>
-          <a:noFill/>
-        </p:spPr>
-        <p:txBody>
-          <a:bodyPr wrap="square" rtlCol="1">
-            <a:spAutoFit/>
-          </a:bodyPr>
-          <a:lstStyle/>
-          <a:p>
-            <a:r>
-              <a:rPr lang="he-IL" dirty="0" smtClean="0"/>
-              <a:t>בית </a:t>
-            </a:r>
-            <a:r>
-              <a:rPr lang="he-IL" dirty="0" err="1" smtClean="0"/>
-              <a:t>– 9</a:t>
-            </a:r>
-            <a:r>
-              <a:rPr lang="he-IL" dirty="0" smtClean="0"/>
-              <a:t> קשת</a:t>
-            </a:r>
-            <a:endParaRPr lang="he-IL" dirty="0"/>
-          </a:p>
-        </p:txBody>
-      </p:sp>
-      <p:sp>
-        <p:nvSpPr>
-          <p:cNvPr id="11" name="TextBox 10"/>
-          <p:cNvSpPr txBox="1"/>
-          <p:nvPr/>
-        </p:nvSpPr>
-        <p:spPr>
-          <a:xfrm>
-            <a:off x="3857620" y="1643050"/>
-            <a:ext cx="2143140" cy="369332"/>
-          </a:xfrm>
-          <a:prstGeom prst="rect">
-            <a:avLst/>
-          </a:prstGeom>
-          <a:noFill/>
-        </p:spPr>
-        <p:txBody>
-          <a:bodyPr wrap="square" rtlCol="1">
-            <a:spAutoFit/>
-          </a:bodyPr>
-          <a:lstStyle/>
-          <a:p>
-            <a:r>
-              <a:rPr lang="he-IL" dirty="0" smtClean="0"/>
-              <a:t>קבוצה - 2</a:t>
-            </a:r>
-            <a:endParaRPr lang="he-IL" dirty="0"/>
-          </a:p>
-        </p:txBody>
-      </p:sp>
-      <p:sp>
-        <p:nvSpPr>
-          <p:cNvPr id="12" name="TextBox 11"/>
-          <p:cNvSpPr txBox="1"/>
-          <p:nvPr/>
-        </p:nvSpPr>
-        <p:spPr>
-          <a:xfrm>
-            <a:off x="3143240" y="2000240"/>
-            <a:ext cx="2857520" cy="369332"/>
-          </a:xfrm>
-          <a:prstGeom prst="rect">
-            <a:avLst/>
-          </a:prstGeom>
-          <a:noFill/>
-        </p:spPr>
-        <p:txBody>
-          <a:bodyPr wrap="square" rtlCol="1">
-            <a:spAutoFit/>
-          </a:bodyPr>
-          <a:lstStyle/>
-          <a:p>
-            <a:r>
-              <a:rPr lang="he-IL" dirty="0" smtClean="0"/>
-              <a:t>קבוצת תעסוקה - ברוש (בנים)</a:t>
-            </a:r>
-            <a:endParaRPr lang="he-IL" dirty="0"/>
-          </a:p>
-        </p:txBody>
-      </p:sp>
-      <p:sp>
-        <p:nvSpPr>
-          <p:cNvPr id="13" name="מלבן 12"/>
-          <p:cNvSpPr/>
-          <p:nvPr/>
-        </p:nvSpPr>
-        <p:spPr>
-          <a:xfrm>
-            <a:off x="214282" y="2643182"/>
-            <a:ext cx="428628" cy="285752"/>
-          </a:xfrm>
-          <a:prstGeom prst="rect">
-            <a:avLst/>
-          </a:prstGeom>
-          <a:solidFill>
-            <a:srgbClr val="00B050"/>
-          </a:solidFill>
-          <a:ln>
-            <a:noFill/>
-          </a:ln>
         </p:spPr>
         <p:style>
           <a:lnRef idx="2">
@@ -8246,98 +12649,9 @@
           </a:p>
         </p:txBody>
       </p:sp>
-      <p:sp>
-        <p:nvSpPr>
-          <p:cNvPr id="14" name="מלבן 13">
-            <a:hlinkClick r:id="" action="ppaction://hlinkshowjump?jump=nextslide"/>
-          </p:cNvPr>
-          <p:cNvSpPr/>
-          <p:nvPr/>
-        </p:nvSpPr>
-        <p:spPr>
-          <a:xfrm>
-            <a:off x="2571736" y="1071546"/>
-            <a:ext cx="428628" cy="285752"/>
-          </a:xfrm>
-          <a:prstGeom prst="rect">
-            <a:avLst/>
-          </a:prstGeom>
-          <a:solidFill>
-            <a:srgbClr val="00B050"/>
-          </a:solidFill>
-          <a:ln>
-            <a:noFill/>
-          </a:ln>
-        </p:spPr>
-        <p:style>
-          <a:lnRef idx="2">
-            <a:schemeClr val="accent1">
-              <a:shade val="50000"/>
-            </a:schemeClr>
-          </a:lnRef>
-          <a:fillRef idx="1">
-            <a:schemeClr val="accent1"/>
-          </a:fillRef>
-          <a:effectRef idx="0">
-            <a:schemeClr val="accent1"/>
-          </a:effectRef>
-          <a:fontRef idx="minor">
-            <a:schemeClr val="lt1"/>
-          </a:fontRef>
-        </p:style>
-        <p:txBody>
-          <a:bodyPr rtlCol="1" anchor="ctr"/>
-          <a:lstStyle/>
-          <a:p>
-            <a:pPr algn="ctr"/>
-            <a:endParaRPr lang="he-IL"/>
-          </a:p>
-        </p:txBody>
-      </p:sp>
-      <p:sp>
-        <p:nvSpPr>
-          <p:cNvPr id="15" name="מלבן מעוגל 14"/>
-          <p:cNvSpPr/>
-          <p:nvPr/>
-        </p:nvSpPr>
-        <p:spPr>
-          <a:xfrm>
-            <a:off x="0" y="0"/>
-            <a:ext cx="9144000" cy="857232"/>
-          </a:xfrm>
-          <a:prstGeom prst="roundRect">
-            <a:avLst/>
-          </a:prstGeom>
-          <a:noFill/>
-        </p:spPr>
-        <p:style>
-          <a:lnRef idx="2">
-            <a:schemeClr val="accent1">
-              <a:shade val="50000"/>
-            </a:schemeClr>
-          </a:lnRef>
-          <a:fillRef idx="1">
-            <a:schemeClr val="accent1"/>
-          </a:fillRef>
-          <a:effectRef idx="0">
-            <a:schemeClr val="accent1"/>
-          </a:effectRef>
-          <a:fontRef idx="minor">
-            <a:schemeClr val="lt1"/>
-          </a:fontRef>
-        </p:style>
-        <p:txBody>
-          <a:bodyPr rtlCol="1" anchor="ctr"/>
-          <a:lstStyle/>
-          <a:p>
-            <a:pPr algn="ctr"/>
-            <a:endParaRPr lang="he-IL"/>
-          </a:p>
-        </p:txBody>
-      </p:sp>
       <p:grpSp>
         <p:nvGrpSpPr>
-          <p:cNvPr id="2" name="קבוצה 17"/>
+          <p:cNvPr id="3" name="קבוצה 17"/>
           <p:cNvGrpSpPr/>
           <p:nvPr/>
         </p:nvGrpSpPr>
@@ -8583,7 +12897,7 @@
         </p:nvCxnSpPr>
         <p:spPr>
           <a:xfrm>
-            <a:off x="0" y="3998916"/>
+            <a:off x="0" y="1785926"/>
             <a:ext cx="9144000" cy="1588"/>
           </a:xfrm>
           <a:prstGeom prst="line">
@@ -8613,7 +12927,7 @@
         </p:nvSpPr>
         <p:spPr>
           <a:xfrm>
-            <a:off x="2643174" y="3286124"/>
+            <a:off x="1643042" y="928670"/>
             <a:ext cx="1357322" cy="571504"/>
           </a:xfrm>
           <a:prstGeom prst="roundRect">
@@ -8647,7 +12961,11 @@
           <a:lstStyle/>
           <a:p>
             <a:pPr algn="ctr"/>
-            <a:endParaRPr lang="he-IL"/>
+            <a:r>
+              <a:rPr lang="he-IL" dirty="0" smtClean="0"/>
+              <a:t>מה אני אוהב לעשות?</a:t>
+            </a:r>
+            <a:endParaRPr lang="he-IL" dirty="0"/>
           </a:p>
         </p:txBody>
       </p:sp>
@@ -8659,7 +12977,7 @@
         </p:nvSpPr>
         <p:spPr>
           <a:xfrm>
-            <a:off x="4214810" y="3286124"/>
+            <a:off x="3143240" y="928670"/>
             <a:ext cx="1357322" cy="571504"/>
           </a:xfrm>
           <a:prstGeom prst="roundRect">
@@ -8693,21 +13011,23 @@
           <a:lstStyle/>
           <a:p>
             <a:pPr algn="ctr"/>
-            <a:endParaRPr lang="he-IL"/>
-          </a:p>
-        </p:txBody>
-      </p:sp>
-      <p:sp>
-        <p:nvSpPr>
-          <p:cNvPr id="38" name="מלבן מעוגל 37">
-            <a:hlinkClick r:id="" action="ppaction://hlinkshowjump?jump=previousslide"/>
-          </p:cNvPr>
+            <a:r>
+              <a:rPr lang="he-IL" dirty="0" smtClean="0"/>
+              <a:t>מטרות קידום</a:t>
+            </a:r>
+            <a:endParaRPr lang="he-IL" dirty="0"/>
+          </a:p>
+        </p:txBody>
+      </p:sp>
+      <p:sp>
+        <p:nvSpPr>
+          <p:cNvPr id="38" name="מלבן מעוגל 37"/>
           <p:cNvSpPr/>
           <p:nvPr/>
         </p:nvSpPr>
         <p:spPr>
           <a:xfrm>
-            <a:off x="7358082" y="3286124"/>
+            <a:off x="6143636" y="928670"/>
             <a:ext cx="1357322" cy="571504"/>
           </a:xfrm>
           <a:prstGeom prst="roundRect">
@@ -8717,7 +13037,11 @@
             <a:srgbClr val="00B0F0"/>
           </a:solidFill>
           <a:ln w="38100">
-            <a:noFill/>
+            <a:solidFill>
+              <a:schemeClr val="accent2">
+                <a:lumMod val="50000"/>
+              </a:schemeClr>
+            </a:solidFill>
           </a:ln>
         </p:spPr>
         <p:style>
@@ -8743,7 +13067,7 @@
             <a:pPr algn="ctr"/>
             <a:r>
               <a:rPr lang="he-IL" dirty="0" smtClean="0"/>
-              <a:t>יכולות</a:t>
+              <a:t>הערכה תפקודית</a:t>
             </a:r>
             <a:endParaRPr lang="he-IL" dirty="0"/>
           </a:p>
@@ -8751,130 +13075,24 @@
       </p:sp>
       <p:sp>
         <p:nvSpPr>
-          <p:cNvPr id="40" name="TextBox 39"/>
-          <p:cNvSpPr txBox="1"/>
-          <p:nvPr/>
-        </p:nvSpPr>
-        <p:spPr>
-          <a:xfrm>
-            <a:off x="3071802" y="4000504"/>
-            <a:ext cx="3500462" cy="461665"/>
-          </a:xfrm>
-          <a:prstGeom prst="rect">
-            <a:avLst/>
-          </a:prstGeom>
-          <a:noFill/>
-        </p:spPr>
-        <p:txBody>
-          <a:bodyPr wrap="square" rtlCol="1">
-            <a:spAutoFit/>
-          </a:bodyPr>
-          <a:lstStyle/>
-          <a:p>
-            <a:pPr algn="ctr"/>
-            <a:r>
-              <a:rPr lang="he-IL" sz="2400" dirty="0" smtClean="0"/>
-              <a:t>כיצד להגן עליי ועל הסביבה</a:t>
-            </a:r>
-            <a:endParaRPr lang="he-IL" dirty="0"/>
-          </a:p>
-        </p:txBody>
-      </p:sp>
-      <p:sp>
-        <p:nvSpPr>
-          <p:cNvPr id="43" name="TextBox 42"/>
-          <p:cNvSpPr txBox="1"/>
-          <p:nvPr/>
-        </p:nvSpPr>
-        <p:spPr>
-          <a:xfrm>
-            <a:off x="4286248" y="3357562"/>
-            <a:ext cx="1214446" cy="369332"/>
-          </a:xfrm>
-          <a:prstGeom prst="rect">
-            <a:avLst/>
-          </a:prstGeom>
-          <a:noFill/>
-        </p:spPr>
-        <p:txBody>
-          <a:bodyPr wrap="square" rtlCol="1">
-            <a:spAutoFit/>
-          </a:bodyPr>
-          <a:lstStyle/>
-          <a:p>
-            <a:r>
-              <a:rPr lang="he-IL" dirty="0" smtClean="0">
-                <a:solidFill>
-                  <a:schemeClr val="bg1"/>
-                </a:solidFill>
-              </a:rPr>
-              <a:t>הקידום שלי</a:t>
-            </a:r>
-            <a:endParaRPr lang="he-IL" dirty="0">
-              <a:solidFill>
-                <a:schemeClr val="bg1"/>
-              </a:solidFill>
-            </a:endParaRPr>
-          </a:p>
-        </p:txBody>
-      </p:sp>
-      <p:sp>
-        <p:nvSpPr>
-          <p:cNvPr id="44" name="TextBox 43"/>
-          <p:cNvSpPr txBox="1"/>
-          <p:nvPr/>
-        </p:nvSpPr>
-        <p:spPr>
-          <a:xfrm>
-            <a:off x="2714612" y="3286124"/>
-            <a:ext cx="1214446" cy="584775"/>
-          </a:xfrm>
-          <a:prstGeom prst="rect">
-            <a:avLst/>
-          </a:prstGeom>
-          <a:noFill/>
-        </p:spPr>
-        <p:txBody>
-          <a:bodyPr wrap="square" rtlCol="1">
-            <a:spAutoFit/>
-          </a:bodyPr>
-          <a:lstStyle/>
-          <a:p>
-            <a:pPr algn="ctr"/>
-            <a:r>
-              <a:rPr lang="he-IL" sz="1600" dirty="0" smtClean="0">
-                <a:solidFill>
-                  <a:schemeClr val="bg1"/>
-                </a:solidFill>
-              </a:rPr>
-              <a:t>מה אני אוהב לעשות?</a:t>
-            </a:r>
-            <a:endParaRPr lang="he-IL" sz="1600" dirty="0">
-              <a:solidFill>
-                <a:schemeClr val="bg1"/>
-              </a:solidFill>
-            </a:endParaRPr>
-          </a:p>
-        </p:txBody>
-      </p:sp>
-      <p:sp>
-        <p:nvSpPr>
-          <p:cNvPr id="45" name="מלבן מעוגל 44"/>
+          <p:cNvPr id="48" name="מלבן מעוגל 47">
+            <a:hlinkClick r:id="" action="ppaction://hlinkshowjump?jump=nextslide"/>
+          </p:cNvPr>
           <p:cNvSpPr/>
           <p:nvPr/>
         </p:nvSpPr>
         <p:spPr>
           <a:xfrm>
-            <a:off x="857224" y="2571744"/>
-            <a:ext cx="1357322" cy="428628"/>
+            <a:off x="4643438" y="928670"/>
+            <a:ext cx="1357322" cy="571504"/>
           </a:xfrm>
           <a:prstGeom prst="roundRect">
             <a:avLst/>
           </a:prstGeom>
           <a:solidFill>
-            <a:srgbClr val="00B050"/>
+            <a:srgbClr val="00B0F0"/>
           </a:solidFill>
-          <a:ln>
+          <a:ln w="38100">
             <a:noFill/>
           </a:ln>
         </p:spPr>
@@ -8899,9 +13117,17 @@
           <a:lstStyle/>
           <a:p>
             <a:pPr algn="ctr"/>
-            <a:endParaRPr lang="he-IL" dirty="0">
+            <a:r>
+              <a:rPr lang="he-IL" sz="1400" dirty="0" smtClean="0">
+                <a:solidFill>
+                  <a:schemeClr val="bg1"/>
+                </a:solidFill>
+              </a:rPr>
+              <a:t>כיצד להגן עליי </a:t>
+            </a:r>
+            <a:endParaRPr lang="he-IL" sz="1400" dirty="0">
               <a:solidFill>
-                <a:srgbClr val="00B050"/>
+                <a:schemeClr val="bg1"/>
               </a:solidFill>
             </a:endParaRPr>
           </a:p>
@@ -8909,45 +13135,14 @@
       </p:sp>
       <p:sp>
         <p:nvSpPr>
-          <p:cNvPr id="46" name="TextBox 45"/>
-          <p:cNvSpPr txBox="1"/>
-          <p:nvPr/>
-        </p:nvSpPr>
-        <p:spPr>
-          <a:xfrm>
-            <a:off x="928662" y="2571744"/>
-            <a:ext cx="1214446" cy="369332"/>
-          </a:xfrm>
-          <a:prstGeom prst="rect">
-            <a:avLst/>
-          </a:prstGeom>
-          <a:noFill/>
-        </p:spPr>
-        <p:txBody>
-          <a:bodyPr wrap="square" rtlCol="1">
-            <a:spAutoFit/>
-          </a:bodyPr>
-          <a:lstStyle/>
-          <a:p>
-            <a:pPr algn="ctr"/>
-            <a:r>
-              <a:rPr lang="he-IL" dirty="0" smtClean="0"/>
-              <a:t>צפייה בלו"ז</a:t>
-            </a:r>
-            <a:endParaRPr lang="he-IL" dirty="0"/>
-          </a:p>
-        </p:txBody>
-      </p:sp>
-      <p:sp>
-        <p:nvSpPr>
-          <p:cNvPr id="47" name="מלבן 46"/>
+          <p:cNvPr id="32" name="מלבן 31"/>
           <p:cNvSpPr/>
           <p:nvPr/>
         </p:nvSpPr>
         <p:spPr>
           <a:xfrm>
-            <a:off x="214282" y="4143380"/>
-            <a:ext cx="428628" cy="285752"/>
+            <a:off x="214282" y="3857628"/>
+            <a:ext cx="1000132" cy="142876"/>
           </a:xfrm>
           <a:prstGeom prst="rect">
             <a:avLst/>
@@ -8980,19 +13175,53 @@
           <a:lstStyle/>
           <a:p>
             <a:pPr algn="ctr"/>
-            <a:endParaRPr lang="he-IL"/>
-          </a:p>
-        </p:txBody>
-      </p:sp>
-      <p:sp>
-        <p:nvSpPr>
-          <p:cNvPr id="33" name="מלבן מעוגל 32"/>
+            <a:r>
+              <a:rPr lang="he-IL" dirty="0" smtClean="0"/>
+              <a:t>עריכה</a:t>
+            </a:r>
+            <a:endParaRPr lang="he-IL" dirty="0"/>
+          </a:p>
+        </p:txBody>
+      </p:sp>
+      <p:sp>
+        <p:nvSpPr>
+          <p:cNvPr id="33" name="TextBox 32"/>
+          <p:cNvSpPr txBox="1"/>
+          <p:nvPr/>
+        </p:nvSpPr>
+        <p:spPr>
+          <a:xfrm>
+            <a:off x="10596981" y="500042"/>
+            <a:ext cx="1016625" cy="707886"/>
+          </a:xfrm>
+          <a:prstGeom prst="rect">
+            <a:avLst/>
+          </a:prstGeom>
+          <a:noFill/>
+        </p:spPr>
+        <p:txBody>
+          <a:bodyPr wrap="none" rtlCol="1">
+            <a:spAutoFit/>
+          </a:bodyPr>
+          <a:lstStyle/>
+          <a:p>
+            <a:r>
+              <a:rPr lang="he-IL" sz="4000" dirty="0" smtClean="0"/>
+              <a:t>מעון</a:t>
+            </a:r>
+            <a:endParaRPr lang="he-IL" sz="4000" dirty="0"/>
+          </a:p>
+        </p:txBody>
+      </p:sp>
+      <p:sp>
+        <p:nvSpPr>
+          <p:cNvPr id="49" name="מלבן מעוגל 48"/>
           <p:cNvSpPr/>
           <p:nvPr/>
         </p:nvSpPr>
         <p:spPr>
           <a:xfrm>
-            <a:off x="5786446" y="3286124"/>
+            <a:off x="142844" y="915399"/>
             <a:ext cx="1357322" cy="571504"/>
           </a:xfrm>
           <a:prstGeom prst="roundRect">
@@ -9001,10 +13230,8 @@
           <a:solidFill>
             <a:srgbClr val="00B0F0"/>
           </a:solidFill>
-          <a:ln w="38100">
-            <a:solidFill>
-              <a:schemeClr val="tx2"/>
-            </a:solidFill>
+          <a:ln>
+            <a:noFill/>
           </a:ln>
         </p:spPr>
         <p:style>
@@ -9029,18 +13256,184 @@
           <a:p>
             <a:pPr algn="ctr"/>
             <a:r>
-              <a:rPr lang="he-IL" sz="1400" dirty="0" smtClean="0">
-                <a:solidFill>
-                  <a:schemeClr val="bg1"/>
-                </a:solidFill>
-              </a:rPr>
-              <a:t>כיצד להגן עליי ועל הסביבה</a:t>
-            </a:r>
-            <a:endParaRPr lang="he-IL" sz="1400" dirty="0">
-              <a:solidFill>
-                <a:schemeClr val="bg1"/>
-              </a:solidFill>
-            </a:endParaRPr>
+              <a:rPr lang="he-IL" dirty="0" smtClean="0"/>
+              <a:t>גלריה</a:t>
+            </a:r>
+            <a:endParaRPr lang="he-IL" dirty="0"/>
+          </a:p>
+        </p:txBody>
+      </p:sp>
+      <p:sp>
+        <p:nvSpPr>
+          <p:cNvPr id="53" name="מלבן מעוגל 52"/>
+          <p:cNvSpPr/>
+          <p:nvPr/>
+        </p:nvSpPr>
+        <p:spPr>
+          <a:xfrm>
+            <a:off x="7643834" y="928670"/>
+            <a:ext cx="1357322" cy="571504"/>
+          </a:xfrm>
+          <a:prstGeom prst="roundRect">
+            <a:avLst/>
+          </a:prstGeom>
+          <a:solidFill>
+            <a:srgbClr val="00B0F0"/>
+          </a:solidFill>
+          <a:ln>
+            <a:noFill/>
+          </a:ln>
+        </p:spPr>
+        <p:style>
+          <a:lnRef idx="2">
+            <a:schemeClr val="accent1">
+              <a:shade val="50000"/>
+            </a:schemeClr>
+          </a:lnRef>
+          <a:fillRef idx="1">
+            <a:schemeClr val="accent1"/>
+          </a:fillRef>
+          <a:effectRef idx="0">
+            <a:schemeClr val="accent1"/>
+          </a:effectRef>
+          <a:fontRef idx="minor">
+            <a:schemeClr val="lt1"/>
+          </a:fontRef>
+        </p:style>
+        <p:txBody>
+          <a:bodyPr rtlCol="1" anchor="ctr"/>
+          <a:lstStyle/>
+          <a:p>
+            <a:pPr algn="ctr"/>
+            <a:r>
+              <a:rPr lang="he-IL" dirty="0" smtClean="0"/>
+              <a:t>פרטים אישיים</a:t>
+            </a:r>
+            <a:endParaRPr lang="he-IL" dirty="0"/>
+          </a:p>
+        </p:txBody>
+      </p:sp>
+      <p:sp>
+        <p:nvSpPr>
+          <p:cNvPr id="37" name="TextBox 36"/>
+          <p:cNvSpPr txBox="1"/>
+          <p:nvPr/>
+        </p:nvSpPr>
+        <p:spPr>
+          <a:xfrm>
+            <a:off x="4286248" y="1928802"/>
+            <a:ext cx="3000396" cy="584775"/>
+          </a:xfrm>
+          <a:prstGeom prst="rect">
+            <a:avLst/>
+          </a:prstGeom>
+          <a:noFill/>
+        </p:spPr>
+        <p:txBody>
+          <a:bodyPr wrap="square" rtlCol="1">
+            <a:spAutoFit/>
+          </a:bodyPr>
+          <a:lstStyle/>
+          <a:p>
+            <a:pPr algn="ctr"/>
+            <a:r>
+              <a:rPr lang="he-IL" sz="3200" dirty="0" smtClean="0"/>
+              <a:t>הערכה תפקודית</a:t>
+            </a:r>
+            <a:endParaRPr lang="he-IL" sz="3200" dirty="0"/>
+          </a:p>
+        </p:txBody>
+      </p:sp>
+      <p:sp>
+        <p:nvSpPr>
+          <p:cNvPr id="39" name="TextBox 38"/>
+          <p:cNvSpPr txBox="1"/>
+          <p:nvPr/>
+        </p:nvSpPr>
+        <p:spPr>
+          <a:xfrm>
+            <a:off x="6929454" y="2643182"/>
+            <a:ext cx="1857388" cy="2862322"/>
+          </a:xfrm>
+          <a:prstGeom prst="rect">
+            <a:avLst/>
+          </a:prstGeom>
+          <a:noFill/>
+        </p:spPr>
+        <p:txBody>
+          <a:bodyPr wrap="square" rtlCol="1">
+            <a:spAutoFit/>
+          </a:bodyPr>
+          <a:lstStyle/>
+          <a:p>
+            <a:r>
+              <a:rPr lang="he-IL" sz="2000" dirty="0" smtClean="0"/>
+              <a:t>תקשורת</a:t>
+            </a:r>
+            <a:r>
+              <a:rPr lang="he-IL" sz="2000" dirty="0" smtClean="0"/>
+              <a:t/>
+            </a:r>
+            <a:br>
+              <a:rPr lang="he-IL" sz="2000" dirty="0" smtClean="0"/>
+            </a:br>
+            <a:r>
+              <a:rPr lang="he-IL" sz="2000" dirty="0" smtClean="0"/>
+              <a:t>אכילה</a:t>
+            </a:r>
+            <a:br>
+              <a:rPr lang="he-IL" sz="2000" dirty="0" smtClean="0"/>
+            </a:br>
+            <a:r>
+              <a:rPr lang="he-IL" sz="2000" dirty="0" smtClean="0"/>
+              <a:t>הליכה</a:t>
+            </a:r>
+            <a:br>
+              <a:rPr lang="he-IL" sz="2000" dirty="0" smtClean="0"/>
+            </a:br>
+            <a:r>
+              <a:rPr lang="he-IL" sz="2000" dirty="0" smtClean="0"/>
+              <a:t>שתייה</a:t>
+            </a:r>
+            <a:br>
+              <a:rPr lang="he-IL" sz="2000" dirty="0" smtClean="0"/>
+            </a:br>
+            <a:r>
+              <a:rPr lang="he-IL" sz="2000" dirty="0" smtClean="0"/>
+              <a:t>רחצה</a:t>
+            </a:r>
+            <a:br>
+              <a:rPr lang="he-IL" sz="2000" dirty="0" smtClean="0"/>
+            </a:br>
+            <a:r>
+              <a:rPr lang="he-IL" sz="2000" dirty="0" smtClean="0"/>
+              <a:t>שירותים</a:t>
+            </a:r>
+            <a:r>
+              <a:rPr lang="he-IL" sz="2000" dirty="0" smtClean="0"/>
+              <a:t/>
+            </a:r>
+            <a:br>
+              <a:rPr lang="he-IL" sz="2000" dirty="0" smtClean="0"/>
+            </a:br>
+            <a:r>
+              <a:rPr lang="he-IL" sz="2000" dirty="0" smtClean="0"/>
+              <a:t>לבוש</a:t>
+            </a:r>
+            <a:br>
+              <a:rPr lang="he-IL" sz="2000" dirty="0" smtClean="0"/>
+            </a:br>
+            <a:r>
+              <a:rPr lang="he-IL" sz="2000" dirty="0" smtClean="0"/>
+              <a:t>החפצים </a:t>
+            </a:r>
+            <a:r>
+              <a:rPr lang="he-IL" sz="2000" dirty="0" smtClean="0"/>
+              <a:t>שלי</a:t>
+            </a:r>
+          </a:p>
+          <a:p>
+            <a:endParaRPr lang="he-IL" sz="2000" dirty="0"/>
           </a:p>
         </p:txBody>
       </p:sp>
@@ -9059,7 +13452,7 @@
 </p:sld>
 </file>
 
-<file path=ppt/slides/slide8.xml><?xml version="1.0" encoding="utf-8"?>
+<file path=ppt/slides/slide9.xml><?xml version="1.0" encoding="utf-8"?>
 <p:sld xmlns:a="http://schemas.openxmlformats.org/drawingml/2006/main" xmlns:r="http://schemas.openxmlformats.org/officeDocument/2006/relationships" xmlns:p="http://schemas.openxmlformats.org/presentationml/2006/main">
   <p:cSld>
     <p:spTree>
